--- a/src/main/resources/final_CA_slides.pptx
+++ b/src/main/resources/final_CA_slides.pptx
@@ -5,27 +5,20 @@
     <p:sldMasterId id="2147483648" r:id="rId1"/>
   </p:sldMasterIdLst>
   <p:notesMasterIdLst>
-    <p:notesMasterId r:id="rId20"/>
+    <p:notesMasterId r:id="rId13"/>
   </p:notesMasterIdLst>
   <p:sldIdLst>
     <p:sldId id="256" r:id="rId2"/>
     <p:sldId id="264" r:id="rId3"/>
-    <p:sldId id="268" r:id="rId4"/>
-    <p:sldId id="269" r:id="rId5"/>
-    <p:sldId id="266" r:id="rId6"/>
-    <p:sldId id="267" r:id="rId7"/>
-    <p:sldId id="270" r:id="rId8"/>
-    <p:sldId id="271" r:id="rId9"/>
-    <p:sldId id="272" r:id="rId10"/>
-    <p:sldId id="275" r:id="rId11"/>
+    <p:sldId id="277" r:id="rId4"/>
+    <p:sldId id="268" r:id="rId5"/>
+    <p:sldId id="269" r:id="rId6"/>
+    <p:sldId id="266" r:id="rId7"/>
+    <p:sldId id="267" r:id="rId8"/>
+    <p:sldId id="270" r:id="rId9"/>
+    <p:sldId id="276" r:id="rId10"/>
+    <p:sldId id="272" r:id="rId11"/>
     <p:sldId id="273" r:id="rId12"/>
-    <p:sldId id="274" r:id="rId13"/>
-    <p:sldId id="262" r:id="rId14"/>
-    <p:sldId id="257" r:id="rId15"/>
-    <p:sldId id="258" r:id="rId16"/>
-    <p:sldId id="259" r:id="rId17"/>
-    <p:sldId id="260" r:id="rId18"/>
-    <p:sldId id="263" r:id="rId19"/>
   </p:sldIdLst>
   <p:sldSz cx="9144000" cy="6858000" type="screen4x3"/>
   <p:notesSz cx="6858000" cy="9144000"/>
@@ -225,7 +218,7 @@
           <a:p>
             <a:fld id="{57E2540F-AA20-E64A-9D3C-0471363DD02F}" type="datetimeFigureOut">
               <a:rPr lang="en-US" smtClean="0"/>
-              <a:t>11/24/18</a:t>
+              <a:t>11/25/18</a:t>
             </a:fld>
             <a:endParaRPr lang="en-US"/>
           </a:p>
@@ -657,98 +650,6 @@
 </p:notes>
 </file>
 
-<file path=ppt/notesSlides/notesSlide10.xml><?xml version="1.0" encoding="utf-8"?>
-<p:notes xmlns:a="http://schemas.openxmlformats.org/drawingml/2006/main" xmlns:r="http://schemas.openxmlformats.org/officeDocument/2006/relationships" xmlns:p="http://schemas.openxmlformats.org/presentationml/2006/main">
-  <p:cSld>
-    <p:spTree>
-      <p:nvGrpSpPr>
-        <p:cNvPr id="1" name=""/>
-        <p:cNvGrpSpPr/>
-        <p:nvPr/>
-      </p:nvGrpSpPr>
-      <p:grpSpPr>
-        <a:xfrm>
-          <a:off x="0" y="0"/>
-          <a:ext cx="0" cy="0"/>
-          <a:chOff x="0" y="0"/>
-          <a:chExt cx="0" cy="0"/>
-        </a:xfrm>
-      </p:grpSpPr>
-      <p:sp>
-        <p:nvSpPr>
-          <p:cNvPr id="2" name="Slide Image Placeholder 1"/>
-          <p:cNvSpPr>
-            <a:spLocks noGrp="1" noRot="1" noChangeAspect="1"/>
-          </p:cNvSpPr>
-          <p:nvPr>
-            <p:ph type="sldImg"/>
-          </p:nvPr>
-        </p:nvSpPr>
-        <p:spPr/>
-      </p:sp>
-      <p:sp>
-        <p:nvSpPr>
-          <p:cNvPr id="3" name="Notes Placeholder 2"/>
-          <p:cNvSpPr>
-            <a:spLocks noGrp="1"/>
-          </p:cNvSpPr>
-          <p:nvPr>
-            <p:ph type="body" idx="1"/>
-          </p:nvPr>
-        </p:nvSpPr>
-        <p:spPr/>
-        <p:txBody>
-          <a:bodyPr/>
-          <a:lstStyle/>
-          <a:p>
-            <a:r>
-              <a:rPr lang="en-US" dirty="0" smtClean="0"/>
-              <a:t>Walk through flow</a:t>
-            </a:r>
-            <a:r>
-              <a:rPr lang="en-US" baseline="0" dirty="0" smtClean="0"/>
-              <a:t> of sending message. Observer-observable, command design pattern, composite design pattern</a:t>
-            </a:r>
-            <a:endParaRPr lang="en-US" dirty="0"/>
-          </a:p>
-        </p:txBody>
-      </p:sp>
-      <p:sp>
-        <p:nvSpPr>
-          <p:cNvPr id="4" name="Slide Number Placeholder 3"/>
-          <p:cNvSpPr>
-            <a:spLocks noGrp="1"/>
-          </p:cNvSpPr>
-          <p:nvPr>
-            <p:ph type="sldNum" sz="quarter" idx="10"/>
-          </p:nvPr>
-        </p:nvSpPr>
-        <p:spPr/>
-        <p:txBody>
-          <a:bodyPr/>
-          <a:lstStyle/>
-          <a:p>
-            <a:fld id="{43DC2DDD-CC09-FA44-B0E7-875FE11E7331}" type="slidenum">
-              <a:rPr lang="en-US" smtClean="0"/>
-              <a:t>17</a:t>
-            </a:fld>
-            <a:endParaRPr lang="en-US"/>
-          </a:p>
-        </p:txBody>
-      </p:sp>
-    </p:spTree>
-    <p:extLst>
-      <p:ext uri="{BB962C8B-B14F-4D97-AF65-F5344CB8AC3E}">
-        <p14:creationId xmlns:p14="http://schemas.microsoft.com/office/powerpoint/2010/main" val="624100237"/>
-      </p:ext>
-    </p:extLst>
-  </p:cSld>
-  <p:clrMapOvr>
-    <a:masterClrMapping/>
-  </p:clrMapOvr>
-</p:notes>
-</file>
-
 <file path=ppt/notesSlides/notesSlide2.xml><?xml version="1.0" encoding="utf-8"?>
 <p:notes xmlns:a="http://schemas.openxmlformats.org/drawingml/2006/main" xmlns:r="http://schemas.openxmlformats.org/officeDocument/2006/relationships" xmlns:p="http://schemas.openxmlformats.org/presentationml/2006/main">
   <p:cSld>
@@ -793,22 +694,6 @@
           <a:bodyPr/>
           <a:lstStyle/>
           <a:p>
-            <a:r>
-              <a:rPr lang="en-US" dirty="0" smtClean="0"/>
-              <a:t>We broke down the game into 6 primary use cases that will explain how the </a:t>
-            </a:r>
-            <a:r>
-              <a:rPr lang="en-US" dirty="0" err="1" smtClean="0"/>
-              <a:t>api</a:t>
-            </a:r>
-            <a:r>
-              <a:rPr lang="en-US" dirty="0" smtClean="0"/>
-              <a:t> satisfies</a:t>
-            </a:r>
-            <a:r>
-              <a:rPr lang="en-US" baseline="0" dirty="0" smtClean="0"/>
-              <a:t> the game requirements</a:t>
-            </a:r>
             <a:endParaRPr lang="en-US" dirty="0"/>
           </a:p>
         </p:txBody>
@@ -828,7 +713,7 @@
           <a:bodyPr/>
           <a:lstStyle/>
           <a:p>
-            <a:fld id="{B0EC7914-C99C-EC47-BACB-EACC7A5FFFA3}" type="slidenum">
+            <a:fld id="{43DC2DDD-CC09-FA44-B0E7-875FE11E7331}" type="slidenum">
               <a:rPr lang="en-US" smtClean="0"/>
               <a:t>3</a:t>
             </a:fld>
@@ -839,7 +724,7 @@
     </p:spTree>
     <p:extLst>
       <p:ext uri="{BB962C8B-B14F-4D97-AF65-F5344CB8AC3E}">
-        <p14:creationId xmlns:p14="http://schemas.microsoft.com/office/powerpoint/2010/main" val="1256221420"/>
+        <p14:creationId xmlns:p14="http://schemas.microsoft.com/office/powerpoint/2010/main" val="161755141"/>
       </p:ext>
     </p:extLst>
   </p:cSld>
@@ -923,7 +808,7 @@
     </p:spTree>
     <p:extLst>
       <p:ext uri="{BB962C8B-B14F-4D97-AF65-F5344CB8AC3E}">
-        <p14:creationId xmlns:p14="http://schemas.microsoft.com/office/powerpoint/2010/main" val="1673329065"/>
+        <p14:creationId xmlns:p14="http://schemas.microsoft.com/office/powerpoint/2010/main" val="1256221420"/>
       </p:ext>
     </p:extLst>
   </p:cSld>
@@ -996,7 +881,7 @@
           <a:bodyPr/>
           <a:lstStyle/>
           <a:p>
-            <a:fld id="{43DC2DDD-CC09-FA44-B0E7-875FE11E7331}" type="slidenum">
+            <a:fld id="{B0EC7914-C99C-EC47-BACB-EACC7A5FFFA3}" type="slidenum">
               <a:rPr lang="en-US" smtClean="0"/>
               <a:t>5</a:t>
             </a:fld>
@@ -1007,7 +892,7 @@
     </p:spTree>
     <p:extLst>
       <p:ext uri="{BB962C8B-B14F-4D97-AF65-F5344CB8AC3E}">
-        <p14:creationId xmlns:p14="http://schemas.microsoft.com/office/powerpoint/2010/main" val="1957841255"/>
+        <p14:creationId xmlns:p14="http://schemas.microsoft.com/office/powerpoint/2010/main" val="1673329065"/>
       </p:ext>
     </p:extLst>
   </p:cSld>
@@ -1063,7 +948,83 @@
           <a:p>
             <a:r>
               <a:rPr lang="en-US" altLang="zh-CN" dirty="0" smtClean="0"/>
-              <a:t>(need</a:t>
+              <a:t>Restrictions,</a:t>
+            </a:r>
+            <a:r>
+              <a:rPr lang="zh-CN" altLang="en-US" dirty="0" smtClean="0"/>
+              <a:t> </a:t>
+            </a:r>
+            <a:r>
+              <a:rPr lang="en-US" altLang="zh-CN" dirty="0" smtClean="0"/>
+              <a:t>create</a:t>
+            </a:r>
+            <a:r>
+              <a:rPr lang="zh-CN" altLang="en-US" dirty="0" smtClean="0"/>
+              <a:t> </a:t>
+            </a:r>
+            <a:r>
+              <a:rPr lang="en-US" altLang="zh-CN" dirty="0" smtClean="0"/>
+              <a:t>and</a:t>
+            </a:r>
+            <a:r>
+              <a:rPr lang="zh-CN" altLang="en-US" dirty="0" smtClean="0"/>
+              <a:t> </a:t>
+            </a:r>
+            <a:r>
+              <a:rPr lang="en-US" altLang="zh-CN" dirty="0" smtClean="0"/>
+              <a:t>map</a:t>
+            </a:r>
+            <a:r>
+              <a:rPr lang="zh-CN" altLang="en-US" dirty="0" smtClean="0"/>
+              <a:t> </a:t>
+            </a:r>
+            <a:r>
+              <a:rPr lang="en-US" altLang="zh-CN" dirty="0" smtClean="0"/>
+              <a:t>room</a:t>
+            </a:r>
+            <a:r>
+              <a:rPr lang="zh-CN" altLang="en-US" dirty="0" smtClean="0"/>
+              <a:t> </a:t>
+            </a:r>
+            <a:r>
+              <a:rPr lang="en-US" altLang="zh-CN" dirty="0" err="1" smtClean="0"/>
+              <a:t>obj</a:t>
+            </a:r>
+            <a:r>
+              <a:rPr lang="en-US" altLang="zh-CN" dirty="0" smtClean="0"/>
+              <a:t>,</a:t>
+            </a:r>
+            <a:r>
+              <a:rPr lang="zh-CN" altLang="en-US" dirty="0" smtClean="0"/>
+              <a:t> </a:t>
+            </a:r>
+            <a:r>
+              <a:rPr lang="en-US" altLang="zh-CN" dirty="0" smtClean="0"/>
+              <a:t>check</a:t>
+            </a:r>
+            <a:r>
+              <a:rPr lang="zh-CN" altLang="en-US" dirty="0" smtClean="0"/>
+              <a:t> </a:t>
+            </a:r>
+            <a:r>
+              <a:rPr lang="en-US" altLang="zh-CN" dirty="0" smtClean="0"/>
+              <a:t>owner</a:t>
+            </a:r>
+            <a:r>
+              <a:rPr lang="zh-CN" altLang="en-US" dirty="0" smtClean="0"/>
+              <a:t> </a:t>
+            </a:r>
+            <a:r>
+              <a:rPr lang="en-US" altLang="zh-CN" dirty="0" smtClean="0"/>
+              <a:t>-&gt;</a:t>
+            </a:r>
+            <a:r>
+              <a:rPr lang="zh-CN" altLang="en-US" dirty="0" smtClean="0"/>
+              <a:t> </a:t>
+            </a:r>
+            <a:r>
+              <a:rPr lang="en-US" altLang="zh-CN" dirty="0" smtClean="0"/>
+              <a:t>if</a:t>
             </a:r>
             <a:r>
               <a:rPr lang="zh-CN" altLang="en-US" baseline="0" dirty="0" smtClean="0"/>
@@ -1071,7 +1032,7 @@
             </a:r>
             <a:r>
               <a:rPr lang="en-US" altLang="zh-CN" baseline="0" dirty="0" smtClean="0"/>
-              <a:t>some</a:t>
+              <a:t>not</a:t>
             </a:r>
             <a:r>
               <a:rPr lang="zh-CN" altLang="en-US" baseline="0" dirty="0" smtClean="0"/>
@@ -1079,7 +1040,7 @@
             </a:r>
             <a:r>
               <a:rPr lang="en-US" altLang="zh-CN" baseline="0" dirty="0" smtClean="0"/>
-              <a:t>modification</a:t>
+              <a:t>stop</a:t>
             </a:r>
             <a:r>
               <a:rPr lang="zh-CN" altLang="en-US" baseline="0" dirty="0" smtClean="0"/>
@@ -1087,7 +1048,7 @@
             </a:r>
             <a:r>
               <a:rPr lang="en-US" altLang="zh-CN" baseline="0" dirty="0" smtClean="0"/>
-              <a:t>for</a:t>
+              <a:t>-&gt;</a:t>
             </a:r>
             <a:r>
               <a:rPr lang="zh-CN" altLang="en-US" baseline="0" dirty="0" smtClean="0"/>
@@ -1095,7 +1056,7 @@
             </a:r>
             <a:r>
               <a:rPr lang="en-US" altLang="zh-CN" baseline="0" dirty="0" smtClean="0"/>
-              <a:t>this</a:t>
+              <a:t>otherwise</a:t>
             </a:r>
             <a:r>
               <a:rPr lang="zh-CN" altLang="en-US" baseline="0" dirty="0" smtClean="0"/>
@@ -1103,11 +1064,195 @@
             </a:r>
             <a:r>
               <a:rPr lang="en-US" altLang="zh-CN" baseline="0" dirty="0" smtClean="0"/>
-              <a:t>slides</a:t>
-            </a:r>
-            <a:r>
-              <a:rPr lang="en-US" altLang="zh-CN" dirty="0" smtClean="0"/>
-              <a:t>)</a:t>
+              <a:t>-&gt;</a:t>
+            </a:r>
+            <a:r>
+              <a:rPr lang="zh-CN" altLang="en-US" baseline="0" dirty="0" smtClean="0"/>
+              <a:t> </a:t>
+            </a:r>
+            <a:r>
+              <a:rPr lang="en-US" altLang="zh-CN" baseline="0" dirty="0" smtClean="0"/>
+              <a:t>send</a:t>
+            </a:r>
+            <a:r>
+              <a:rPr lang="zh-CN" altLang="en-US" baseline="0" dirty="0" smtClean="0"/>
+              <a:t> </a:t>
+            </a:r>
+            <a:r>
+              <a:rPr lang="en-US" altLang="zh-CN" baseline="0" dirty="0" smtClean="0"/>
+              <a:t>the</a:t>
+            </a:r>
+            <a:r>
+              <a:rPr lang="zh-CN" altLang="en-US" baseline="0" dirty="0" smtClean="0"/>
+              <a:t> </a:t>
+            </a:r>
+            <a:r>
+              <a:rPr lang="en-US" altLang="zh-CN" baseline="0" dirty="0" err="1" smtClean="0"/>
+              <a:t>addRoomCmd</a:t>
+            </a:r>
+            <a:r>
+              <a:rPr lang="zh-CN" altLang="en-US" baseline="0" dirty="0" smtClean="0"/>
+              <a:t> </a:t>
+            </a:r>
+            <a:r>
+              <a:rPr lang="en-US" altLang="zh-CN" baseline="0" dirty="0" smtClean="0"/>
+              <a:t>-&gt;</a:t>
+            </a:r>
+            <a:r>
+              <a:rPr lang="zh-CN" altLang="en-US" baseline="0" dirty="0" smtClean="0"/>
+              <a:t> </a:t>
+            </a:r>
+            <a:r>
+              <a:rPr lang="en-US" altLang="zh-CN" baseline="0" dirty="0" smtClean="0"/>
+              <a:t>notify</a:t>
+            </a:r>
+            <a:r>
+              <a:rPr lang="zh-CN" altLang="en-US" baseline="0" dirty="0" smtClean="0"/>
+              <a:t> </a:t>
+            </a:r>
+            <a:r>
+              <a:rPr lang="en-US" altLang="zh-CN" baseline="0" dirty="0" smtClean="0"/>
+              <a:t>everyone</a:t>
+            </a:r>
+            <a:r>
+              <a:rPr lang="zh-CN" altLang="en-US" baseline="0" dirty="0" smtClean="0"/>
+              <a:t> </a:t>
+            </a:r>
+            <a:r>
+              <a:rPr lang="en-US" altLang="zh-CN" baseline="0" dirty="0" smtClean="0"/>
+              <a:t>of</a:t>
+            </a:r>
+            <a:r>
+              <a:rPr lang="zh-CN" altLang="en-US" baseline="0" dirty="0" smtClean="0"/>
+              <a:t> </a:t>
+            </a:r>
+            <a:r>
+              <a:rPr lang="en-US" altLang="zh-CN" baseline="0" dirty="0" smtClean="0"/>
+              <a:t>room,</a:t>
+            </a:r>
+            <a:r>
+              <a:rPr lang="zh-CN" altLang="en-US" baseline="0" dirty="0" smtClean="0"/>
+              <a:t> </a:t>
+            </a:r>
+            <a:r>
+              <a:rPr lang="en-US" altLang="zh-CN" baseline="0" dirty="0" smtClean="0"/>
+              <a:t>add</a:t>
+            </a:r>
+            <a:r>
+              <a:rPr lang="zh-CN" altLang="en-US" baseline="0" dirty="0" smtClean="0"/>
+              <a:t> </a:t>
+            </a:r>
+            <a:r>
+              <a:rPr lang="en-US" altLang="zh-CN" baseline="0" dirty="0" smtClean="0"/>
+              <a:t>room</a:t>
+            </a:r>
+            <a:r>
+              <a:rPr lang="zh-CN" altLang="en-US" baseline="0" dirty="0" smtClean="0"/>
+              <a:t> </a:t>
+            </a:r>
+            <a:r>
+              <a:rPr lang="en-US" altLang="zh-CN" baseline="0" dirty="0" smtClean="0"/>
+              <a:t>to</a:t>
+            </a:r>
+            <a:r>
+              <a:rPr lang="zh-CN" altLang="en-US" baseline="0" dirty="0" smtClean="0"/>
+              <a:t> </a:t>
+            </a:r>
+            <a:r>
+              <a:rPr lang="en-US" altLang="zh-CN" baseline="0" dirty="0" smtClean="0"/>
+              <a:t>eligible</a:t>
+            </a:r>
+            <a:r>
+              <a:rPr lang="zh-CN" altLang="en-US" baseline="0" dirty="0" smtClean="0"/>
+              <a:t> </a:t>
+            </a:r>
+            <a:r>
+              <a:rPr lang="en-US" altLang="zh-CN" baseline="0" dirty="0" smtClean="0"/>
+              <a:t>users,</a:t>
+            </a:r>
+            <a:r>
+              <a:rPr lang="zh-CN" altLang="en-US" baseline="0" dirty="0" smtClean="0"/>
+              <a:t> </a:t>
+            </a:r>
+            <a:r>
+              <a:rPr lang="en-US" altLang="zh-CN" baseline="0" dirty="0" smtClean="0"/>
+              <a:t>update</a:t>
+            </a:r>
+            <a:r>
+              <a:rPr lang="zh-CN" altLang="en-US" baseline="0" dirty="0" smtClean="0"/>
+              <a:t> </a:t>
+            </a:r>
+            <a:r>
+              <a:rPr lang="en-US" altLang="zh-CN" baseline="0" dirty="0" smtClean="0"/>
+              <a:t>lists</a:t>
+            </a:r>
+            <a:r>
+              <a:rPr lang="zh-CN" altLang="en-US" baseline="0" dirty="0" smtClean="0"/>
+              <a:t> </a:t>
+            </a:r>
+            <a:r>
+              <a:rPr lang="en-US" altLang="zh-CN" baseline="0" dirty="0" smtClean="0"/>
+              <a:t>of</a:t>
+            </a:r>
+            <a:r>
+              <a:rPr lang="zh-CN" altLang="en-US" baseline="0" dirty="0" smtClean="0"/>
+              <a:t> </a:t>
+            </a:r>
+            <a:r>
+              <a:rPr lang="en-US" altLang="zh-CN" baseline="0" dirty="0" smtClean="0"/>
+              <a:t>eligible</a:t>
+            </a:r>
+            <a:r>
+              <a:rPr lang="zh-CN" altLang="en-US" baseline="0" dirty="0" smtClean="0"/>
+              <a:t> </a:t>
+            </a:r>
+            <a:r>
+              <a:rPr lang="en-US" altLang="zh-CN" baseline="0" dirty="0" smtClean="0"/>
+              <a:t>users,</a:t>
+            </a:r>
+            <a:r>
+              <a:rPr lang="zh-CN" altLang="en-US" baseline="0" dirty="0" smtClean="0"/>
+              <a:t> </a:t>
+            </a:r>
+            <a:r>
+              <a:rPr lang="en-US" altLang="zh-CN" baseline="0" dirty="0" smtClean="0"/>
+              <a:t>owner</a:t>
+            </a:r>
+            <a:r>
+              <a:rPr lang="zh-CN" altLang="en-US" baseline="0" dirty="0" smtClean="0"/>
+              <a:t> </a:t>
+            </a:r>
+            <a:r>
+              <a:rPr lang="en-US" altLang="zh-CN" baseline="0" dirty="0" smtClean="0"/>
+              <a:t>auto</a:t>
+            </a:r>
+            <a:r>
+              <a:rPr lang="zh-CN" altLang="en-US" baseline="0" dirty="0" smtClean="0"/>
+              <a:t> </a:t>
+            </a:r>
+            <a:r>
+              <a:rPr lang="en-US" altLang="zh-CN" baseline="0" dirty="0" smtClean="0"/>
+              <a:t>join/enter</a:t>
+            </a:r>
+            <a:r>
+              <a:rPr lang="zh-CN" altLang="en-US" baseline="0" dirty="0" smtClean="0"/>
+              <a:t> </a:t>
+            </a:r>
+            <a:r>
+              <a:rPr lang="en-US" altLang="zh-CN" baseline="0" dirty="0" smtClean="0"/>
+              <a:t>the</a:t>
+            </a:r>
+            <a:r>
+              <a:rPr lang="zh-CN" altLang="en-US" baseline="0" dirty="0" smtClean="0"/>
+              <a:t> </a:t>
+            </a:r>
+            <a:r>
+              <a:rPr lang="en-US" altLang="zh-CN" baseline="0" dirty="0" smtClean="0"/>
+              <a:t>room.</a:t>
+            </a:r>
+            <a:r>
+              <a:rPr lang="zh-CN" altLang="en-US" baseline="0" dirty="0" smtClean="0"/>
+              <a:t>  </a:t>
             </a:r>
             <a:endParaRPr lang="en-US" dirty="0"/>
           </a:p>
@@ -1139,7 +1284,7 @@
     </p:spTree>
     <p:extLst>
       <p:ext uri="{BB962C8B-B14F-4D97-AF65-F5344CB8AC3E}">
-        <p14:creationId xmlns:p14="http://schemas.microsoft.com/office/powerpoint/2010/main" val="1848829766"/>
+        <p14:creationId xmlns:p14="http://schemas.microsoft.com/office/powerpoint/2010/main" val="1957841255"/>
       </p:ext>
     </p:extLst>
   </p:cSld>
@@ -1195,31 +1340,7 @@
           <a:p>
             <a:r>
               <a:rPr lang="en-US" altLang="zh-CN" dirty="0" smtClean="0"/>
-              <a:t>(I’m</a:t>
-            </a:r>
-            <a:r>
-              <a:rPr lang="zh-CN" altLang="en-US" dirty="0" smtClean="0"/>
-              <a:t> </a:t>
-            </a:r>
-            <a:r>
-              <a:rPr lang="en-US" altLang="zh-CN" dirty="0" smtClean="0"/>
-              <a:t>not</a:t>
-            </a:r>
-            <a:r>
-              <a:rPr lang="zh-CN" altLang="en-US" dirty="0" smtClean="0"/>
-              <a:t> </a:t>
-            </a:r>
-            <a:r>
-              <a:rPr lang="en-US" altLang="zh-CN" dirty="0" smtClean="0"/>
-              <a:t>quite</a:t>
-            </a:r>
-            <a:r>
-              <a:rPr lang="zh-CN" altLang="en-US" dirty="0" smtClean="0"/>
-              <a:t> </a:t>
-            </a:r>
-            <a:r>
-              <a:rPr lang="en-US" altLang="zh-CN" dirty="0" smtClean="0"/>
-              <a:t>sure</a:t>
+              <a:t>(need</a:t>
             </a:r>
             <a:r>
               <a:rPr lang="zh-CN" altLang="en-US" baseline="0" dirty="0" smtClean="0"/>
@@ -1227,7 +1348,23 @@
             </a:r>
             <a:r>
               <a:rPr lang="en-US" altLang="zh-CN" baseline="0" dirty="0" smtClean="0"/>
-              <a:t>about</a:t>
+              <a:t>some</a:t>
+            </a:r>
+            <a:r>
+              <a:rPr lang="zh-CN" altLang="en-US" baseline="0" dirty="0" smtClean="0"/>
+              <a:t> </a:t>
+            </a:r>
+            <a:r>
+              <a:rPr lang="en-US" altLang="zh-CN" baseline="0" dirty="0" smtClean="0"/>
+              <a:t>modification</a:t>
+            </a:r>
+            <a:r>
+              <a:rPr lang="zh-CN" altLang="en-US" baseline="0" dirty="0" smtClean="0"/>
+              <a:t> </a:t>
+            </a:r>
+            <a:r>
+              <a:rPr lang="en-US" altLang="zh-CN" baseline="0" dirty="0" smtClean="0"/>
+              <a:t>for</a:t>
             </a:r>
             <a:r>
               <a:rPr lang="zh-CN" altLang="en-US" baseline="0" dirty="0" smtClean="0"/>
@@ -1243,55 +1380,7 @@
             </a:r>
             <a:r>
               <a:rPr lang="en-US" altLang="zh-CN" baseline="0" dirty="0" smtClean="0"/>
-              <a:t>part,</a:t>
-            </a:r>
-            <a:r>
-              <a:rPr lang="zh-CN" altLang="en-US" baseline="0" dirty="0" smtClean="0"/>
-              <a:t> </a:t>
-            </a:r>
-            <a:r>
-              <a:rPr lang="en-US" altLang="zh-CN" baseline="0" dirty="0" smtClean="0"/>
-              <a:t>can</a:t>
-            </a:r>
-            <a:r>
-              <a:rPr lang="zh-CN" altLang="en-US" baseline="0" dirty="0" smtClean="0"/>
-              <a:t> </a:t>
-            </a:r>
-            <a:r>
-              <a:rPr lang="en-US" altLang="zh-CN" baseline="0" dirty="0" smtClean="0"/>
-              <a:t>we</a:t>
-            </a:r>
-            <a:r>
-              <a:rPr lang="zh-CN" altLang="en-US" baseline="0" dirty="0" smtClean="0"/>
-              <a:t> </a:t>
-            </a:r>
-            <a:r>
-              <a:rPr lang="en-US" altLang="zh-CN" baseline="0" dirty="0" smtClean="0"/>
-              <a:t>do</a:t>
-            </a:r>
-            <a:r>
-              <a:rPr lang="zh-CN" altLang="en-US" baseline="0" dirty="0" smtClean="0"/>
-              <a:t> </a:t>
-            </a:r>
-            <a:r>
-              <a:rPr lang="en-US" altLang="zh-CN" baseline="0" dirty="0" smtClean="0"/>
-              <a:t>it</a:t>
-            </a:r>
-            <a:r>
-              <a:rPr lang="zh-CN" altLang="en-US" baseline="0" dirty="0" smtClean="0"/>
-              <a:t> </a:t>
-            </a:r>
-            <a:r>
-              <a:rPr lang="en-US" altLang="zh-CN" baseline="0" dirty="0" smtClean="0"/>
-              <a:t>together</a:t>
-            </a:r>
-            <a:r>
-              <a:rPr lang="zh-CN" altLang="en-US" baseline="0" dirty="0" smtClean="0"/>
-              <a:t> </a:t>
-            </a:r>
-            <a:r>
-              <a:rPr lang="en-US" altLang="zh-CN" baseline="0" dirty="0" smtClean="0"/>
-              <a:t>tomorrow</a:t>
+              <a:t>slides</a:t>
             </a:r>
             <a:r>
               <a:rPr lang="en-US" altLang="zh-CN" dirty="0" smtClean="0"/>
@@ -1318,7 +1407,7 @@
           <a:p>
             <a:fld id="{43DC2DDD-CC09-FA44-B0E7-875FE11E7331}" type="slidenum">
               <a:rPr lang="en-US" smtClean="0"/>
-              <a:t>8</a:t>
+              <a:t>7</a:t>
             </a:fld>
             <a:endParaRPr lang="en-US"/>
           </a:p>
@@ -1327,356 +1416,7 @@
     </p:spTree>
     <p:extLst>
       <p:ext uri="{BB962C8B-B14F-4D97-AF65-F5344CB8AC3E}">
-        <p14:creationId xmlns:p14="http://schemas.microsoft.com/office/powerpoint/2010/main" val="507725019"/>
-      </p:ext>
-    </p:extLst>
-  </p:cSld>
-  <p:clrMapOvr>
-    <a:masterClrMapping/>
-  </p:clrMapOvr>
-</p:notes>
-</file>
-
-<file path=ppt/notesSlides/notesSlide7.xml><?xml version="1.0" encoding="utf-8"?>
-<p:notes xmlns:a="http://schemas.openxmlformats.org/drawingml/2006/main" xmlns:r="http://schemas.openxmlformats.org/officeDocument/2006/relationships" xmlns:p="http://schemas.openxmlformats.org/presentationml/2006/main">
-  <p:cSld>
-    <p:spTree>
-      <p:nvGrpSpPr>
-        <p:cNvPr id="1" name=""/>
-        <p:cNvGrpSpPr/>
-        <p:nvPr/>
-      </p:nvGrpSpPr>
-      <p:grpSpPr>
-        <a:xfrm>
-          <a:off x="0" y="0"/>
-          <a:ext cx="0" cy="0"/>
-          <a:chOff x="0" y="0"/>
-          <a:chExt cx="0" cy="0"/>
-        </a:xfrm>
-      </p:grpSpPr>
-      <p:sp>
-        <p:nvSpPr>
-          <p:cNvPr id="2" name="Slide Image Placeholder 1"/>
-          <p:cNvSpPr>
-            <a:spLocks noGrp="1" noRot="1" noChangeAspect="1"/>
-          </p:cNvSpPr>
-          <p:nvPr>
-            <p:ph type="sldImg"/>
-          </p:nvPr>
-        </p:nvSpPr>
-        <p:spPr/>
-      </p:sp>
-      <p:sp>
-        <p:nvSpPr>
-          <p:cNvPr id="3" name="Notes Placeholder 2"/>
-          <p:cNvSpPr>
-            <a:spLocks noGrp="1"/>
-          </p:cNvSpPr>
-          <p:nvPr>
-            <p:ph type="body" idx="1"/>
-          </p:nvPr>
-        </p:nvSpPr>
-        <p:spPr/>
-        <p:txBody>
-          <a:bodyPr/>
-          <a:lstStyle/>
-          <a:p>
-            <a:r>
-              <a:rPr lang="en-US" altLang="zh-CN" dirty="0" smtClean="0"/>
-              <a:t>(To</a:t>
-            </a:r>
-            <a:r>
-              <a:rPr lang="zh-CN" altLang="en-US" baseline="0" dirty="0" smtClean="0"/>
-              <a:t> </a:t>
-            </a:r>
-            <a:r>
-              <a:rPr lang="en-US" altLang="zh-CN" baseline="0" dirty="0" smtClean="0"/>
-              <a:t>be</a:t>
-            </a:r>
-            <a:r>
-              <a:rPr lang="zh-CN" altLang="en-US" baseline="0" dirty="0" smtClean="0"/>
-              <a:t> </a:t>
-            </a:r>
-            <a:r>
-              <a:rPr lang="en-US" altLang="zh-CN" baseline="0" dirty="0" smtClean="0"/>
-              <a:t>finished,</a:t>
-            </a:r>
-            <a:r>
-              <a:rPr lang="zh-CN" altLang="en-US" baseline="0" dirty="0" smtClean="0"/>
-              <a:t> </a:t>
-            </a:r>
-            <a:r>
-              <a:rPr lang="en-US" altLang="zh-CN" baseline="0" dirty="0" smtClean="0"/>
-              <a:t>maybe</a:t>
-            </a:r>
-            <a:r>
-              <a:rPr lang="zh-CN" altLang="en-US" baseline="0" dirty="0" smtClean="0"/>
-              <a:t> </a:t>
-            </a:r>
-            <a:r>
-              <a:rPr lang="en-US" altLang="zh-CN" baseline="0" dirty="0" smtClean="0"/>
-              <a:t>combined</a:t>
-            </a:r>
-            <a:r>
-              <a:rPr lang="zh-CN" altLang="en-US" baseline="0" dirty="0" smtClean="0"/>
-              <a:t> </a:t>
-            </a:r>
-            <a:r>
-              <a:rPr lang="en-US" altLang="zh-CN" baseline="0" dirty="0" smtClean="0"/>
-              <a:t>with</a:t>
-            </a:r>
-            <a:r>
-              <a:rPr lang="zh-CN" altLang="en-US" baseline="0" dirty="0" smtClean="0"/>
-              <a:t> </a:t>
-            </a:r>
-            <a:r>
-              <a:rPr lang="en-US" altLang="zh-CN" baseline="0" dirty="0" smtClean="0"/>
-              <a:t>previous</a:t>
-            </a:r>
-            <a:r>
-              <a:rPr lang="zh-CN" altLang="en-US" baseline="0" dirty="0" smtClean="0"/>
-              <a:t> </a:t>
-            </a:r>
-            <a:r>
-              <a:rPr lang="en-US" altLang="zh-CN" baseline="0" dirty="0" smtClean="0"/>
-              <a:t>slide</a:t>
-            </a:r>
-            <a:r>
-              <a:rPr lang="en-US" altLang="zh-CN" dirty="0" smtClean="0"/>
-              <a:t>)</a:t>
-            </a:r>
-            <a:endParaRPr lang="en-US" dirty="0"/>
-          </a:p>
-        </p:txBody>
-      </p:sp>
-      <p:sp>
-        <p:nvSpPr>
-          <p:cNvPr id="4" name="Slide Number Placeholder 3"/>
-          <p:cNvSpPr>
-            <a:spLocks noGrp="1"/>
-          </p:cNvSpPr>
-          <p:nvPr>
-            <p:ph type="sldNum" sz="quarter" idx="10"/>
-          </p:nvPr>
-        </p:nvSpPr>
-        <p:spPr/>
-        <p:txBody>
-          <a:bodyPr/>
-          <a:lstStyle/>
-          <a:p>
-            <a:fld id="{43DC2DDD-CC09-FA44-B0E7-875FE11E7331}" type="slidenum">
-              <a:rPr lang="en-US" smtClean="0"/>
-              <a:t>10</a:t>
-            </a:fld>
-            <a:endParaRPr lang="en-US"/>
-          </a:p>
-        </p:txBody>
-      </p:sp>
-    </p:spTree>
-    <p:extLst>
-      <p:ext uri="{BB962C8B-B14F-4D97-AF65-F5344CB8AC3E}">
-        <p14:creationId xmlns:p14="http://schemas.microsoft.com/office/powerpoint/2010/main" val="971201402"/>
-      </p:ext>
-    </p:extLst>
-  </p:cSld>
-  <p:clrMapOvr>
-    <a:masterClrMapping/>
-  </p:clrMapOvr>
-</p:notes>
-</file>
-
-<file path=ppt/notesSlides/notesSlide8.xml><?xml version="1.0" encoding="utf-8"?>
-<p:notes xmlns:a="http://schemas.openxmlformats.org/drawingml/2006/main" xmlns:r="http://schemas.openxmlformats.org/officeDocument/2006/relationships" xmlns:p="http://schemas.openxmlformats.org/presentationml/2006/main">
-  <p:cSld>
-    <p:spTree>
-      <p:nvGrpSpPr>
-        <p:cNvPr id="1" name=""/>
-        <p:cNvGrpSpPr/>
-        <p:nvPr/>
-      </p:nvGrpSpPr>
-      <p:grpSpPr>
-        <a:xfrm>
-          <a:off x="0" y="0"/>
-          <a:ext cx="0" cy="0"/>
-          <a:chOff x="0" y="0"/>
-          <a:chExt cx="0" cy="0"/>
-        </a:xfrm>
-      </p:grpSpPr>
-      <p:sp>
-        <p:nvSpPr>
-          <p:cNvPr id="2" name="Slide Image Placeholder 1"/>
-          <p:cNvSpPr>
-            <a:spLocks noGrp="1" noRot="1" noChangeAspect="1"/>
-          </p:cNvSpPr>
-          <p:nvPr>
-            <p:ph type="sldImg"/>
-          </p:nvPr>
-        </p:nvSpPr>
-        <p:spPr/>
-      </p:sp>
-      <p:sp>
-        <p:nvSpPr>
-          <p:cNvPr id="3" name="Notes Placeholder 2"/>
-          <p:cNvSpPr>
-            <a:spLocks noGrp="1"/>
-          </p:cNvSpPr>
-          <p:nvPr>
-            <p:ph type="body" idx="1"/>
-          </p:nvPr>
-        </p:nvSpPr>
-        <p:spPr/>
-        <p:txBody>
-          <a:bodyPr/>
-          <a:lstStyle/>
-          <a:p>
-            <a:r>
-              <a:rPr lang="en-US" dirty="0" smtClean="0"/>
-              <a:t>Introduce</a:t>
-            </a:r>
-            <a:r>
-              <a:rPr lang="en-US" baseline="0" dirty="0" smtClean="0"/>
-              <a:t> main assumption of message sending. The rest of design is based off this assumption, not like chat apps we use.</a:t>
-            </a:r>
-            <a:endParaRPr lang="en-US" dirty="0" smtClean="0"/>
-          </a:p>
-          <a:p>
-            <a:r>
-              <a:rPr lang="en-US" dirty="0" smtClean="0"/>
-              <a:t>Regular messages go to a single other user in the chat</a:t>
-            </a:r>
-            <a:r>
-              <a:rPr lang="en-US" baseline="0" dirty="0" smtClean="0"/>
-              <a:t> room. Owners can send a message to all other users. </a:t>
-            </a:r>
-          </a:p>
-          <a:p>
-            <a:r>
-              <a:rPr lang="en-US" baseline="0" dirty="0" smtClean="0"/>
-              <a:t>Users can receive messages even when they are not on the chat room page.</a:t>
-            </a:r>
-            <a:endParaRPr lang="en-US" dirty="0"/>
-          </a:p>
-        </p:txBody>
-      </p:sp>
-      <p:sp>
-        <p:nvSpPr>
-          <p:cNvPr id="4" name="Slide Number Placeholder 3"/>
-          <p:cNvSpPr>
-            <a:spLocks noGrp="1"/>
-          </p:cNvSpPr>
-          <p:nvPr>
-            <p:ph type="sldNum" sz="quarter" idx="10"/>
-          </p:nvPr>
-        </p:nvSpPr>
-        <p:spPr/>
-        <p:txBody>
-          <a:bodyPr/>
-          <a:lstStyle/>
-          <a:p>
-            <a:fld id="{43DC2DDD-CC09-FA44-B0E7-875FE11E7331}" type="slidenum">
-              <a:rPr lang="en-US" smtClean="0"/>
-              <a:t>13</a:t>
-            </a:fld>
-            <a:endParaRPr lang="en-US"/>
-          </a:p>
-        </p:txBody>
-      </p:sp>
-    </p:spTree>
-    <p:extLst>
-      <p:ext uri="{BB962C8B-B14F-4D97-AF65-F5344CB8AC3E}">
-        <p14:creationId xmlns:p14="http://schemas.microsoft.com/office/powerpoint/2010/main" val="200956335"/>
-      </p:ext>
-    </p:extLst>
-  </p:cSld>
-  <p:clrMapOvr>
-    <a:masterClrMapping/>
-  </p:clrMapOvr>
-</p:notes>
-</file>
-
-<file path=ppt/notesSlides/notesSlide9.xml><?xml version="1.0" encoding="utf-8"?>
-<p:notes xmlns:a="http://schemas.openxmlformats.org/drawingml/2006/main" xmlns:r="http://schemas.openxmlformats.org/officeDocument/2006/relationships" xmlns:p="http://schemas.openxmlformats.org/presentationml/2006/main">
-  <p:cSld>
-    <p:spTree>
-      <p:nvGrpSpPr>
-        <p:cNvPr id="1" name=""/>
-        <p:cNvGrpSpPr/>
-        <p:nvPr/>
-      </p:nvGrpSpPr>
-      <p:grpSpPr>
-        <a:xfrm>
-          <a:off x="0" y="0"/>
-          <a:ext cx="0" cy="0"/>
-          <a:chOff x="0" y="0"/>
-          <a:chExt cx="0" cy="0"/>
-        </a:xfrm>
-      </p:grpSpPr>
-      <p:sp>
-        <p:nvSpPr>
-          <p:cNvPr id="2" name="Slide Image Placeholder 1"/>
-          <p:cNvSpPr>
-            <a:spLocks noGrp="1" noRot="1" noChangeAspect="1"/>
-          </p:cNvSpPr>
-          <p:nvPr>
-            <p:ph type="sldImg"/>
-          </p:nvPr>
-        </p:nvSpPr>
-        <p:spPr/>
-      </p:sp>
-      <p:sp>
-        <p:nvSpPr>
-          <p:cNvPr id="3" name="Notes Placeholder 2"/>
-          <p:cNvSpPr>
-            <a:spLocks noGrp="1"/>
-          </p:cNvSpPr>
-          <p:nvPr>
-            <p:ph type="body" idx="1"/>
-          </p:nvPr>
-        </p:nvSpPr>
-        <p:spPr/>
-        <p:txBody>
-          <a:bodyPr/>
-          <a:lstStyle/>
-          <a:p>
-            <a:r>
-              <a:rPr lang="en-US" dirty="0" err="1" smtClean="0"/>
-              <a:t>CompositeUser</a:t>
-            </a:r>
-            <a:r>
-              <a:rPr lang="en-US" baseline="0" dirty="0" smtClean="0"/>
-              <a:t> extends user</a:t>
-            </a:r>
-            <a:endParaRPr lang="en-US" dirty="0"/>
-          </a:p>
-        </p:txBody>
-      </p:sp>
-      <p:sp>
-        <p:nvSpPr>
-          <p:cNvPr id="4" name="Slide Number Placeholder 3"/>
-          <p:cNvSpPr>
-            <a:spLocks noGrp="1"/>
-          </p:cNvSpPr>
-          <p:nvPr>
-            <p:ph type="sldNum" sz="quarter" idx="10"/>
-          </p:nvPr>
-        </p:nvSpPr>
-        <p:spPr/>
-        <p:txBody>
-          <a:bodyPr/>
-          <a:lstStyle/>
-          <a:p>
-            <a:fld id="{43DC2DDD-CC09-FA44-B0E7-875FE11E7331}" type="slidenum">
-              <a:rPr lang="en-US" smtClean="0"/>
-              <a:t>15</a:t>
-            </a:fld>
-            <a:endParaRPr lang="en-US"/>
-          </a:p>
-        </p:txBody>
-      </p:sp>
-    </p:spTree>
-    <p:extLst>
-      <p:ext uri="{BB962C8B-B14F-4D97-AF65-F5344CB8AC3E}">
-        <p14:creationId xmlns:p14="http://schemas.microsoft.com/office/powerpoint/2010/main" val="1221506984"/>
+        <p14:creationId xmlns:p14="http://schemas.microsoft.com/office/powerpoint/2010/main" val="1848829766"/>
       </p:ext>
     </p:extLst>
   </p:cSld>
@@ -1867,7 +1607,7 @@
           <a:p>
             <a:fld id="{084FBAE5-F0BC-4F42-BD09-B927D6FFA908}" type="datetimeFigureOut">
               <a:rPr lang="en-US" smtClean="0"/>
-              <a:t>11/24/18</a:t>
+              <a:t>11/25/18</a:t>
             </a:fld>
             <a:endParaRPr lang="en-US"/>
           </a:p>
@@ -2037,7 +1777,7 @@
           <a:p>
             <a:fld id="{084FBAE5-F0BC-4F42-BD09-B927D6FFA908}" type="datetimeFigureOut">
               <a:rPr lang="en-US" smtClean="0"/>
-              <a:t>11/24/18</a:t>
+              <a:t>11/25/18</a:t>
             </a:fld>
             <a:endParaRPr lang="en-US"/>
           </a:p>
@@ -2217,7 +1957,7 @@
           <a:p>
             <a:fld id="{084FBAE5-F0BC-4F42-BD09-B927D6FFA908}" type="datetimeFigureOut">
               <a:rPr lang="en-US" smtClean="0"/>
-              <a:t>11/24/18</a:t>
+              <a:t>11/25/18</a:t>
             </a:fld>
             <a:endParaRPr lang="en-US"/>
           </a:p>
@@ -2387,7 +2127,7 @@
           <a:p>
             <a:fld id="{084FBAE5-F0BC-4F42-BD09-B927D6FFA908}" type="datetimeFigureOut">
               <a:rPr lang="en-US" smtClean="0"/>
-              <a:t>11/24/18</a:t>
+              <a:t>11/25/18</a:t>
             </a:fld>
             <a:endParaRPr lang="en-US"/>
           </a:p>
@@ -2633,7 +2373,7 @@
           <a:p>
             <a:fld id="{084FBAE5-F0BC-4F42-BD09-B927D6FFA908}" type="datetimeFigureOut">
               <a:rPr lang="en-US" smtClean="0"/>
-              <a:t>11/24/18</a:t>
+              <a:t>11/25/18</a:t>
             </a:fld>
             <a:endParaRPr lang="en-US"/>
           </a:p>
@@ -2921,7 +2661,7 @@
           <a:p>
             <a:fld id="{084FBAE5-F0BC-4F42-BD09-B927D6FFA908}" type="datetimeFigureOut">
               <a:rPr lang="en-US" smtClean="0"/>
-              <a:t>11/24/18</a:t>
+              <a:t>11/25/18</a:t>
             </a:fld>
             <a:endParaRPr lang="en-US"/>
           </a:p>
@@ -3343,7 +3083,7 @@
           <a:p>
             <a:fld id="{084FBAE5-F0BC-4F42-BD09-B927D6FFA908}" type="datetimeFigureOut">
               <a:rPr lang="en-US" smtClean="0"/>
-              <a:t>11/24/18</a:t>
+              <a:t>11/25/18</a:t>
             </a:fld>
             <a:endParaRPr lang="en-US"/>
           </a:p>
@@ -3461,7 +3201,7 @@
           <a:p>
             <a:fld id="{084FBAE5-F0BC-4F42-BD09-B927D6FFA908}" type="datetimeFigureOut">
               <a:rPr lang="en-US" smtClean="0"/>
-              <a:t>11/24/18</a:t>
+              <a:t>11/25/18</a:t>
             </a:fld>
             <a:endParaRPr lang="en-US"/>
           </a:p>
@@ -3556,7 +3296,7 @@
           <a:p>
             <a:fld id="{084FBAE5-F0BC-4F42-BD09-B927D6FFA908}" type="datetimeFigureOut">
               <a:rPr lang="en-US" smtClean="0"/>
-              <a:t>11/24/18</a:t>
+              <a:t>11/25/18</a:t>
             </a:fld>
             <a:endParaRPr lang="en-US"/>
           </a:p>
@@ -3833,7 +3573,7 @@
           <a:p>
             <a:fld id="{084FBAE5-F0BC-4F42-BD09-B927D6FFA908}" type="datetimeFigureOut">
               <a:rPr lang="en-US" smtClean="0"/>
-              <a:t>11/24/18</a:t>
+              <a:t>11/25/18</a:t>
             </a:fld>
             <a:endParaRPr lang="en-US"/>
           </a:p>
@@ -4086,7 +3826,7 @@
           <a:p>
             <a:fld id="{084FBAE5-F0BC-4F42-BD09-B927D6FFA908}" type="datetimeFigureOut">
               <a:rPr lang="en-US" smtClean="0"/>
-              <a:t>11/24/18</a:t>
+              <a:t>11/25/18</a:t>
             </a:fld>
             <a:endParaRPr lang="en-US"/>
           </a:p>
@@ -4299,7 +4039,7 @@
           <a:p>
             <a:fld id="{084FBAE5-F0BC-4F42-BD09-B927D6FFA908}" type="datetimeFigureOut">
               <a:rPr lang="en-US" smtClean="0"/>
-              <a:t>11/24/18</a:t>
+              <a:t>11/25/18</a:t>
             </a:fld>
             <a:endParaRPr lang="en-US"/>
           </a:p>
@@ -4696,11 +4436,7 @@
           <a:p>
             <a:r>
               <a:rPr lang="en-US" dirty="0" smtClean="0"/>
-              <a:t>Chat </a:t>
-            </a:r>
-            <a:r>
-              <a:rPr lang="en-US" dirty="0" smtClean="0"/>
-              <a:t>App</a:t>
+              <a:t>Chat App</a:t>
             </a:r>
             <a:r>
               <a:rPr lang="zh-CN" altLang="en-US" dirty="0" smtClean="0"/>
@@ -4836,7 +4572,15 @@
           <a:p>
             <a:r>
               <a:rPr lang="en-US" altLang="zh-CN" dirty="0" smtClean="0"/>
-              <a:t>Summary</a:t>
+              <a:t>Design</a:t>
+            </a:r>
+            <a:r>
+              <a:rPr lang="zh-CN" altLang="en-US" dirty="0" smtClean="0"/>
+              <a:t> </a:t>
+            </a:r>
+            <a:r>
+              <a:rPr lang="en-US" altLang="zh-CN" dirty="0" smtClean="0"/>
+              <a:t>Decisions</a:t>
             </a:r>
             <a:endParaRPr lang="en-US" dirty="0"/>
           </a:p>
@@ -4844,7 +4588,7 @@
       </p:sp>
       <p:sp>
         <p:nvSpPr>
-          <p:cNvPr id="3" name="Content Placeholder 2"/>
+          <p:cNvPr id="4" name="Content Placeholder 2"/>
           <p:cNvSpPr>
             <a:spLocks noGrp="1"/>
           </p:cNvSpPr>
@@ -4852,19 +4596,239 @@
             <p:ph idx="1"/>
           </p:nvPr>
         </p:nvSpPr>
-        <p:spPr/>
+        <p:spPr>
+          <a:xfrm>
+            <a:off x="457200" y="1600200"/>
+            <a:ext cx="8229600" cy="4525963"/>
+          </a:xfrm>
+        </p:spPr>
         <p:txBody>
           <a:bodyPr/>
           <a:lstStyle/>
           <a:p>
-            <a:endParaRPr lang="en-US"/>
+            <a:r>
+              <a:rPr lang="en-US" altLang="zh-CN" dirty="0" smtClean="0"/>
+              <a:t>Show</a:t>
+            </a:r>
+            <a:r>
+              <a:rPr lang="zh-CN" altLang="en-US" dirty="0" smtClean="0"/>
+              <a:t> </a:t>
+            </a:r>
+            <a:r>
+              <a:rPr lang="en-US" altLang="zh-CN" dirty="0" smtClean="0"/>
+              <a:t>latest</a:t>
+            </a:r>
+            <a:r>
+              <a:rPr lang="zh-CN" altLang="en-US" dirty="0" smtClean="0"/>
+              <a:t> </a:t>
+            </a:r>
+            <a:r>
+              <a:rPr lang="en-US" altLang="zh-CN" dirty="0" smtClean="0"/>
+              <a:t>notification</a:t>
+            </a:r>
+            <a:r>
+              <a:rPr lang="zh-CN" altLang="en-US" dirty="0" smtClean="0"/>
+              <a:t> </a:t>
+            </a:r>
+            <a:r>
+              <a:rPr lang="en-US" altLang="zh-CN" dirty="0" smtClean="0"/>
+              <a:t>regardless</a:t>
+            </a:r>
+            <a:r>
+              <a:rPr lang="zh-CN" altLang="en-US" dirty="0" smtClean="0"/>
+              <a:t> </a:t>
+            </a:r>
+            <a:r>
+              <a:rPr lang="en-US" altLang="zh-CN" dirty="0" smtClean="0"/>
+              <a:t>of</a:t>
+            </a:r>
+            <a:r>
+              <a:rPr lang="zh-CN" altLang="en-US" dirty="0" smtClean="0"/>
+              <a:t> </a:t>
+            </a:r>
+            <a:r>
+              <a:rPr lang="en-US" altLang="zh-CN" dirty="0" smtClean="0"/>
+              <a:t>room</a:t>
+            </a:r>
+          </a:p>
+          <a:p>
+            <a:r>
+              <a:rPr lang="en-US" altLang="zh-CN" dirty="0" smtClean="0"/>
+              <a:t>Received</a:t>
+            </a:r>
+            <a:r>
+              <a:rPr lang="zh-CN" altLang="en-US" dirty="0" smtClean="0"/>
+              <a:t> </a:t>
+            </a:r>
+            <a:r>
+              <a:rPr lang="en-US" altLang="zh-CN" dirty="0" smtClean="0"/>
+              <a:t>messages</a:t>
+            </a:r>
+            <a:r>
+              <a:rPr lang="zh-CN" altLang="en-US" dirty="0" smtClean="0"/>
+              <a:t> </a:t>
+            </a:r>
+            <a:r>
+              <a:rPr lang="en-US" altLang="zh-CN" dirty="0" smtClean="0"/>
+              <a:t>are</a:t>
+            </a:r>
+            <a:r>
+              <a:rPr lang="zh-CN" altLang="en-US" dirty="0" smtClean="0"/>
+              <a:t> </a:t>
+            </a:r>
+            <a:r>
+              <a:rPr lang="en-US" altLang="zh-CN" dirty="0" smtClean="0"/>
+              <a:t>shown</a:t>
+            </a:r>
+            <a:r>
+              <a:rPr lang="zh-CN" altLang="en-US" dirty="0" smtClean="0"/>
+              <a:t> </a:t>
+            </a:r>
+            <a:r>
+              <a:rPr lang="en-US" altLang="zh-CN" dirty="0" smtClean="0"/>
+              <a:t>in</a:t>
+            </a:r>
+            <a:r>
+              <a:rPr lang="zh-CN" altLang="en-US" dirty="0" smtClean="0"/>
+              <a:t> </a:t>
+            </a:r>
+            <a:r>
+              <a:rPr lang="en-US" altLang="zh-CN" dirty="0" smtClean="0"/>
+              <a:t>green</a:t>
+            </a:r>
+          </a:p>
+          <a:p>
+            <a:r>
+              <a:rPr lang="en-US" altLang="zh-CN" dirty="0" smtClean="0"/>
+              <a:t>Only</a:t>
+            </a:r>
+            <a:r>
+              <a:rPr lang="zh-CN" altLang="en-US" dirty="0" smtClean="0"/>
+              <a:t> </a:t>
+            </a:r>
+            <a:r>
+              <a:rPr lang="en-US" altLang="zh-CN" dirty="0" smtClean="0"/>
+              <a:t>show</a:t>
+            </a:r>
+            <a:r>
+              <a:rPr lang="zh-CN" altLang="en-US" dirty="0" smtClean="0"/>
+              <a:t> </a:t>
+            </a:r>
+            <a:r>
+              <a:rPr lang="en-US" altLang="zh-CN" dirty="0" smtClean="0"/>
+              <a:t>eligible</a:t>
+            </a:r>
+            <a:r>
+              <a:rPr lang="zh-CN" altLang="en-US" dirty="0" smtClean="0"/>
+              <a:t> </a:t>
+            </a:r>
+            <a:r>
+              <a:rPr lang="en-US" altLang="zh-CN" dirty="0" smtClean="0"/>
+              <a:t>rooms</a:t>
+            </a:r>
+          </a:p>
+          <a:p>
+            <a:endParaRPr lang="en-US" dirty="0"/>
+          </a:p>
+          <a:p>
+            <a:r>
+              <a:rPr lang="en-US" altLang="zh-CN" dirty="0" smtClean="0"/>
+              <a:t>Can’t</a:t>
+            </a:r>
+            <a:r>
+              <a:rPr lang="zh-CN" altLang="en-US" dirty="0" smtClean="0"/>
+              <a:t> </a:t>
+            </a:r>
+            <a:r>
+              <a:rPr lang="en-US" altLang="zh-CN" dirty="0" smtClean="0"/>
+              <a:t>modify</a:t>
+            </a:r>
+            <a:r>
+              <a:rPr lang="zh-CN" altLang="en-US" dirty="0" smtClean="0"/>
+              <a:t> </a:t>
+            </a:r>
+            <a:r>
+              <a:rPr lang="en-US" altLang="zh-CN" dirty="0" smtClean="0"/>
+              <a:t>room</a:t>
+            </a:r>
+            <a:r>
+              <a:rPr lang="zh-CN" altLang="en-US" dirty="0" smtClean="0"/>
+              <a:t> </a:t>
+            </a:r>
+            <a:r>
+              <a:rPr lang="en-US" altLang="zh-CN" dirty="0" smtClean="0"/>
+              <a:t>restriction,</a:t>
+            </a:r>
+            <a:r>
+              <a:rPr lang="zh-CN" altLang="en-US" dirty="0" smtClean="0"/>
+              <a:t> </a:t>
+            </a:r>
+            <a:r>
+              <a:rPr lang="en-US" altLang="zh-CN" dirty="0" smtClean="0"/>
+              <a:t>no</a:t>
+            </a:r>
+            <a:r>
+              <a:rPr lang="zh-CN" altLang="en-US" dirty="0" smtClean="0"/>
+              <a:t> </a:t>
+            </a:r>
+            <a:r>
+              <a:rPr lang="en-US" altLang="zh-CN" dirty="0" smtClean="0"/>
+              <a:t>empty</a:t>
+            </a:r>
+            <a:r>
+              <a:rPr lang="zh-CN" altLang="en-US" dirty="0" smtClean="0"/>
+              <a:t> </a:t>
+            </a:r>
+            <a:r>
+              <a:rPr lang="en-US" altLang="zh-CN" dirty="0" smtClean="0"/>
+              <a:t>restrictions</a:t>
+            </a:r>
+          </a:p>
+          <a:p>
+            <a:r>
+              <a:rPr lang="en-US" altLang="zh-CN" dirty="0" smtClean="0"/>
+              <a:t>Delete</a:t>
+            </a:r>
+            <a:r>
+              <a:rPr lang="zh-CN" altLang="en-US" dirty="0" smtClean="0"/>
+              <a:t> </a:t>
+            </a:r>
+            <a:r>
+              <a:rPr lang="en-US" altLang="zh-CN" dirty="0" smtClean="0"/>
+              <a:t>room</a:t>
+            </a:r>
+            <a:r>
+              <a:rPr lang="zh-CN" altLang="en-US" dirty="0" smtClean="0"/>
+              <a:t> </a:t>
+            </a:r>
+            <a:r>
+              <a:rPr lang="en-US" altLang="zh-CN" dirty="0" smtClean="0"/>
+              <a:t>when</a:t>
+            </a:r>
+            <a:r>
+              <a:rPr lang="zh-CN" altLang="en-US" dirty="0" smtClean="0"/>
+              <a:t> </a:t>
+            </a:r>
+            <a:r>
+              <a:rPr lang="en-US" altLang="zh-CN" dirty="0" smtClean="0"/>
+              <a:t>owner</a:t>
+            </a:r>
+            <a:r>
+              <a:rPr lang="zh-CN" altLang="en-US" dirty="0" smtClean="0"/>
+              <a:t> </a:t>
+            </a:r>
+            <a:r>
+              <a:rPr lang="en-US" altLang="zh-CN" dirty="0" smtClean="0"/>
+              <a:t>leaves</a:t>
+            </a:r>
+            <a:endParaRPr lang="en-US" dirty="0"/>
           </a:p>
         </p:txBody>
       </p:sp>
     </p:spTree>
     <p:extLst>
       <p:ext uri="{BB962C8B-B14F-4D97-AF65-F5344CB8AC3E}">
-        <p14:creationId xmlns:p14="http://schemas.microsoft.com/office/powerpoint/2010/main" val="359564623"/>
+        <p14:creationId xmlns:p14="http://schemas.microsoft.com/office/powerpoint/2010/main" val="882879950"/>
       </p:ext>
     </p:extLst>
   </p:cSld>
@@ -4932,1471 +4896,6 @@
 </p:sld>
 </file>
 
-<file path=ppt/slides/slide12.xml><?xml version="1.0" encoding="utf-8"?>
-<p:sld xmlns:a="http://schemas.openxmlformats.org/drawingml/2006/main" xmlns:r="http://schemas.openxmlformats.org/officeDocument/2006/relationships" xmlns:p="http://schemas.openxmlformats.org/presentationml/2006/main">
-  <p:cSld>
-    <p:spTree>
-      <p:nvGrpSpPr>
-        <p:cNvPr id="1" name=""/>
-        <p:cNvGrpSpPr/>
-        <p:nvPr/>
-      </p:nvGrpSpPr>
-      <p:grpSpPr>
-        <a:xfrm>
-          <a:off x="0" y="0"/>
-          <a:ext cx="0" cy="0"/>
-          <a:chOff x="0" y="0"/>
-          <a:chExt cx="0" cy="0"/>
-        </a:xfrm>
-      </p:grpSpPr>
-      <p:sp>
-        <p:nvSpPr>
-          <p:cNvPr id="2" name="Title 1"/>
-          <p:cNvSpPr>
-            <a:spLocks noGrp="1"/>
-          </p:cNvSpPr>
-          <p:nvPr>
-            <p:ph type="title"/>
-          </p:nvPr>
-        </p:nvSpPr>
-        <p:spPr/>
-        <p:txBody>
-          <a:bodyPr/>
-          <a:lstStyle/>
-          <a:p>
-            <a:endParaRPr lang="en-US"/>
-          </a:p>
-        </p:txBody>
-      </p:sp>
-      <p:sp>
-        <p:nvSpPr>
-          <p:cNvPr id="3" name="Content Placeholder 2"/>
-          <p:cNvSpPr>
-            <a:spLocks noGrp="1"/>
-          </p:cNvSpPr>
-          <p:nvPr>
-            <p:ph idx="1"/>
-          </p:nvPr>
-        </p:nvSpPr>
-        <p:spPr/>
-        <p:txBody>
-          <a:bodyPr/>
-          <a:lstStyle/>
-          <a:p>
-            <a:endParaRPr lang="en-US"/>
-          </a:p>
-        </p:txBody>
-      </p:sp>
-    </p:spTree>
-    <p:extLst>
-      <p:ext uri="{BB962C8B-B14F-4D97-AF65-F5344CB8AC3E}">
-        <p14:creationId xmlns:p14="http://schemas.microsoft.com/office/powerpoint/2010/main" val="1161880628"/>
-      </p:ext>
-    </p:extLst>
-  </p:cSld>
-  <p:clrMapOvr>
-    <a:masterClrMapping/>
-  </p:clrMapOvr>
-</p:sld>
-</file>
-
-<file path=ppt/slides/slide13.xml><?xml version="1.0" encoding="utf-8"?>
-<p:sld xmlns:a="http://schemas.openxmlformats.org/drawingml/2006/main" xmlns:r="http://schemas.openxmlformats.org/officeDocument/2006/relationships" xmlns:p="http://schemas.openxmlformats.org/presentationml/2006/main">
-  <p:cSld>
-    <p:spTree>
-      <p:nvGrpSpPr>
-        <p:cNvPr id="1" name=""/>
-        <p:cNvGrpSpPr/>
-        <p:nvPr/>
-      </p:nvGrpSpPr>
-      <p:grpSpPr>
-        <a:xfrm>
-          <a:off x="0" y="0"/>
-          <a:ext cx="0" cy="0"/>
-          <a:chOff x="0" y="0"/>
-          <a:chExt cx="0" cy="0"/>
-        </a:xfrm>
-      </p:grpSpPr>
-      <p:sp>
-        <p:nvSpPr>
-          <p:cNvPr id="2" name="Title 1"/>
-          <p:cNvSpPr>
-            <a:spLocks noGrp="1"/>
-          </p:cNvSpPr>
-          <p:nvPr>
-            <p:ph type="title"/>
-          </p:nvPr>
-        </p:nvSpPr>
-        <p:spPr/>
-        <p:txBody>
-          <a:bodyPr/>
-          <a:lstStyle/>
-          <a:p>
-            <a:r>
-              <a:rPr lang="en-US" dirty="0" smtClean="0"/>
-              <a:t>Chat Room Design</a:t>
-            </a:r>
-            <a:endParaRPr lang="en-US" dirty="0"/>
-          </a:p>
-        </p:txBody>
-      </p:sp>
-      <p:sp>
-        <p:nvSpPr>
-          <p:cNvPr id="4" name="Rectangle 3"/>
-          <p:cNvSpPr/>
-          <p:nvPr/>
-        </p:nvSpPr>
-        <p:spPr>
-          <a:xfrm>
-            <a:off x="814664" y="1605542"/>
-            <a:ext cx="7619500" cy="4505102"/>
-          </a:xfrm>
-          <a:prstGeom prst="rect">
-            <a:avLst/>
-          </a:prstGeom>
-        </p:spPr>
-        <p:style>
-          <a:lnRef idx="1">
-            <a:schemeClr val="accent1"/>
-          </a:lnRef>
-          <a:fillRef idx="3">
-            <a:schemeClr val="accent1"/>
-          </a:fillRef>
-          <a:effectRef idx="2">
-            <a:schemeClr val="accent1"/>
-          </a:effectRef>
-          <a:fontRef idx="minor">
-            <a:schemeClr val="lt1"/>
-          </a:fontRef>
-        </p:style>
-        <p:txBody>
-          <a:bodyPr rtlCol="0" anchor="ctr"/>
-          <a:lstStyle/>
-          <a:p>
-            <a:pPr algn="ctr"/>
-            <a:endParaRPr lang="en-US"/>
-          </a:p>
-        </p:txBody>
-      </p:sp>
-      <p:sp>
-        <p:nvSpPr>
-          <p:cNvPr id="5" name="Rectangle 4"/>
-          <p:cNvSpPr/>
-          <p:nvPr/>
-        </p:nvSpPr>
-        <p:spPr>
-          <a:xfrm>
-            <a:off x="1186054" y="2000936"/>
-            <a:ext cx="2767461" cy="3199102"/>
-          </a:xfrm>
-          <a:prstGeom prst="rect">
-            <a:avLst/>
-          </a:prstGeom>
-          <a:solidFill>
-            <a:schemeClr val="bg1"/>
-          </a:solidFill>
-        </p:spPr>
-        <p:style>
-          <a:lnRef idx="1">
-            <a:schemeClr val="accent1"/>
-          </a:lnRef>
-          <a:fillRef idx="3">
-            <a:schemeClr val="accent1"/>
-          </a:fillRef>
-          <a:effectRef idx="2">
-            <a:schemeClr val="accent1"/>
-          </a:effectRef>
-          <a:fontRef idx="minor">
-            <a:schemeClr val="lt1"/>
-          </a:fontRef>
-        </p:style>
-        <p:txBody>
-          <a:bodyPr rtlCol="0" anchor="ctr"/>
-          <a:lstStyle/>
-          <a:p>
-            <a:pPr algn="ctr"/>
-            <a:r>
-              <a:rPr lang="en-US" dirty="0" smtClean="0">
-                <a:solidFill>
-                  <a:schemeClr val="tx1"/>
-                </a:solidFill>
-              </a:rPr>
-              <a:t>Select menu containing users in chat room</a:t>
-            </a:r>
-            <a:endParaRPr lang="en-US" dirty="0">
-              <a:solidFill>
-                <a:schemeClr val="tx1"/>
-              </a:solidFill>
-            </a:endParaRPr>
-          </a:p>
-        </p:txBody>
-      </p:sp>
-      <p:sp>
-        <p:nvSpPr>
-          <p:cNvPr id="6" name="Rectangle 5"/>
-          <p:cNvSpPr/>
-          <p:nvPr/>
-        </p:nvSpPr>
-        <p:spPr>
-          <a:xfrm>
-            <a:off x="4285620" y="2000936"/>
-            <a:ext cx="3813095" cy="3743534"/>
-          </a:xfrm>
-          <a:prstGeom prst="rect">
-            <a:avLst/>
-          </a:prstGeom>
-          <a:solidFill>
-            <a:schemeClr val="bg1"/>
-          </a:solidFill>
-        </p:spPr>
-        <p:style>
-          <a:lnRef idx="1">
-            <a:schemeClr val="accent1"/>
-          </a:lnRef>
-          <a:fillRef idx="3">
-            <a:schemeClr val="accent1"/>
-          </a:fillRef>
-          <a:effectRef idx="2">
-            <a:schemeClr val="accent1"/>
-          </a:effectRef>
-          <a:fontRef idx="minor">
-            <a:schemeClr val="lt1"/>
-          </a:fontRef>
-        </p:style>
-        <p:txBody>
-          <a:bodyPr rtlCol="0" anchor="ctr"/>
-          <a:lstStyle/>
-          <a:p>
-            <a:pPr algn="ctr"/>
-            <a:r>
-              <a:rPr lang="en-US" dirty="0" smtClean="0">
-                <a:solidFill>
-                  <a:srgbClr val="000000"/>
-                </a:solidFill>
-              </a:rPr>
-              <a:t>Message history for this user contains all messages involving user (sent/received)</a:t>
-            </a:r>
-            <a:endParaRPr lang="en-US" dirty="0">
-              <a:solidFill>
-                <a:srgbClr val="000000"/>
-              </a:solidFill>
-            </a:endParaRPr>
-          </a:p>
-        </p:txBody>
-      </p:sp>
-      <p:sp>
-        <p:nvSpPr>
-          <p:cNvPr id="7" name="Rectangle 6"/>
-          <p:cNvSpPr/>
-          <p:nvPr/>
-        </p:nvSpPr>
-        <p:spPr>
-          <a:xfrm>
-            <a:off x="1186055" y="5352437"/>
-            <a:ext cx="1832992" cy="392033"/>
-          </a:xfrm>
-          <a:prstGeom prst="rect">
-            <a:avLst/>
-          </a:prstGeom>
-          <a:solidFill>
-            <a:schemeClr val="bg1"/>
-          </a:solidFill>
-        </p:spPr>
-        <p:style>
-          <a:lnRef idx="1">
-            <a:schemeClr val="accent1"/>
-          </a:lnRef>
-          <a:fillRef idx="3">
-            <a:schemeClr val="accent1"/>
-          </a:fillRef>
-          <a:effectRef idx="2">
-            <a:schemeClr val="accent1"/>
-          </a:effectRef>
-          <a:fontRef idx="minor">
-            <a:schemeClr val="lt1"/>
-          </a:fontRef>
-        </p:style>
-        <p:txBody>
-          <a:bodyPr rtlCol="0" anchor="ctr"/>
-          <a:lstStyle/>
-          <a:p>
-            <a:pPr algn="ctr"/>
-            <a:r>
-              <a:rPr lang="en-US" dirty="0" smtClean="0">
-                <a:solidFill>
-                  <a:srgbClr val="000000"/>
-                </a:solidFill>
-              </a:rPr>
-              <a:t>Message</a:t>
-            </a:r>
-            <a:endParaRPr lang="en-US" dirty="0">
-              <a:solidFill>
-                <a:srgbClr val="000000"/>
-              </a:solidFill>
-            </a:endParaRPr>
-          </a:p>
-        </p:txBody>
-      </p:sp>
-      <p:sp>
-        <p:nvSpPr>
-          <p:cNvPr id="8" name="Rectangle 7"/>
-          <p:cNvSpPr/>
-          <p:nvPr/>
-        </p:nvSpPr>
-        <p:spPr>
-          <a:xfrm>
-            <a:off x="3171447" y="5352437"/>
-            <a:ext cx="782068" cy="392033"/>
-          </a:xfrm>
-          <a:prstGeom prst="rect">
-            <a:avLst/>
-          </a:prstGeom>
-          <a:solidFill>
-            <a:schemeClr val="bg1"/>
-          </a:solidFill>
-        </p:spPr>
-        <p:style>
-          <a:lnRef idx="1">
-            <a:schemeClr val="accent1"/>
-          </a:lnRef>
-          <a:fillRef idx="3">
-            <a:schemeClr val="accent1"/>
-          </a:fillRef>
-          <a:effectRef idx="2">
-            <a:schemeClr val="accent1"/>
-          </a:effectRef>
-          <a:fontRef idx="minor">
-            <a:schemeClr val="lt1"/>
-          </a:fontRef>
-        </p:style>
-        <p:txBody>
-          <a:bodyPr rtlCol="0" anchor="ctr"/>
-          <a:lstStyle/>
-          <a:p>
-            <a:pPr algn="ctr"/>
-            <a:r>
-              <a:rPr lang="en-US" dirty="0" smtClean="0">
-                <a:solidFill>
-                  <a:srgbClr val="000000"/>
-                </a:solidFill>
-              </a:rPr>
-              <a:t>Send</a:t>
-            </a:r>
-            <a:endParaRPr lang="en-US" dirty="0">
-              <a:solidFill>
-                <a:srgbClr val="000000"/>
-              </a:solidFill>
-            </a:endParaRPr>
-          </a:p>
-        </p:txBody>
-      </p:sp>
-    </p:spTree>
-    <p:extLst>
-      <p:ext uri="{BB962C8B-B14F-4D97-AF65-F5344CB8AC3E}">
-        <p14:creationId xmlns:p14="http://schemas.microsoft.com/office/powerpoint/2010/main" val="2912402011"/>
-      </p:ext>
-    </p:extLst>
-  </p:cSld>
-  <p:clrMapOvr>
-    <a:masterClrMapping/>
-  </p:clrMapOvr>
-</p:sld>
-</file>
-
-<file path=ppt/slides/slide14.xml><?xml version="1.0" encoding="utf-8"?>
-<p:sld xmlns:a="http://schemas.openxmlformats.org/drawingml/2006/main" xmlns:r="http://schemas.openxmlformats.org/officeDocument/2006/relationships" xmlns:p="http://schemas.openxmlformats.org/presentationml/2006/main">
-  <p:cSld>
-    <p:spTree>
-      <p:nvGrpSpPr>
-        <p:cNvPr id="1" name=""/>
-        <p:cNvGrpSpPr/>
-        <p:nvPr/>
-      </p:nvGrpSpPr>
-      <p:grpSpPr>
-        <a:xfrm>
-          <a:off x="0" y="0"/>
-          <a:ext cx="0" cy="0"/>
-          <a:chOff x="0" y="0"/>
-          <a:chExt cx="0" cy="0"/>
-        </a:xfrm>
-      </p:grpSpPr>
-      <p:sp>
-        <p:nvSpPr>
-          <p:cNvPr id="2" name="Title 1"/>
-          <p:cNvSpPr>
-            <a:spLocks noGrp="1"/>
-          </p:cNvSpPr>
-          <p:nvPr>
-            <p:ph type="title"/>
-          </p:nvPr>
-        </p:nvSpPr>
-        <p:spPr/>
-        <p:txBody>
-          <a:bodyPr/>
-          <a:lstStyle/>
-          <a:p>
-            <a:r>
-              <a:rPr lang="en-US" dirty="0" smtClean="0"/>
-              <a:t>Controllers</a:t>
-            </a:r>
-            <a:endParaRPr lang="en-US" dirty="0"/>
-          </a:p>
-        </p:txBody>
-      </p:sp>
-      <p:sp>
-        <p:nvSpPr>
-          <p:cNvPr id="3" name="Content Placeholder 2"/>
-          <p:cNvSpPr>
-            <a:spLocks noGrp="1"/>
-          </p:cNvSpPr>
-          <p:nvPr>
-            <p:ph idx="1"/>
-          </p:nvPr>
-        </p:nvSpPr>
-        <p:spPr/>
-        <p:txBody>
-          <a:bodyPr/>
-          <a:lstStyle/>
-          <a:p>
-            <a:r>
-              <a:rPr lang="en-US" dirty="0" smtClean="0"/>
-              <a:t>Supported requests by CAC and WSC</a:t>
-            </a:r>
-          </a:p>
-          <a:p>
-            <a:r>
-              <a:rPr lang="en-US" dirty="0" smtClean="0"/>
-              <a:t>CAC is an observable</a:t>
-            </a:r>
-          </a:p>
-          <a:p>
-            <a:r>
-              <a:rPr lang="en-US" b="1" dirty="0" smtClean="0"/>
-              <a:t>How we are storing user/session/chat room info</a:t>
-            </a:r>
-            <a:endParaRPr lang="en-US" b="1" dirty="0"/>
-          </a:p>
-        </p:txBody>
-      </p:sp>
-    </p:spTree>
-    <p:extLst>
-      <p:ext uri="{BB962C8B-B14F-4D97-AF65-F5344CB8AC3E}">
-        <p14:creationId xmlns:p14="http://schemas.microsoft.com/office/powerpoint/2010/main" val="512292908"/>
-      </p:ext>
-    </p:extLst>
-  </p:cSld>
-  <p:clrMapOvr>
-    <a:masterClrMapping/>
-  </p:clrMapOvr>
-</p:sld>
-</file>
-
-<file path=ppt/slides/slide15.xml><?xml version="1.0" encoding="utf-8"?>
-<p:sld xmlns:a="http://schemas.openxmlformats.org/drawingml/2006/main" xmlns:r="http://schemas.openxmlformats.org/officeDocument/2006/relationships" xmlns:p="http://schemas.openxmlformats.org/presentationml/2006/main">
-  <p:cSld>
-    <p:spTree>
-      <p:nvGrpSpPr>
-        <p:cNvPr id="1" name=""/>
-        <p:cNvGrpSpPr/>
-        <p:nvPr/>
-      </p:nvGrpSpPr>
-      <p:grpSpPr>
-        <a:xfrm>
-          <a:off x="0" y="0"/>
-          <a:ext cx="0" cy="0"/>
-          <a:chOff x="0" y="0"/>
-          <a:chExt cx="0" cy="0"/>
-        </a:xfrm>
-      </p:grpSpPr>
-      <p:sp>
-        <p:nvSpPr>
-          <p:cNvPr id="2" name="Title 1"/>
-          <p:cNvSpPr>
-            <a:spLocks noGrp="1"/>
-          </p:cNvSpPr>
-          <p:nvPr>
-            <p:ph type="title"/>
-          </p:nvPr>
-        </p:nvSpPr>
-        <p:spPr/>
-        <p:txBody>
-          <a:bodyPr/>
-          <a:lstStyle/>
-          <a:p>
-            <a:r>
-              <a:rPr lang="en-US" dirty="0" smtClean="0"/>
-              <a:t>Objects</a:t>
-            </a:r>
-            <a:endParaRPr lang="en-US" dirty="0"/>
-          </a:p>
-        </p:txBody>
-      </p:sp>
-      <p:sp>
-        <p:nvSpPr>
-          <p:cNvPr id="3" name="Content Placeholder 2"/>
-          <p:cNvSpPr>
-            <a:spLocks noGrp="1"/>
-          </p:cNvSpPr>
-          <p:nvPr>
-            <p:ph idx="1"/>
-          </p:nvPr>
-        </p:nvSpPr>
-        <p:spPr/>
-        <p:txBody>
-          <a:bodyPr/>
-          <a:lstStyle/>
-          <a:p>
-            <a:r>
-              <a:rPr lang="en-US" dirty="0" smtClean="0"/>
-              <a:t>UML diagrams for User and </a:t>
-            </a:r>
-            <a:r>
-              <a:rPr lang="en-US" dirty="0" err="1" smtClean="0"/>
-              <a:t>ChatRoom</a:t>
-            </a:r>
-            <a:endParaRPr lang="en-US" dirty="0" smtClean="0"/>
-          </a:p>
-          <a:p>
-            <a:r>
-              <a:rPr lang="en-US" dirty="0" err="1" smtClean="0"/>
-              <a:t>ChatRoom</a:t>
-            </a:r>
-            <a:r>
-              <a:rPr lang="en-US" dirty="0" smtClean="0"/>
-              <a:t> observes CAC</a:t>
-            </a:r>
-          </a:p>
-          <a:p>
-            <a:r>
-              <a:rPr lang="en-US" dirty="0" smtClean="0"/>
-              <a:t>User observes </a:t>
-            </a:r>
-            <a:r>
-              <a:rPr lang="en-US" dirty="0" err="1" smtClean="0"/>
-              <a:t>ChatRoom</a:t>
-            </a:r>
-            <a:endParaRPr lang="en-US" dirty="0"/>
-          </a:p>
-        </p:txBody>
-      </p:sp>
-    </p:spTree>
-    <p:extLst>
-      <p:ext uri="{BB962C8B-B14F-4D97-AF65-F5344CB8AC3E}">
-        <p14:creationId xmlns:p14="http://schemas.microsoft.com/office/powerpoint/2010/main" val="307611045"/>
-      </p:ext>
-    </p:extLst>
-  </p:cSld>
-  <p:clrMapOvr>
-    <a:masterClrMapping/>
-  </p:clrMapOvr>
-</p:sld>
-</file>
-
-<file path=ppt/slides/slide16.xml><?xml version="1.0" encoding="utf-8"?>
-<p:sld xmlns:a="http://schemas.openxmlformats.org/drawingml/2006/main" xmlns:r="http://schemas.openxmlformats.org/officeDocument/2006/relationships" xmlns:p="http://schemas.openxmlformats.org/presentationml/2006/main">
-  <p:cSld>
-    <p:spTree>
-      <p:nvGrpSpPr>
-        <p:cNvPr id="1" name=""/>
-        <p:cNvGrpSpPr/>
-        <p:nvPr/>
-      </p:nvGrpSpPr>
-      <p:grpSpPr>
-        <a:xfrm>
-          <a:off x="0" y="0"/>
-          <a:ext cx="0" cy="0"/>
-          <a:chOff x="0" y="0"/>
-          <a:chExt cx="0" cy="0"/>
-        </a:xfrm>
-      </p:grpSpPr>
-      <p:sp>
-        <p:nvSpPr>
-          <p:cNvPr id="2" name="Title 1"/>
-          <p:cNvSpPr>
-            <a:spLocks noGrp="1"/>
-          </p:cNvSpPr>
-          <p:nvPr>
-            <p:ph type="title"/>
-          </p:nvPr>
-        </p:nvSpPr>
-        <p:spPr/>
-        <p:txBody>
-          <a:bodyPr/>
-          <a:lstStyle/>
-          <a:p>
-            <a:r>
-              <a:rPr lang="en-US" dirty="0" smtClean="0"/>
-              <a:t>Commands</a:t>
-            </a:r>
-            <a:endParaRPr lang="en-US" dirty="0"/>
-          </a:p>
-        </p:txBody>
-      </p:sp>
-      <p:sp>
-        <p:nvSpPr>
-          <p:cNvPr id="3" name="Content Placeholder 2"/>
-          <p:cNvSpPr>
-            <a:spLocks noGrp="1"/>
-          </p:cNvSpPr>
-          <p:nvPr>
-            <p:ph idx="1"/>
-          </p:nvPr>
-        </p:nvSpPr>
-        <p:spPr/>
-        <p:txBody>
-          <a:bodyPr/>
-          <a:lstStyle/>
-          <a:p>
-            <a:r>
-              <a:rPr lang="en-US" dirty="0" err="1" smtClean="0"/>
-              <a:t>ISendMsgCmd</a:t>
-            </a:r>
-            <a:r>
-              <a:rPr lang="en-US" dirty="0" smtClean="0"/>
-              <a:t> interface UML diagram</a:t>
-            </a:r>
-          </a:p>
-          <a:p>
-            <a:pPr lvl="1"/>
-            <a:r>
-              <a:rPr lang="en-US" dirty="0" smtClean="0"/>
-              <a:t>CAC -&gt; </a:t>
-            </a:r>
-            <a:r>
-              <a:rPr lang="en-US" dirty="0" err="1" smtClean="0"/>
-              <a:t>ChatRoom</a:t>
-            </a:r>
-            <a:r>
-              <a:rPr lang="en-US" dirty="0" smtClean="0"/>
-              <a:t> command</a:t>
-            </a:r>
-          </a:p>
-          <a:p>
-            <a:pPr lvl="1"/>
-            <a:r>
-              <a:rPr lang="en-US" dirty="0" err="1" smtClean="0"/>
-              <a:t>ChatRoom</a:t>
-            </a:r>
-            <a:r>
-              <a:rPr lang="en-US" dirty="0" smtClean="0"/>
-              <a:t> -&gt; User command</a:t>
-            </a:r>
-            <a:endParaRPr lang="en-US" dirty="0"/>
-          </a:p>
-        </p:txBody>
-      </p:sp>
-    </p:spTree>
-    <p:extLst>
-      <p:ext uri="{BB962C8B-B14F-4D97-AF65-F5344CB8AC3E}">
-        <p14:creationId xmlns:p14="http://schemas.microsoft.com/office/powerpoint/2010/main" val="2694455055"/>
-      </p:ext>
-    </p:extLst>
-  </p:cSld>
-  <p:clrMapOvr>
-    <a:masterClrMapping/>
-  </p:clrMapOvr>
-</p:sld>
-</file>
-
-<file path=ppt/slides/slide17.xml><?xml version="1.0" encoding="utf-8"?>
-<p:sld xmlns:a="http://schemas.openxmlformats.org/drawingml/2006/main" xmlns:r="http://schemas.openxmlformats.org/officeDocument/2006/relationships" xmlns:p="http://schemas.openxmlformats.org/presentationml/2006/main">
-  <p:cSld>
-    <p:spTree>
-      <p:nvGrpSpPr>
-        <p:cNvPr id="1" name=""/>
-        <p:cNvGrpSpPr/>
-        <p:nvPr/>
-      </p:nvGrpSpPr>
-      <p:grpSpPr>
-        <a:xfrm>
-          <a:off x="0" y="0"/>
-          <a:ext cx="0" cy="0"/>
-          <a:chOff x="0" y="0"/>
-          <a:chExt cx="0" cy="0"/>
-        </a:xfrm>
-      </p:grpSpPr>
-      <p:sp>
-        <p:nvSpPr>
-          <p:cNvPr id="2" name="Title 1"/>
-          <p:cNvSpPr>
-            <a:spLocks noGrp="1"/>
-          </p:cNvSpPr>
-          <p:nvPr>
-            <p:ph type="title"/>
-          </p:nvPr>
-        </p:nvSpPr>
-        <p:spPr/>
-        <p:txBody>
-          <a:bodyPr/>
-          <a:lstStyle/>
-          <a:p>
-            <a:r>
-              <a:rPr lang="en-US" dirty="0" smtClean="0"/>
-              <a:t>Sending Messages</a:t>
-            </a:r>
-            <a:endParaRPr lang="en-US" dirty="0"/>
-          </a:p>
-        </p:txBody>
-      </p:sp>
-      <p:sp>
-        <p:nvSpPr>
-          <p:cNvPr id="4" name="Rectangle 3"/>
-          <p:cNvSpPr/>
-          <p:nvPr/>
-        </p:nvSpPr>
-        <p:spPr>
-          <a:xfrm>
-            <a:off x="457200" y="1629506"/>
-            <a:ext cx="2837395" cy="1905083"/>
-          </a:xfrm>
-          <a:prstGeom prst="rect">
-            <a:avLst/>
-          </a:prstGeom>
-          <a:solidFill>
-            <a:schemeClr val="bg1"/>
-          </a:solidFill>
-          <a:ln>
-            <a:solidFill>
-              <a:schemeClr val="tx1"/>
-            </a:solidFill>
-          </a:ln>
-          <a:effectLst/>
-        </p:spPr>
-        <p:style>
-          <a:lnRef idx="1">
-            <a:schemeClr val="accent1"/>
-          </a:lnRef>
-          <a:fillRef idx="3">
-            <a:schemeClr val="accent1"/>
-          </a:fillRef>
-          <a:effectRef idx="2">
-            <a:schemeClr val="accent1"/>
-          </a:effectRef>
-          <a:fontRef idx="minor">
-            <a:schemeClr val="lt1"/>
-          </a:fontRef>
-        </p:style>
-        <p:txBody>
-          <a:bodyPr rtlCol="0" anchor="ctr"/>
-          <a:lstStyle/>
-          <a:p>
-            <a:pPr algn="ctr"/>
-            <a:r>
-              <a:rPr lang="en-US" dirty="0" err="1" smtClean="0">
-                <a:solidFill>
-                  <a:srgbClr val="000000"/>
-                </a:solidFill>
-              </a:rPr>
-              <a:t>WebSocketController</a:t>
-            </a:r>
-            <a:r>
-              <a:rPr lang="en-US" dirty="0">
-                <a:solidFill>
-                  <a:srgbClr val="000000"/>
-                </a:solidFill>
-              </a:rPr>
-              <a:t> </a:t>
-            </a:r>
-            <a:endParaRPr lang="en-US" dirty="0" smtClean="0">
-              <a:solidFill>
-                <a:srgbClr val="000000"/>
-              </a:solidFill>
-            </a:endParaRPr>
-          </a:p>
-          <a:p>
-            <a:pPr algn="ctr"/>
-            <a:r>
-              <a:rPr lang="en-US" dirty="0" err="1" smtClean="0">
-                <a:solidFill>
-                  <a:srgbClr val="000000"/>
-                </a:solidFill>
-              </a:rPr>
-              <a:t>onMessage</a:t>
-            </a:r>
-            <a:r>
-              <a:rPr lang="en-US" dirty="0" smtClean="0">
-                <a:solidFill>
-                  <a:srgbClr val="000000"/>
-                </a:solidFill>
-              </a:rPr>
-              <a:t>(user, message)</a:t>
-            </a:r>
-          </a:p>
-          <a:p>
-            <a:pPr algn="ctr"/>
-            <a:endParaRPr lang="en-US" dirty="0" smtClean="0">
-              <a:solidFill>
-                <a:srgbClr val="000000"/>
-              </a:solidFill>
-            </a:endParaRPr>
-          </a:p>
-          <a:p>
-            <a:pPr algn="ctr"/>
-            <a:r>
-              <a:rPr lang="en-US" dirty="0" smtClean="0">
-                <a:solidFill>
-                  <a:srgbClr val="000000"/>
-                </a:solidFill>
-              </a:rPr>
-              <a:t>Message is  a JSON string including recipient and chat room info</a:t>
-            </a:r>
-            <a:endParaRPr lang="en-US" dirty="0">
-              <a:solidFill>
-                <a:srgbClr val="000000"/>
-              </a:solidFill>
-            </a:endParaRPr>
-          </a:p>
-        </p:txBody>
-      </p:sp>
-      <p:sp>
-        <p:nvSpPr>
-          <p:cNvPr id="5" name="Rectangle 4"/>
-          <p:cNvSpPr/>
-          <p:nvPr/>
-        </p:nvSpPr>
-        <p:spPr>
-          <a:xfrm>
-            <a:off x="457200" y="4022475"/>
-            <a:ext cx="2837395" cy="1905083"/>
-          </a:xfrm>
-          <a:prstGeom prst="rect">
-            <a:avLst/>
-          </a:prstGeom>
-          <a:solidFill>
-            <a:schemeClr val="bg1"/>
-          </a:solidFill>
-          <a:ln>
-            <a:solidFill>
-              <a:schemeClr val="tx1"/>
-            </a:solidFill>
-          </a:ln>
-          <a:effectLst/>
-        </p:spPr>
-        <p:style>
-          <a:lnRef idx="1">
-            <a:schemeClr val="accent1"/>
-          </a:lnRef>
-          <a:fillRef idx="3">
-            <a:schemeClr val="accent1"/>
-          </a:fillRef>
-          <a:effectRef idx="2">
-            <a:schemeClr val="accent1"/>
-          </a:effectRef>
-          <a:fontRef idx="minor">
-            <a:schemeClr val="lt1"/>
-          </a:fontRef>
-        </p:style>
-        <p:txBody>
-          <a:bodyPr rtlCol="0" anchor="ctr"/>
-          <a:lstStyle/>
-          <a:p>
-            <a:pPr algn="ctr"/>
-            <a:r>
-              <a:rPr lang="en-US" dirty="0" err="1" smtClean="0">
-                <a:solidFill>
-                  <a:srgbClr val="000000"/>
-                </a:solidFill>
-              </a:rPr>
-              <a:t>ChatAppController</a:t>
-            </a:r>
-            <a:endParaRPr lang="en-US" dirty="0" smtClean="0">
-              <a:solidFill>
-                <a:srgbClr val="000000"/>
-              </a:solidFill>
-            </a:endParaRPr>
-          </a:p>
-          <a:p>
-            <a:pPr algn="ctr"/>
-            <a:r>
-              <a:rPr lang="en-US" dirty="0" err="1" smtClean="0">
-                <a:solidFill>
-                  <a:srgbClr val="000000"/>
-                </a:solidFill>
-              </a:rPr>
-              <a:t>notifyObservers</a:t>
-            </a:r>
-            <a:r>
-              <a:rPr lang="en-US" dirty="0" smtClean="0">
-                <a:solidFill>
-                  <a:srgbClr val="000000"/>
-                </a:solidFill>
-              </a:rPr>
-              <a:t>(command)</a:t>
-            </a:r>
-          </a:p>
-          <a:p>
-            <a:pPr algn="ctr"/>
-            <a:endParaRPr lang="en-US" dirty="0" smtClean="0">
-              <a:solidFill>
-                <a:srgbClr val="000000"/>
-              </a:solidFill>
-            </a:endParaRPr>
-          </a:p>
-          <a:p>
-            <a:pPr algn="ctr"/>
-            <a:r>
-              <a:rPr lang="en-US" dirty="0" smtClean="0">
-                <a:solidFill>
-                  <a:srgbClr val="000000"/>
-                </a:solidFill>
-              </a:rPr>
-              <a:t>Send request body to observer chat rooms using a command</a:t>
-            </a:r>
-            <a:endParaRPr lang="en-US" dirty="0">
-              <a:solidFill>
-                <a:srgbClr val="000000"/>
-              </a:solidFill>
-            </a:endParaRPr>
-          </a:p>
-        </p:txBody>
-      </p:sp>
-      <p:sp>
-        <p:nvSpPr>
-          <p:cNvPr id="6" name="Rectangle 5"/>
-          <p:cNvSpPr/>
-          <p:nvPr/>
-        </p:nvSpPr>
-        <p:spPr>
-          <a:xfrm>
-            <a:off x="5427097" y="1629506"/>
-            <a:ext cx="2837395" cy="1905083"/>
-          </a:xfrm>
-          <a:prstGeom prst="rect">
-            <a:avLst/>
-          </a:prstGeom>
-          <a:solidFill>
-            <a:schemeClr val="bg1"/>
-          </a:solidFill>
-          <a:ln>
-            <a:solidFill>
-              <a:schemeClr val="tx1"/>
-            </a:solidFill>
-          </a:ln>
-          <a:effectLst/>
-        </p:spPr>
-        <p:style>
-          <a:lnRef idx="1">
-            <a:schemeClr val="accent1"/>
-          </a:lnRef>
-          <a:fillRef idx="3">
-            <a:schemeClr val="accent1"/>
-          </a:fillRef>
-          <a:effectRef idx="2">
-            <a:schemeClr val="accent1"/>
-          </a:effectRef>
-          <a:fontRef idx="minor">
-            <a:schemeClr val="lt1"/>
-          </a:fontRef>
-        </p:style>
-        <p:txBody>
-          <a:bodyPr rtlCol="0" anchor="ctr"/>
-          <a:lstStyle/>
-          <a:p>
-            <a:pPr algn="ctr"/>
-            <a:r>
-              <a:rPr lang="en-US" dirty="0" err="1" smtClean="0">
-                <a:solidFill>
-                  <a:srgbClr val="000000"/>
-                </a:solidFill>
-              </a:rPr>
-              <a:t>ChatRoom</a:t>
-            </a:r>
-            <a:endParaRPr lang="en-US" dirty="0" smtClean="0">
-              <a:solidFill>
-                <a:srgbClr val="000000"/>
-              </a:solidFill>
-            </a:endParaRPr>
-          </a:p>
-          <a:p>
-            <a:pPr algn="ctr"/>
-            <a:r>
-              <a:rPr lang="en-US" dirty="0" err="1" smtClean="0">
-                <a:solidFill>
-                  <a:srgbClr val="000000"/>
-                </a:solidFill>
-              </a:rPr>
-              <a:t>notifyObservers</a:t>
-            </a:r>
-            <a:r>
-              <a:rPr lang="en-US" dirty="0" smtClean="0">
-                <a:solidFill>
-                  <a:srgbClr val="000000"/>
-                </a:solidFill>
-              </a:rPr>
-              <a:t>(command)</a:t>
-            </a:r>
-          </a:p>
-          <a:p>
-            <a:pPr algn="ctr"/>
-            <a:endParaRPr lang="en-US" dirty="0" smtClean="0">
-              <a:solidFill>
-                <a:srgbClr val="000000"/>
-              </a:solidFill>
-            </a:endParaRPr>
-          </a:p>
-          <a:p>
-            <a:pPr algn="ctr"/>
-            <a:r>
-              <a:rPr lang="en-US" dirty="0" smtClean="0">
-                <a:solidFill>
-                  <a:srgbClr val="000000"/>
-                </a:solidFill>
-              </a:rPr>
-              <a:t>If message is in chat room then notify observer users using another command</a:t>
-            </a:r>
-            <a:endParaRPr lang="en-US" dirty="0">
-              <a:solidFill>
-                <a:srgbClr val="000000"/>
-              </a:solidFill>
-            </a:endParaRPr>
-          </a:p>
-        </p:txBody>
-      </p:sp>
-      <p:sp>
-        <p:nvSpPr>
-          <p:cNvPr id="7" name="Rectangle 6"/>
-          <p:cNvSpPr/>
-          <p:nvPr/>
-        </p:nvSpPr>
-        <p:spPr>
-          <a:xfrm>
-            <a:off x="5420133" y="4258749"/>
-            <a:ext cx="2837395" cy="1905083"/>
-          </a:xfrm>
-          <a:prstGeom prst="rect">
-            <a:avLst/>
-          </a:prstGeom>
-          <a:solidFill>
-            <a:schemeClr val="bg1"/>
-          </a:solidFill>
-          <a:ln>
-            <a:solidFill>
-              <a:schemeClr val="tx1"/>
-            </a:solidFill>
-          </a:ln>
-          <a:effectLst/>
-        </p:spPr>
-        <p:style>
-          <a:lnRef idx="1">
-            <a:schemeClr val="accent1"/>
-          </a:lnRef>
-          <a:fillRef idx="3">
-            <a:schemeClr val="accent1"/>
-          </a:fillRef>
-          <a:effectRef idx="2">
-            <a:schemeClr val="accent1"/>
-          </a:effectRef>
-          <a:fontRef idx="minor">
-            <a:schemeClr val="lt1"/>
-          </a:fontRef>
-        </p:style>
-        <p:txBody>
-          <a:bodyPr rtlCol="0" anchor="ctr"/>
-          <a:lstStyle/>
-          <a:p>
-            <a:pPr algn="ctr"/>
-            <a:r>
-              <a:rPr lang="en-US" dirty="0" smtClean="0">
-                <a:solidFill>
-                  <a:srgbClr val="000000"/>
-                </a:solidFill>
-              </a:rPr>
-              <a:t>User/</a:t>
-            </a:r>
-            <a:r>
-              <a:rPr lang="en-US" dirty="0" err="1" smtClean="0">
-                <a:solidFill>
-                  <a:srgbClr val="000000"/>
-                </a:solidFill>
-              </a:rPr>
-              <a:t>CompositeUser</a:t>
-            </a:r>
-            <a:endParaRPr lang="en-US" dirty="0" smtClean="0">
-              <a:solidFill>
-                <a:srgbClr val="000000"/>
-              </a:solidFill>
-            </a:endParaRPr>
-          </a:p>
-          <a:p>
-            <a:pPr algn="ctr"/>
-            <a:r>
-              <a:rPr lang="en-US" dirty="0" err="1" smtClean="0">
-                <a:solidFill>
-                  <a:srgbClr val="000000"/>
-                </a:solidFill>
-              </a:rPr>
-              <a:t>broadcastMessage</a:t>
-            </a:r>
-            <a:r>
-              <a:rPr lang="en-US" dirty="0" smtClean="0">
-                <a:solidFill>
-                  <a:srgbClr val="000000"/>
-                </a:solidFill>
-              </a:rPr>
-              <a:t>(</a:t>
-            </a:r>
-            <a:r>
-              <a:rPr lang="en-US" dirty="0" err="1" smtClean="0">
-                <a:solidFill>
-                  <a:srgbClr val="000000"/>
-                </a:solidFill>
-              </a:rPr>
-              <a:t>msg</a:t>
-            </a:r>
-            <a:r>
-              <a:rPr lang="en-US" dirty="0" smtClean="0">
-                <a:solidFill>
-                  <a:srgbClr val="000000"/>
-                </a:solidFill>
-              </a:rPr>
-              <a:t>)</a:t>
-            </a:r>
-          </a:p>
-          <a:p>
-            <a:pPr algn="ctr"/>
-            <a:endParaRPr lang="en-US" dirty="0" smtClean="0">
-              <a:solidFill>
-                <a:srgbClr val="000000"/>
-              </a:solidFill>
-            </a:endParaRPr>
-          </a:p>
-          <a:p>
-            <a:pPr algn="ctr"/>
-            <a:r>
-              <a:rPr lang="en-US" dirty="0" smtClean="0">
-                <a:solidFill>
-                  <a:srgbClr val="000000"/>
-                </a:solidFill>
-              </a:rPr>
-              <a:t>If user is involved in message, broadcast message to user view. </a:t>
-            </a:r>
-            <a:endParaRPr lang="en-US" dirty="0">
-              <a:solidFill>
-                <a:srgbClr val="000000"/>
-              </a:solidFill>
-            </a:endParaRPr>
-          </a:p>
-        </p:txBody>
-      </p:sp>
-      <p:cxnSp>
-        <p:nvCxnSpPr>
-          <p:cNvPr id="9" name="Straight Arrow Connector 8"/>
-          <p:cNvCxnSpPr>
-            <a:stCxn id="4" idx="2"/>
-            <a:endCxn id="5" idx="0"/>
-          </p:cNvCxnSpPr>
-          <p:nvPr/>
-        </p:nvCxnSpPr>
-        <p:spPr>
-          <a:xfrm>
-            <a:off x="1875898" y="3534589"/>
-            <a:ext cx="0" cy="487886"/>
-          </a:xfrm>
-          <a:prstGeom prst="straightConnector1">
-            <a:avLst/>
-          </a:prstGeom>
-          <a:ln>
-            <a:tailEnd type="arrow"/>
-          </a:ln>
-        </p:spPr>
-        <p:style>
-          <a:lnRef idx="2">
-            <a:schemeClr val="accent1"/>
-          </a:lnRef>
-          <a:fillRef idx="0">
-            <a:schemeClr val="accent1"/>
-          </a:fillRef>
-          <a:effectRef idx="1">
-            <a:schemeClr val="accent1"/>
-          </a:effectRef>
-          <a:fontRef idx="minor">
-            <a:schemeClr val="tx1"/>
-          </a:fontRef>
-        </p:style>
-      </p:cxnSp>
-      <p:cxnSp>
-        <p:nvCxnSpPr>
-          <p:cNvPr id="11" name="Straight Arrow Connector 10"/>
-          <p:cNvCxnSpPr>
-            <a:stCxn id="5" idx="3"/>
-            <a:endCxn id="6" idx="1"/>
-          </p:cNvCxnSpPr>
-          <p:nvPr/>
-        </p:nvCxnSpPr>
-        <p:spPr>
-          <a:xfrm flipV="1">
-            <a:off x="3294595" y="2582048"/>
-            <a:ext cx="2132502" cy="2392969"/>
-          </a:xfrm>
-          <a:prstGeom prst="straightConnector1">
-            <a:avLst/>
-          </a:prstGeom>
-          <a:ln>
-            <a:tailEnd type="arrow"/>
-          </a:ln>
-        </p:spPr>
-        <p:style>
-          <a:lnRef idx="2">
-            <a:schemeClr val="accent1"/>
-          </a:lnRef>
-          <a:fillRef idx="0">
-            <a:schemeClr val="accent1"/>
-          </a:fillRef>
-          <a:effectRef idx="1">
-            <a:schemeClr val="accent1"/>
-          </a:effectRef>
-          <a:fontRef idx="minor">
-            <a:schemeClr val="tx1"/>
-          </a:fontRef>
-        </p:style>
-      </p:cxnSp>
-      <p:cxnSp>
-        <p:nvCxnSpPr>
-          <p:cNvPr id="13" name="Straight Arrow Connector 12"/>
-          <p:cNvCxnSpPr>
-            <a:stCxn id="6" idx="2"/>
-            <a:endCxn id="7" idx="0"/>
-          </p:cNvCxnSpPr>
-          <p:nvPr/>
-        </p:nvCxnSpPr>
-        <p:spPr>
-          <a:xfrm flipH="1">
-            <a:off x="6838831" y="3534589"/>
-            <a:ext cx="6964" cy="724160"/>
-          </a:xfrm>
-          <a:prstGeom prst="straightConnector1">
-            <a:avLst/>
-          </a:prstGeom>
-          <a:ln>
-            <a:tailEnd type="arrow"/>
-          </a:ln>
-        </p:spPr>
-        <p:style>
-          <a:lnRef idx="2">
-            <a:schemeClr val="accent1"/>
-          </a:lnRef>
-          <a:fillRef idx="0">
-            <a:schemeClr val="accent1"/>
-          </a:fillRef>
-          <a:effectRef idx="1">
-            <a:schemeClr val="accent1"/>
-          </a:effectRef>
-          <a:fontRef idx="minor">
-            <a:schemeClr val="tx1"/>
-          </a:fontRef>
-        </p:style>
-      </p:cxnSp>
-      <p:cxnSp>
-        <p:nvCxnSpPr>
-          <p:cNvPr id="14" name="Straight Arrow Connector 13"/>
-          <p:cNvCxnSpPr>
-            <a:stCxn id="5" idx="3"/>
-          </p:cNvCxnSpPr>
-          <p:nvPr/>
-        </p:nvCxnSpPr>
-        <p:spPr>
-          <a:xfrm flipV="1">
-            <a:off x="3294595" y="3115230"/>
-            <a:ext cx="658920" cy="1859787"/>
-          </a:xfrm>
-          <a:prstGeom prst="straightConnector1">
-            <a:avLst/>
-          </a:prstGeom>
-          <a:ln>
-            <a:tailEnd type="arrow"/>
-          </a:ln>
-        </p:spPr>
-        <p:style>
-          <a:lnRef idx="2">
-            <a:schemeClr val="accent1"/>
-          </a:lnRef>
-          <a:fillRef idx="0">
-            <a:schemeClr val="accent1"/>
-          </a:fillRef>
-          <a:effectRef idx="1">
-            <a:schemeClr val="accent1"/>
-          </a:effectRef>
-          <a:fontRef idx="minor">
-            <a:schemeClr val="tx1"/>
-          </a:fontRef>
-        </p:style>
-      </p:cxnSp>
-      <p:cxnSp>
-        <p:nvCxnSpPr>
-          <p:cNvPr id="17" name="Straight Arrow Connector 16"/>
-          <p:cNvCxnSpPr>
-            <a:stCxn id="5" idx="3"/>
-          </p:cNvCxnSpPr>
-          <p:nvPr/>
-        </p:nvCxnSpPr>
-        <p:spPr>
-          <a:xfrm>
-            <a:off x="3294595" y="4975017"/>
-            <a:ext cx="1018330" cy="1315352"/>
-          </a:xfrm>
-          <a:prstGeom prst="straightConnector1">
-            <a:avLst/>
-          </a:prstGeom>
-          <a:ln>
-            <a:tailEnd type="arrow"/>
-          </a:ln>
-        </p:spPr>
-        <p:style>
-          <a:lnRef idx="2">
-            <a:schemeClr val="accent1"/>
-          </a:lnRef>
-          <a:fillRef idx="0">
-            <a:schemeClr val="accent1"/>
-          </a:fillRef>
-          <a:effectRef idx="1">
-            <a:schemeClr val="accent1"/>
-          </a:effectRef>
-          <a:fontRef idx="minor">
-            <a:schemeClr val="tx1"/>
-          </a:fontRef>
-        </p:style>
-      </p:cxnSp>
-      <p:cxnSp>
-        <p:nvCxnSpPr>
-          <p:cNvPr id="20" name="Straight Arrow Connector 19"/>
-          <p:cNvCxnSpPr>
-            <a:stCxn id="6" idx="2"/>
-          </p:cNvCxnSpPr>
-          <p:nvPr/>
-        </p:nvCxnSpPr>
-        <p:spPr>
-          <a:xfrm flipH="1">
-            <a:off x="5979590" y="3534589"/>
-            <a:ext cx="866205" cy="487886"/>
-          </a:xfrm>
-          <a:prstGeom prst="straightConnector1">
-            <a:avLst/>
-          </a:prstGeom>
-          <a:ln>
-            <a:tailEnd type="arrow"/>
-          </a:ln>
-        </p:spPr>
-        <p:style>
-          <a:lnRef idx="2">
-            <a:schemeClr val="accent1"/>
-          </a:lnRef>
-          <a:fillRef idx="0">
-            <a:schemeClr val="accent1"/>
-          </a:fillRef>
-          <a:effectRef idx="1">
-            <a:schemeClr val="accent1"/>
-          </a:effectRef>
-          <a:fontRef idx="minor">
-            <a:schemeClr val="tx1"/>
-          </a:fontRef>
-        </p:style>
-      </p:cxnSp>
-      <p:cxnSp>
-        <p:nvCxnSpPr>
-          <p:cNvPr id="23" name="Straight Arrow Connector 22"/>
-          <p:cNvCxnSpPr>
-            <a:stCxn id="6" idx="2"/>
-          </p:cNvCxnSpPr>
-          <p:nvPr/>
-        </p:nvCxnSpPr>
-        <p:spPr>
-          <a:xfrm>
-            <a:off x="6845795" y="3534589"/>
-            <a:ext cx="1037273" cy="487886"/>
-          </a:xfrm>
-          <a:prstGeom prst="straightConnector1">
-            <a:avLst/>
-          </a:prstGeom>
-          <a:ln>
-            <a:tailEnd type="arrow"/>
-          </a:ln>
-        </p:spPr>
-        <p:style>
-          <a:lnRef idx="2">
-            <a:schemeClr val="accent1"/>
-          </a:lnRef>
-          <a:fillRef idx="0">
-            <a:schemeClr val="accent1"/>
-          </a:fillRef>
-          <a:effectRef idx="1">
-            <a:schemeClr val="accent1"/>
-          </a:effectRef>
-          <a:fontRef idx="minor">
-            <a:schemeClr val="tx1"/>
-          </a:fontRef>
-        </p:style>
-      </p:cxnSp>
-    </p:spTree>
-    <p:extLst>
-      <p:ext uri="{BB962C8B-B14F-4D97-AF65-F5344CB8AC3E}">
-        <p14:creationId xmlns:p14="http://schemas.microsoft.com/office/powerpoint/2010/main" val="457808983"/>
-      </p:ext>
-    </p:extLst>
-  </p:cSld>
-  <p:clrMapOvr>
-    <a:masterClrMapping/>
-  </p:clrMapOvr>
-</p:sld>
-</file>
-
-<file path=ppt/slides/slide18.xml><?xml version="1.0" encoding="utf-8"?>
-<p:sld xmlns:a="http://schemas.openxmlformats.org/drawingml/2006/main" xmlns:r="http://schemas.openxmlformats.org/officeDocument/2006/relationships" xmlns:p="http://schemas.openxmlformats.org/presentationml/2006/main">
-  <p:cSld>
-    <p:spTree>
-      <p:nvGrpSpPr>
-        <p:cNvPr id="1" name=""/>
-        <p:cNvGrpSpPr/>
-        <p:nvPr/>
-      </p:nvGrpSpPr>
-      <p:grpSpPr>
-        <a:xfrm>
-          <a:off x="0" y="0"/>
-          <a:ext cx="0" cy="0"/>
-          <a:chOff x="0" y="0"/>
-          <a:chExt cx="0" cy="0"/>
-        </a:xfrm>
-      </p:grpSpPr>
-      <p:sp>
-        <p:nvSpPr>
-          <p:cNvPr id="2" name="Title 1"/>
-          <p:cNvSpPr>
-            <a:spLocks noGrp="1"/>
-          </p:cNvSpPr>
-          <p:nvPr>
-            <p:ph type="title"/>
-          </p:nvPr>
-        </p:nvSpPr>
-        <p:spPr>
-          <a:xfrm>
-            <a:off x="457200" y="2742859"/>
-            <a:ext cx="8229600" cy="1143000"/>
-          </a:xfrm>
-        </p:spPr>
-        <p:txBody>
-          <a:bodyPr/>
-          <a:lstStyle/>
-          <a:p>
-            <a:r>
-              <a:rPr lang="en-US" dirty="0" smtClean="0"/>
-              <a:t>Demo and Questions</a:t>
-            </a:r>
-            <a:endParaRPr lang="en-US" dirty="0"/>
-          </a:p>
-        </p:txBody>
-      </p:sp>
-    </p:spTree>
-    <p:extLst>
-      <p:ext uri="{BB962C8B-B14F-4D97-AF65-F5344CB8AC3E}">
-        <p14:creationId xmlns:p14="http://schemas.microsoft.com/office/powerpoint/2010/main" val="2063180681"/>
-      </p:ext>
-    </p:extLst>
-  </p:cSld>
-  <p:clrMapOvr>
-    <a:masterClrMapping/>
-  </p:clrMapOvr>
-</p:sld>
-</file>
-
 <file path=ppt/slides/slide2.xml><?xml version="1.0" encoding="utf-8"?>
 <p:sld xmlns:a="http://schemas.openxmlformats.org/drawingml/2006/main" xmlns:r="http://schemas.openxmlformats.org/officeDocument/2006/relationships" xmlns:p="http://schemas.openxmlformats.org/presentationml/2006/main">
   <p:cSld>
@@ -6467,7 +4966,7 @@
         </p:blipFill>
         <p:spPr>
           <a:xfrm>
-            <a:off x="0" y="2120900"/>
+            <a:off x="0" y="1905318"/>
             <a:ext cx="9144000" cy="2605548"/>
           </a:xfrm>
           <a:prstGeom prst="rect">
@@ -6515,6 +5014,97 @@
             <p:ph type="title"/>
           </p:nvPr>
         </p:nvSpPr>
+        <p:spPr/>
+        <p:txBody>
+          <a:bodyPr/>
+          <a:lstStyle/>
+          <a:p>
+            <a:r>
+              <a:rPr lang="en-US" altLang="zh-CN" dirty="0" smtClean="0"/>
+              <a:t>Use</a:t>
+            </a:r>
+            <a:r>
+              <a:rPr lang="zh-CN" altLang="en-US" dirty="0" smtClean="0"/>
+              <a:t> </a:t>
+            </a:r>
+            <a:r>
+              <a:rPr lang="en-US" altLang="zh-CN" dirty="0" smtClean="0"/>
+              <a:t>Cases</a:t>
+            </a:r>
+            <a:endParaRPr lang="en-US" dirty="0"/>
+          </a:p>
+        </p:txBody>
+      </p:sp>
+      <p:pic>
+        <p:nvPicPr>
+          <p:cNvPr id="7" name="Picture 6"/>
+          <p:cNvPicPr>
+            <a:picLocks noChangeAspect="1"/>
+          </p:cNvPicPr>
+          <p:nvPr/>
+        </p:nvPicPr>
+        <p:blipFill>
+          <a:blip r:embed="rId3">
+            <a:extLst>
+              <a:ext uri="{28A0092B-C50C-407E-A947-70E740481C1C}">
+                <a14:useLocalDpi xmlns:a14="http://schemas.microsoft.com/office/drawing/2010/main" val="0"/>
+              </a:ext>
+            </a:extLst>
+          </a:blip>
+          <a:stretch>
+            <a:fillRect/>
+          </a:stretch>
+        </p:blipFill>
+        <p:spPr>
+          <a:xfrm>
+            <a:off x="0" y="1417638"/>
+            <a:ext cx="9144000" cy="4552545"/>
+          </a:xfrm>
+          <a:prstGeom prst="rect">
+            <a:avLst/>
+          </a:prstGeom>
+        </p:spPr>
+      </p:pic>
+    </p:spTree>
+    <p:extLst>
+      <p:ext uri="{BB962C8B-B14F-4D97-AF65-F5344CB8AC3E}">
+        <p14:creationId xmlns:p14="http://schemas.microsoft.com/office/powerpoint/2010/main" val="1196363571"/>
+      </p:ext>
+    </p:extLst>
+  </p:cSld>
+  <p:clrMapOvr>
+    <a:masterClrMapping/>
+  </p:clrMapOvr>
+</p:sld>
+</file>
+
+<file path=ppt/slides/slide4.xml><?xml version="1.0" encoding="utf-8"?>
+<p:sld xmlns:a="http://schemas.openxmlformats.org/drawingml/2006/main" xmlns:r="http://schemas.openxmlformats.org/officeDocument/2006/relationships" xmlns:p="http://schemas.openxmlformats.org/presentationml/2006/main">
+  <p:cSld>
+    <p:spTree>
+      <p:nvGrpSpPr>
+        <p:cNvPr id="1" name=""/>
+        <p:cNvGrpSpPr/>
+        <p:nvPr/>
+      </p:nvGrpSpPr>
+      <p:grpSpPr>
+        <a:xfrm>
+          <a:off x="0" y="0"/>
+          <a:ext cx="0" cy="0"/>
+          <a:chOff x="0" y="0"/>
+          <a:chExt cx="0" cy="0"/>
+        </a:xfrm>
+      </p:grpSpPr>
+      <p:sp>
+        <p:nvSpPr>
+          <p:cNvPr id="2" name="Title 1"/>
+          <p:cNvSpPr>
+            <a:spLocks noGrp="1"/>
+          </p:cNvSpPr>
+          <p:nvPr>
+            <p:ph type="title"/>
+          </p:nvPr>
+        </p:nvSpPr>
         <p:spPr>
           <a:xfrm>
             <a:off x="457200" y="2779250"/>
@@ -6555,7 +5145,7 @@
 </p:sld>
 </file>
 
-<file path=ppt/slides/slide4.xml><?xml version="1.0" encoding="utf-8"?>
+<file path=ppt/slides/slide5.xml><?xml version="1.0" encoding="utf-8"?>
 <p:sld xmlns:a="http://schemas.openxmlformats.org/drawingml/2006/main" xmlns:r="http://schemas.openxmlformats.org/officeDocument/2006/relationships" xmlns:p="http://schemas.openxmlformats.org/presentationml/2006/main">
   <p:cSld>
     <p:spTree>
@@ -6643,15 +5233,35 @@
             <a:pPr algn="ctr"/>
             <a:r>
               <a:rPr lang="en-US" altLang="zh-CN" dirty="0" smtClean="0"/>
-              <a:t>DA:</a:t>
-            </a:r>
-            <a:r>
-              <a:rPr lang="zh-CN" altLang="en-US" dirty="0" smtClean="0"/>
-              <a:t> </a:t>
-            </a:r>
-            <a:r>
-              <a:rPr lang="en-US" altLang="zh-CN" dirty="0" err="1" smtClean="0"/>
-              <a:t>loadUser</a:t>
+              <a:t>Front</a:t>
+            </a:r>
+            <a:r>
+              <a:rPr lang="zh-CN" altLang="en-US" dirty="0" smtClean="0"/>
+              <a:t> </a:t>
+            </a:r>
+            <a:r>
+              <a:rPr lang="en-US" altLang="zh-CN" dirty="0" smtClean="0"/>
+              <a:t>end</a:t>
+            </a:r>
+            <a:r>
+              <a:rPr lang="zh-CN" altLang="en-US" dirty="0" smtClean="0"/>
+              <a:t> </a:t>
+            </a:r>
+            <a:r>
+              <a:rPr lang="en-US" altLang="zh-CN" dirty="0" smtClean="0"/>
+              <a:t>-</a:t>
+            </a:r>
+            <a:r>
+              <a:rPr lang="en-US" altLang="zh-CN" dirty="0" smtClean="0"/>
+              <a:t>&gt;</a:t>
+            </a:r>
+            <a:r>
+              <a:rPr lang="zh-CN" altLang="en-US" dirty="0" smtClean="0"/>
+              <a:t> </a:t>
+            </a:r>
+            <a:r>
+              <a:rPr lang="en-US" altLang="zh-CN" dirty="0" smtClean="0"/>
+              <a:t>WSC</a:t>
             </a:r>
             <a:endParaRPr lang="en-US" dirty="0"/>
           </a:p>
@@ -6840,6 +5450,14 @@
             </a:r>
             <a:endParaRPr lang="en-US" altLang="zh-CN" dirty="0" smtClean="0"/>
           </a:p>
+          <a:p>
+            <a:pPr algn="ctr"/>
+            <a:r>
+              <a:rPr lang="en-US" altLang="zh-CN" dirty="0" err="1" smtClean="0"/>
+              <a:t>userRoomResponce</a:t>
+            </a:r>
+            <a:endParaRPr lang="en-US" altLang="zh-CN" dirty="0" smtClean="0"/>
+          </a:p>
         </p:txBody>
       </p:sp>
       <p:sp>
@@ -6850,8 +5468,8 @@
         </p:nvSpPr>
         <p:spPr>
           <a:xfrm>
-            <a:off x="5223353" y="2918565"/>
-            <a:ext cx="2517732" cy="926925"/>
+            <a:off x="5094334" y="2948628"/>
+            <a:ext cx="3189127" cy="883085"/>
           </a:xfrm>
           <a:prstGeom prst="rect">
             <a:avLst/>
@@ -6878,15 +5496,30 @@
             <a:pPr algn="ctr"/>
             <a:r>
               <a:rPr lang="en-US" altLang="zh-CN" dirty="0" smtClean="0"/>
-              <a:t>Assign</a:t>
-            </a:r>
-            <a:r>
-              <a:rPr lang="zh-CN" altLang="en-US" dirty="0" smtClean="0"/>
-              <a:t> </a:t>
-            </a:r>
-            <a:r>
-              <a:rPr lang="en-US" altLang="zh-CN" dirty="0" smtClean="0"/>
-              <a:t>session</a:t>
+              <a:t>Get</a:t>
+            </a:r>
+            <a:r>
+              <a:rPr lang="zh-CN" altLang="en-US" dirty="0" smtClean="0"/>
+              <a:t> </a:t>
+            </a:r>
+            <a:r>
+              <a:rPr lang="en-US" altLang="zh-CN" dirty="0" smtClean="0"/>
+              <a:t>the</a:t>
+            </a:r>
+            <a:r>
+              <a:rPr lang="zh-CN" altLang="en-US" dirty="0" smtClean="0"/>
+              <a:t> </a:t>
+            </a:r>
+            <a:r>
+              <a:rPr lang="en-US" altLang="zh-CN" dirty="0" smtClean="0"/>
+              <a:t>info</a:t>
+            </a:r>
+          </a:p>
+          <a:p>
+            <a:pPr algn="ctr"/>
+            <a:r>
+              <a:rPr lang="en-US" altLang="zh-CN" dirty="0" smtClean="0"/>
+              <a:t>Create</a:t>
             </a:r>
             <a:r>
               <a:rPr lang="zh-CN" altLang="en-US" dirty="0" smtClean="0"/>
@@ -6902,31 +5535,31 @@
             </a:r>
             <a:r>
               <a:rPr lang="en-US" altLang="zh-CN" dirty="0" smtClean="0"/>
-              <a:t>info</a:t>
-            </a:r>
-            <a:r>
-              <a:rPr lang="zh-CN" altLang="en-US" dirty="0" smtClean="0"/>
-              <a:t> </a:t>
-            </a:r>
-            <a:r>
-              <a:rPr lang="en-US" altLang="zh-CN" dirty="0" smtClean="0"/>
-              <a:t>to</a:t>
-            </a:r>
-            <a:r>
-              <a:rPr lang="zh-CN" altLang="en-US" dirty="0" smtClean="0"/>
-              <a:t> </a:t>
-            </a:r>
-            <a:r>
-              <a:rPr lang="en-US" altLang="zh-CN" dirty="0"/>
+              <a:t>map</a:t>
+            </a:r>
+            <a:r>
+              <a:rPr lang="zh-CN" altLang="en-US" dirty="0" smtClean="0"/>
+              <a:t> </a:t>
+            </a:r>
+            <a:r>
+              <a:rPr lang="en-US" altLang="zh-CN" dirty="0" smtClean="0"/>
               <a:t>the</a:t>
             </a:r>
             <a:r>
-              <a:rPr lang="zh-CN" altLang="en-US" dirty="0"/>
-              <a:t> </a:t>
-            </a:r>
-            <a:r>
-              <a:rPr lang="en-US" altLang="zh-CN" dirty="0"/>
+              <a:rPr lang="zh-CN" altLang="en-US" dirty="0" smtClean="0"/>
+              <a:t> </a:t>
+            </a:r>
+            <a:r>
+              <a:rPr lang="en-US" altLang="zh-CN" dirty="0" smtClean="0"/>
               <a:t>user</a:t>
+            </a:r>
+            <a:r>
+              <a:rPr lang="zh-CN" altLang="en-US" dirty="0" smtClean="0"/>
+              <a:t> </a:t>
+            </a:r>
+            <a:r>
+              <a:rPr lang="en-US" altLang="zh-CN" dirty="0" smtClean="0"/>
+              <a:t>object</a:t>
             </a:r>
             <a:endParaRPr lang="en-US" dirty="0"/>
           </a:p>
@@ -6996,44 +5629,6 @@
       </p:sp>
       <p:sp>
         <p:nvSpPr>
-          <p:cNvPr id="15" name="Down Arrow 14"/>
-          <p:cNvSpPr/>
-          <p:nvPr/>
-        </p:nvSpPr>
-        <p:spPr>
-          <a:xfrm>
-            <a:off x="2267211" y="2329840"/>
-            <a:ext cx="388307" cy="588725"/>
-          </a:xfrm>
-          <a:prstGeom prst="downArrow">
-            <a:avLst/>
-          </a:prstGeom>
-        </p:spPr>
-        <p:style>
-          <a:lnRef idx="1">
-            <a:schemeClr val="accent1"/>
-          </a:lnRef>
-          <a:fillRef idx="3">
-            <a:schemeClr val="accent1"/>
-          </a:fillRef>
-          <a:effectRef idx="2">
-            <a:schemeClr val="accent1"/>
-          </a:effectRef>
-          <a:fontRef idx="minor">
-            <a:schemeClr val="lt1"/>
-          </a:fontRef>
-        </p:style>
-        <p:txBody>
-          <a:bodyPr rtlCol="0" anchor="ctr"/>
-          <a:lstStyle/>
-          <a:p>
-            <a:pPr algn="ctr"/>
-            <a:endParaRPr lang="en-US"/>
-          </a:p>
-        </p:txBody>
-      </p:sp>
-      <p:sp>
-        <p:nvSpPr>
           <p:cNvPr id="16" name="Down Arrow 15"/>
           <p:cNvSpPr/>
           <p:nvPr/>
@@ -7110,44 +5705,6 @@
       </p:sp>
       <p:sp>
         <p:nvSpPr>
-          <p:cNvPr id="18" name="Right Arrow 17"/>
-          <p:cNvSpPr/>
-          <p:nvPr/>
-        </p:nvSpPr>
-        <p:spPr>
-          <a:xfrm>
-            <a:off x="3795387" y="3206662"/>
-            <a:ext cx="1415440" cy="350729"/>
-          </a:xfrm>
-          <a:prstGeom prst="rightArrow">
-            <a:avLst/>
-          </a:prstGeom>
-        </p:spPr>
-        <p:style>
-          <a:lnRef idx="1">
-            <a:schemeClr val="accent1"/>
-          </a:lnRef>
-          <a:fillRef idx="3">
-            <a:schemeClr val="accent1"/>
-          </a:fillRef>
-          <a:effectRef idx="2">
-            <a:schemeClr val="accent1"/>
-          </a:effectRef>
-          <a:fontRef idx="minor">
-            <a:schemeClr val="lt1"/>
-          </a:fontRef>
-        </p:style>
-        <p:txBody>
-          <a:bodyPr rtlCol="0" anchor="ctr"/>
-          <a:lstStyle/>
-          <a:p>
-            <a:pPr algn="ctr"/>
-            <a:endParaRPr lang="en-US"/>
-          </a:p>
-        </p:txBody>
-      </p:sp>
-      <p:sp>
-        <p:nvSpPr>
           <p:cNvPr id="19" name="Right Arrow 18"/>
           <p:cNvSpPr/>
           <p:nvPr/>
@@ -7220,31 +5777,15 @@
             <a:pPr algn="ctr"/>
             <a:r>
               <a:rPr lang="en-US" altLang="zh-CN" dirty="0" smtClean="0"/>
-              <a:t>WSC</a:t>
-            </a:r>
-            <a:r>
-              <a:rPr lang="zh-CN" altLang="en-US" dirty="0" smtClean="0"/>
-              <a:t> </a:t>
-            </a:r>
-            <a:r>
-              <a:rPr lang="en-US" altLang="zh-CN" dirty="0" smtClean="0"/>
-              <a:t>-&gt;</a:t>
-            </a:r>
-            <a:r>
-              <a:rPr lang="zh-CN" altLang="en-US" dirty="0" smtClean="0"/>
-              <a:t> </a:t>
-            </a:r>
-            <a:r>
-              <a:rPr lang="en-US" altLang="zh-CN" dirty="0" smtClean="0"/>
-              <a:t>Front</a:t>
-            </a:r>
-            <a:r>
-              <a:rPr lang="zh-CN" altLang="en-US" dirty="0" smtClean="0"/>
-              <a:t> </a:t>
-            </a:r>
-            <a:r>
-              <a:rPr lang="en-US" altLang="zh-CN" dirty="0" smtClean="0"/>
-              <a:t>end</a:t>
+              <a:t>DA:</a:t>
+            </a:r>
+            <a:r>
+              <a:rPr lang="zh-CN" altLang="en-US" dirty="0" smtClean="0"/>
+              <a:t> </a:t>
+            </a:r>
+            <a:r>
+              <a:rPr lang="en-US" altLang="zh-CN" dirty="0" err="1" smtClean="0"/>
+              <a:t>loadUser</a:t>
             </a:r>
             <a:endParaRPr lang="en-US" dirty="0"/>
           </a:p>
@@ -7326,41 +5867,44 @@
           </a:p>
         </p:txBody>
       </p:sp>
-      <p:cxnSp>
-        <p:nvCxnSpPr>
-          <p:cNvPr id="6" name="Curved Connector 5"/>
-          <p:cNvCxnSpPr/>
+      <p:sp>
+        <p:nvSpPr>
+          <p:cNvPr id="21" name="Left Arrow 20"/>
+          <p:cNvSpPr/>
           <p:nvPr/>
-        </p:nvCxnSpPr>
+        </p:nvSpPr>
         <p:spPr>
-          <a:xfrm rot="5400000">
-            <a:off x="4384107" y="2167201"/>
-            <a:ext cx="588726" cy="4020855"/>
+          <a:xfrm>
+            <a:off x="3795387" y="3156559"/>
+            <a:ext cx="1298947" cy="381247"/>
           </a:xfrm>
-          <a:prstGeom prst="curvedConnector3">
-            <a:avLst>
-              <a:gd name="adj1" fmla="val 50076"/>
-            </a:avLst>
+          <a:prstGeom prst="leftArrow">
+            <a:avLst/>
           </a:prstGeom>
-          <a:ln>
-            <a:tailEnd type="triangle"/>
-          </a:ln>
         </p:spPr>
         <p:style>
-          <a:lnRef idx="2">
+          <a:lnRef idx="1">
             <a:schemeClr val="accent1"/>
           </a:lnRef>
-          <a:fillRef idx="0">
+          <a:fillRef idx="3">
             <a:schemeClr val="accent1"/>
           </a:fillRef>
-          <a:effectRef idx="1">
+          <a:effectRef idx="2">
             <a:schemeClr val="accent1"/>
           </a:effectRef>
           <a:fontRef idx="minor">
-            <a:schemeClr val="tx1"/>
+            <a:schemeClr val="lt1"/>
           </a:fontRef>
         </p:style>
-      </p:cxnSp>
+        <p:txBody>
+          <a:bodyPr rtlCol="0" anchor="ctr"/>
+          <a:lstStyle/>
+          <a:p>
+            <a:pPr algn="ctr"/>
+            <a:endParaRPr lang="en-US"/>
+          </a:p>
+        </p:txBody>
+      </p:sp>
     </p:spTree>
     <p:extLst>
       <p:ext uri="{BB962C8B-B14F-4D97-AF65-F5344CB8AC3E}">
@@ -7504,33 +6048,6 @@
                                           </p:stCondLst>
                                         </p:cTn>
                                         <p:tgtEl>
-                                          <p:spTgt spid="18"/>
-                                        </p:tgtEl>
-                                        <p:attrNameLst>
-                                          <p:attrName>style.visibility</p:attrName>
-                                        </p:attrNameLst>
-                                      </p:cBhvr>
-                                      <p:to>
-                                        <p:strVal val="visible"/>
-                                      </p:to>
-                                    </p:set>
-                                  </p:childTnLst>
-                                </p:cTn>
-                              </p:par>
-                              <p:par>
-                                <p:cTn id="15" presetID="1" presetClass="entr" presetSubtype="0" fill="hold" grpId="0" nodeType="withEffect">
-                                  <p:stCondLst>
-                                    <p:cond delay="0"/>
-                                  </p:stCondLst>
-                                  <p:childTnLst>
-                                    <p:set>
-                                      <p:cBhvr>
-                                        <p:cTn id="16" dur="1" fill="hold">
-                                          <p:stCondLst>
-                                            <p:cond delay="0"/>
-                                          </p:stCondLst>
-                                        </p:cTn>
-                                        <p:tgtEl>
                                           <p:spTgt spid="23"/>
                                         </p:tgtEl>
                                         <p:attrNameLst>
@@ -7574,7 +6091,6 @@
     <p:bldLst>
       <p:bldP spid="11" grpId="0" animBg="1"/>
       <p:bldP spid="12" grpId="0" animBg="1"/>
-      <p:bldP spid="18" grpId="0" animBg="1"/>
       <p:bldP spid="19" grpId="0" animBg="1"/>
       <p:bldP spid="23" grpId="0" animBg="1"/>
     </p:bldLst>
@@ -7582,7 +6098,7 @@
 </p:sld>
 </file>
 
-<file path=ppt/slides/slide5.xml><?xml version="1.0" encoding="utf-8"?>
+<file path=ppt/slides/slide6.xml><?xml version="1.0" encoding="utf-8"?>
 <p:sld xmlns:a="http://schemas.openxmlformats.org/drawingml/2006/main" xmlns:r="http://schemas.openxmlformats.org/officeDocument/2006/relationships" xmlns:p="http://schemas.openxmlformats.org/presentationml/2006/main">
   <p:cSld>
     <p:spTree>
@@ -7666,19 +6182,31 @@
             <a:pPr algn="ctr"/>
             <a:r>
               <a:rPr lang="en-US" altLang="zh-CN" dirty="0" smtClean="0"/>
-              <a:t>DA:</a:t>
-            </a:r>
-            <a:r>
-              <a:rPr lang="zh-CN" altLang="en-US" dirty="0" smtClean="0"/>
-              <a:t> </a:t>
-            </a:r>
-            <a:r>
-              <a:rPr lang="en-US" altLang="zh-CN" dirty="0" err="1" smtClean="0"/>
-              <a:t>loadRoom</a:t>
-            </a:r>
-            <a:r>
-              <a:rPr lang="zh-CN" altLang="en-US" dirty="0" smtClean="0"/>
-              <a:t> </a:t>
+              <a:t>Front</a:t>
+            </a:r>
+            <a:r>
+              <a:rPr lang="zh-CN" altLang="en-US" dirty="0" smtClean="0"/>
+              <a:t> </a:t>
+            </a:r>
+            <a:r>
+              <a:rPr lang="en-US" altLang="zh-CN" dirty="0" smtClean="0"/>
+              <a:t>end</a:t>
+            </a:r>
+            <a:r>
+              <a:rPr lang="zh-CN" altLang="en-US" dirty="0" smtClean="0"/>
+              <a:t> </a:t>
+            </a:r>
+            <a:r>
+              <a:rPr lang="en-US" altLang="zh-CN" dirty="0" smtClean="0"/>
+              <a:t>-&gt;</a:t>
+            </a:r>
+            <a:r>
+              <a:rPr lang="zh-CN" altLang="en-US" dirty="0" smtClean="0"/>
+              <a:t> </a:t>
+            </a:r>
+            <a:r>
+              <a:rPr lang="en-US" altLang="zh-CN" dirty="0" smtClean="0"/>
+              <a:t>WSC</a:t>
             </a:r>
             <a:endParaRPr lang="en-US" dirty="0"/>
           </a:p>
@@ -7719,30 +6247,26 @@
           <a:p>
             <a:pPr algn="ctr"/>
             <a:r>
-              <a:rPr lang="en-US" altLang="zh-CN" dirty="0" smtClean="0"/>
-              <a:t>Create</a:t>
-            </a:r>
-            <a:r>
-              <a:rPr lang="zh-CN" altLang="en-US" dirty="0" smtClean="0"/>
-              <a:t> </a:t>
-            </a:r>
-            <a:r>
-              <a:rPr lang="en-US" altLang="zh-CN" dirty="0" err="1" smtClean="0"/>
-              <a:t>chatRoom</a:t>
-            </a:r>
-            <a:endParaRPr lang="en-US" altLang="zh-CN" dirty="0" smtClean="0"/>
-          </a:p>
-          <a:p>
-            <a:pPr algn="ctr"/>
-            <a:r>
-              <a:rPr lang="en-US" altLang="zh-CN" dirty="0" err="1" smtClean="0"/>
-              <a:t>nextRoomId</a:t>
-            </a:r>
-            <a:r>
-              <a:rPr lang="en-US" altLang="zh-CN" dirty="0" smtClean="0"/>
-              <a:t>++</a:t>
-            </a:r>
-            <a:endParaRPr lang="en-US" dirty="0" smtClean="0"/>
+              <a:rPr lang="en-US" altLang="zh-CN" dirty="0"/>
+              <a:t>Check</a:t>
+            </a:r>
+            <a:r>
+              <a:rPr lang="zh-CN" altLang="en-US" dirty="0"/>
+              <a:t> </a:t>
+            </a:r>
+            <a:r>
+              <a:rPr lang="en-US" altLang="zh-CN" dirty="0"/>
+              <a:t>owner</a:t>
+            </a:r>
+            <a:r>
+              <a:rPr lang="zh-CN" altLang="en-US" dirty="0"/>
+              <a:t> </a:t>
+            </a:r>
+            <a:r>
+              <a:rPr lang="en-US" altLang="zh-CN" dirty="0"/>
+              <a:t>eligibility</a:t>
+            </a:r>
+            <a:endParaRPr lang="en-US" dirty="0"/>
           </a:p>
         </p:txBody>
       </p:sp>
@@ -7781,24 +6305,8 @@
           <a:p>
             <a:pPr algn="ctr"/>
             <a:r>
-              <a:rPr lang="en-US" altLang="zh-CN" dirty="0" smtClean="0"/>
-              <a:t>Check</a:t>
-            </a:r>
-            <a:r>
-              <a:rPr lang="zh-CN" altLang="en-US" dirty="0" smtClean="0"/>
-              <a:t> </a:t>
-            </a:r>
-            <a:r>
-              <a:rPr lang="en-US" altLang="zh-CN" dirty="0" smtClean="0"/>
-              <a:t>owner</a:t>
-            </a:r>
-            <a:r>
-              <a:rPr lang="zh-CN" altLang="en-US" dirty="0" smtClean="0"/>
-              <a:t> </a:t>
-            </a:r>
-            <a:r>
-              <a:rPr lang="en-US" altLang="zh-CN" dirty="0" smtClean="0"/>
-              <a:t>eligibility</a:t>
+              <a:rPr lang="en-US" altLang="zh-CN" dirty="0" err="1" smtClean="0"/>
+              <a:t>addRoomCmd</a:t>
             </a:r>
             <a:endParaRPr lang="en-US" dirty="0"/>
           </a:p>
@@ -7840,15 +6348,23 @@
             <a:pPr algn="ctr"/>
             <a:r>
               <a:rPr lang="en-US" altLang="zh-CN" dirty="0" smtClean="0"/>
-              <a:t>Add</a:t>
-            </a:r>
-            <a:r>
-              <a:rPr lang="zh-CN" altLang="en-US" dirty="0" smtClean="0"/>
-              <a:t> </a:t>
-            </a:r>
-            <a:r>
-              <a:rPr lang="en-US" altLang="zh-CN" dirty="0" smtClean="0"/>
-              <a:t>to</a:t>
+              <a:t>Owner</a:t>
+            </a:r>
+            <a:r>
+              <a:rPr lang="zh-CN" altLang="en-US" dirty="0" smtClean="0"/>
+              <a:t> </a:t>
+            </a:r>
+            <a:r>
+              <a:rPr lang="en-US" altLang="zh-CN" dirty="0" smtClean="0"/>
+              <a:t>automatically</a:t>
+            </a:r>
+            <a:r>
+              <a:rPr lang="zh-CN" altLang="en-US" dirty="0" smtClean="0"/>
+              <a:t> </a:t>
+            </a:r>
+            <a:r>
+              <a:rPr lang="en-US" altLang="zh-CN" dirty="0" smtClean="0"/>
+              <a:t>joins</a:t>
             </a:r>
             <a:r>
               <a:rPr lang="zh-CN" altLang="en-US" dirty="0" smtClean="0"/>
@@ -7864,14 +6380,7 @@
             </a:r>
             <a:r>
               <a:rPr lang="en-US" altLang="zh-CN" dirty="0" smtClean="0"/>
-              <a:t>observables</a:t>
-            </a:r>
-          </a:p>
-          <a:p>
-            <a:pPr algn="ctr"/>
-            <a:r>
-              <a:rPr lang="en-US" altLang="zh-CN" dirty="0" err="1" smtClean="0"/>
-              <a:t>newRoomResponce</a:t>
+              <a:t>room</a:t>
             </a:r>
             <a:endParaRPr lang="en-US" altLang="zh-CN" dirty="0" smtClean="0"/>
           </a:p>
@@ -7913,55 +6422,54 @@
             <a:pPr algn="ctr"/>
             <a:r>
               <a:rPr lang="en-US" altLang="zh-CN" dirty="0" smtClean="0"/>
-              <a:t>Assign</a:t>
-            </a:r>
-            <a:r>
-              <a:rPr lang="zh-CN" altLang="en-US" dirty="0" smtClean="0"/>
-              <a:t> </a:t>
-            </a:r>
-            <a:r>
-              <a:rPr lang="en-US" altLang="zh-CN" dirty="0" smtClean="0"/>
-              <a:t>session</a:t>
-            </a:r>
-            <a:r>
-              <a:rPr lang="zh-CN" altLang="en-US" dirty="0" smtClean="0"/>
-              <a:t> </a:t>
-            </a:r>
-            <a:r>
-              <a:rPr lang="en-US" altLang="zh-CN" dirty="0"/>
+              <a:t>Get</a:t>
+            </a:r>
+            <a:r>
+              <a:rPr lang="zh-CN" altLang="en-US" dirty="0" smtClean="0"/>
+              <a:t> </a:t>
+            </a:r>
+            <a:r>
+              <a:rPr lang="en-US" altLang="zh-CN" dirty="0" smtClean="0"/>
+              <a:t>restrictions</a:t>
+            </a:r>
+          </a:p>
+          <a:p>
+            <a:pPr algn="ctr"/>
+            <a:r>
+              <a:rPr lang="en-US" altLang="zh-CN" dirty="0" smtClean="0"/>
+              <a:t>Create</a:t>
+            </a:r>
+            <a:r>
+              <a:rPr lang="zh-CN" altLang="en-US" dirty="0" smtClean="0"/>
+              <a:t> </a:t>
+            </a:r>
+            <a:r>
+              <a:rPr lang="en-US" altLang="zh-CN" dirty="0" smtClean="0"/>
               <a:t>and</a:t>
             </a:r>
             <a:r>
-              <a:rPr lang="zh-CN" altLang="en-US" dirty="0"/>
-              <a:t> </a:t>
-            </a:r>
-            <a:r>
-              <a:rPr lang="en-US" altLang="zh-CN" dirty="0"/>
-              <a:t>info</a:t>
-            </a:r>
-            <a:r>
-              <a:rPr lang="zh-CN" altLang="en-US" dirty="0"/>
-              <a:t> </a:t>
-            </a:r>
-            <a:r>
-              <a:rPr lang="en-US" altLang="zh-CN" dirty="0" smtClean="0"/>
-              <a:t>to</a:t>
-            </a:r>
-            <a:r>
-              <a:rPr lang="zh-CN" altLang="en-US" dirty="0" smtClean="0"/>
-              <a:t> </a:t>
-            </a:r>
-            <a:r>
-              <a:rPr lang="en-US" altLang="zh-CN" dirty="0"/>
-              <a:t>the</a:t>
-            </a:r>
-            <a:r>
-              <a:rPr lang="zh-CN" altLang="en-US" dirty="0"/>
+              <a:rPr lang="zh-CN" altLang="en-US" dirty="0" smtClean="0"/>
+              <a:t> </a:t>
+            </a:r>
+            <a:r>
+              <a:rPr lang="en-US" altLang="zh-CN" dirty="0" smtClean="0"/>
+              <a:t>map</a:t>
+            </a:r>
+            <a:r>
+              <a:rPr lang="zh-CN" altLang="en-US" dirty="0" smtClean="0"/>
               <a:t> </a:t>
             </a:r>
             <a:r>
               <a:rPr lang="en-US" altLang="zh-CN" dirty="0" err="1" smtClean="0"/>
               <a:t>chatRoom</a:t>
+            </a:r>
+            <a:r>
+              <a:rPr lang="zh-CN" altLang="en-US" dirty="0" smtClean="0"/>
+              <a:t> </a:t>
+            </a:r>
+            <a:r>
+              <a:rPr lang="en-US" altLang="zh-CN" dirty="0" smtClean="0"/>
+              <a:t>object</a:t>
             </a:r>
             <a:endParaRPr lang="en-US" dirty="0"/>
           </a:p>
@@ -7975,8 +6483,8 @@
         </p:nvSpPr>
         <p:spPr>
           <a:xfrm>
-            <a:off x="5223353" y="4434216"/>
-            <a:ext cx="2517732" cy="826718"/>
+            <a:off x="5223352" y="4434216"/>
+            <a:ext cx="2792887" cy="826718"/>
           </a:xfrm>
           <a:prstGeom prst="rect">
             <a:avLst/>
@@ -8002,63 +6510,85 @@
           <a:p>
             <a:pPr algn="ctr"/>
             <a:r>
-              <a:rPr lang="en-US" altLang="zh-CN" dirty="0" smtClean="0"/>
-              <a:t>User</a:t>
-            </a:r>
-            <a:r>
-              <a:rPr lang="zh-CN" altLang="en-US" dirty="0" smtClean="0"/>
-              <a:t> </a:t>
-            </a:r>
-            <a:r>
-              <a:rPr lang="en-US" altLang="zh-CN" dirty="0" smtClean="0"/>
-              <a:t>list</a:t>
+              <a:rPr lang="en-US" altLang="zh-CN" dirty="0"/>
+              <a:t>A</a:t>
+            </a:r>
+            <a:r>
+              <a:rPr lang="en-US" altLang="zh-CN" dirty="0" smtClean="0"/>
+              <a:t>dd</a:t>
+            </a:r>
+            <a:r>
+              <a:rPr lang="zh-CN" altLang="en-US" dirty="0" smtClean="0"/>
+              <a:t> </a:t>
+            </a:r>
+            <a:r>
+              <a:rPr lang="en-US" altLang="zh-CN" dirty="0" smtClean="0"/>
+              <a:t>room</a:t>
+            </a:r>
+            <a:r>
+              <a:rPr lang="zh-CN" altLang="en-US" dirty="0" smtClean="0"/>
+              <a:t> </a:t>
+            </a:r>
+            <a:r>
+              <a:rPr lang="en-US" altLang="zh-CN" dirty="0" smtClean="0"/>
+              <a:t>to</a:t>
+            </a:r>
+            <a:r>
+              <a:rPr lang="zh-CN" altLang="en-US" dirty="0" smtClean="0"/>
+              <a:t> </a:t>
+            </a:r>
+            <a:r>
+              <a:rPr lang="en-US" altLang="zh-CN" dirty="0" smtClean="0"/>
+              <a:t>eligible</a:t>
+            </a:r>
+            <a:r>
+              <a:rPr lang="zh-CN" altLang="en-US" dirty="0" smtClean="0"/>
+              <a:t> </a:t>
+            </a:r>
+            <a:r>
+              <a:rPr lang="en-US" altLang="zh-CN" dirty="0" smtClean="0"/>
+              <a:t>users</a:t>
             </a:r>
           </a:p>
           <a:p>
             <a:pPr algn="ctr"/>
             <a:r>
               <a:rPr lang="en-US" altLang="zh-CN" dirty="0" smtClean="0"/>
-              <a:t>shown</a:t>
+              <a:t>Update</a:t>
+            </a:r>
+            <a:r>
+              <a:rPr lang="zh-CN" altLang="en-US" dirty="0" smtClean="0"/>
+              <a:t> </a:t>
+            </a:r>
+            <a:r>
+              <a:rPr lang="en-US" altLang="zh-CN" dirty="0" smtClean="0"/>
+              <a:t>lists</a:t>
+            </a:r>
+            <a:r>
+              <a:rPr lang="zh-CN" altLang="en-US" dirty="0" smtClean="0"/>
+              <a:t> </a:t>
+            </a:r>
+            <a:r>
+              <a:rPr lang="en-US" altLang="zh-CN" dirty="0" smtClean="0"/>
+              <a:t>of</a:t>
+            </a:r>
+            <a:r>
+              <a:rPr lang="zh-CN" altLang="en-US" dirty="0" smtClean="0"/>
+              <a:t> </a:t>
+            </a:r>
+            <a:r>
+              <a:rPr lang="en-US" altLang="zh-CN" dirty="0" smtClean="0"/>
+              <a:t>eligible</a:t>
+            </a:r>
+            <a:r>
+              <a:rPr lang="zh-CN" altLang="en-US" dirty="0" smtClean="0"/>
+              <a:t> </a:t>
+            </a:r>
+            <a:r>
+              <a:rPr lang="en-US" altLang="zh-CN" dirty="0" smtClean="0"/>
+              <a:t>users</a:t>
             </a:r>
             <a:endParaRPr lang="en-US" dirty="0"/>
-          </a:p>
-        </p:txBody>
-      </p:sp>
-      <p:sp>
-        <p:nvSpPr>
-          <p:cNvPr id="10" name="Down Arrow 9"/>
-          <p:cNvSpPr/>
-          <p:nvPr/>
-        </p:nvSpPr>
-        <p:spPr>
-          <a:xfrm>
-            <a:off x="2267211" y="2329840"/>
-            <a:ext cx="388307" cy="588725"/>
-          </a:xfrm>
-          <a:prstGeom prst="downArrow">
-            <a:avLst/>
-          </a:prstGeom>
-        </p:spPr>
-        <p:style>
-          <a:lnRef idx="1">
-            <a:schemeClr val="accent1"/>
-          </a:lnRef>
-          <a:fillRef idx="3">
-            <a:schemeClr val="accent1"/>
-          </a:fillRef>
-          <a:effectRef idx="2">
-            <a:schemeClr val="accent1"/>
-          </a:effectRef>
-          <a:fontRef idx="minor">
-            <a:schemeClr val="lt1"/>
-          </a:fontRef>
-        </p:style>
-        <p:txBody>
-          <a:bodyPr rtlCol="0" anchor="ctr"/>
-          <a:lstStyle/>
-          <a:p>
-            <a:pPr algn="ctr"/>
-            <a:endParaRPr lang="en-US"/>
           </a:p>
         </p:txBody>
       </p:sp>
@@ -8140,44 +6670,6 @@
       </p:sp>
       <p:sp>
         <p:nvSpPr>
-          <p:cNvPr id="13" name="Right Arrow 12"/>
-          <p:cNvSpPr/>
-          <p:nvPr/>
-        </p:nvSpPr>
-        <p:spPr>
-          <a:xfrm>
-            <a:off x="3795387" y="3206662"/>
-            <a:ext cx="1415440" cy="350729"/>
-          </a:xfrm>
-          <a:prstGeom prst="rightArrow">
-            <a:avLst/>
-          </a:prstGeom>
-        </p:spPr>
-        <p:style>
-          <a:lnRef idx="1">
-            <a:schemeClr val="accent1"/>
-          </a:lnRef>
-          <a:fillRef idx="3">
-            <a:schemeClr val="accent1"/>
-          </a:fillRef>
-          <a:effectRef idx="2">
-            <a:schemeClr val="accent1"/>
-          </a:effectRef>
-          <a:fontRef idx="minor">
-            <a:schemeClr val="lt1"/>
-          </a:fontRef>
-        </p:style>
-        <p:txBody>
-          <a:bodyPr rtlCol="0" anchor="ctr"/>
-          <a:lstStyle/>
-          <a:p>
-            <a:pPr algn="ctr"/>
-            <a:endParaRPr lang="en-US"/>
-          </a:p>
-        </p:txBody>
-      </p:sp>
-      <p:sp>
-        <p:nvSpPr>
           <p:cNvPr id="14" name="Right Arrow 13"/>
           <p:cNvSpPr/>
           <p:nvPr/>
@@ -8250,31 +6742,19 @@
             <a:pPr algn="ctr"/>
             <a:r>
               <a:rPr lang="en-US" altLang="zh-CN" dirty="0" smtClean="0"/>
-              <a:t>WSC</a:t>
-            </a:r>
-            <a:r>
-              <a:rPr lang="zh-CN" altLang="en-US" dirty="0" smtClean="0"/>
-              <a:t> </a:t>
-            </a:r>
-            <a:r>
-              <a:rPr lang="en-US" altLang="zh-CN" dirty="0" smtClean="0"/>
-              <a:t>-&gt;</a:t>
-            </a:r>
-            <a:r>
-              <a:rPr lang="zh-CN" altLang="en-US" dirty="0" smtClean="0"/>
-              <a:t> </a:t>
-            </a:r>
-            <a:r>
-              <a:rPr lang="en-US" altLang="zh-CN" dirty="0" smtClean="0"/>
-              <a:t>Front</a:t>
-            </a:r>
-            <a:r>
-              <a:rPr lang="zh-CN" altLang="en-US" dirty="0" smtClean="0"/>
-              <a:t> </a:t>
-            </a:r>
-            <a:r>
-              <a:rPr lang="en-US" altLang="zh-CN" dirty="0" smtClean="0"/>
-              <a:t>end</a:t>
+              <a:t>DA:</a:t>
+            </a:r>
+            <a:r>
+              <a:rPr lang="zh-CN" altLang="en-US" dirty="0" smtClean="0"/>
+              <a:t> </a:t>
+            </a:r>
+            <a:r>
+              <a:rPr lang="en-US" altLang="zh-CN" dirty="0" err="1" smtClean="0"/>
+              <a:t>loadRoom</a:t>
+            </a:r>
+            <a:r>
+              <a:rPr lang="zh-CN" altLang="en-US" dirty="0" smtClean="0"/>
+              <a:t> </a:t>
             </a:r>
             <a:endParaRPr lang="en-US" dirty="0"/>
           </a:p>
@@ -8356,41 +6836,44 @@
           </a:p>
         </p:txBody>
       </p:sp>
-      <p:cxnSp>
-        <p:nvCxnSpPr>
-          <p:cNvPr id="18" name="Curved Connector 17"/>
-          <p:cNvCxnSpPr/>
+      <p:sp>
+        <p:nvSpPr>
+          <p:cNvPr id="19" name="Left Arrow 18"/>
+          <p:cNvSpPr/>
           <p:nvPr/>
-        </p:nvCxnSpPr>
+        </p:nvSpPr>
         <p:spPr>
-          <a:xfrm rot="5400000">
-            <a:off x="4384107" y="2167201"/>
-            <a:ext cx="588726" cy="4020855"/>
+          <a:xfrm>
+            <a:off x="3795387" y="3218690"/>
+            <a:ext cx="1402914" cy="319116"/>
           </a:xfrm>
-          <a:prstGeom prst="curvedConnector3">
-            <a:avLst>
-              <a:gd name="adj1" fmla="val 50076"/>
-            </a:avLst>
+          <a:prstGeom prst="leftArrow">
+            <a:avLst/>
           </a:prstGeom>
-          <a:ln>
-            <a:tailEnd type="triangle"/>
-          </a:ln>
         </p:spPr>
         <p:style>
-          <a:lnRef idx="2">
+          <a:lnRef idx="1">
             <a:schemeClr val="accent1"/>
           </a:lnRef>
-          <a:fillRef idx="0">
+          <a:fillRef idx="3">
             <a:schemeClr val="accent1"/>
           </a:fillRef>
-          <a:effectRef idx="1">
+          <a:effectRef idx="2">
             <a:schemeClr val="accent1"/>
           </a:effectRef>
           <a:fontRef idx="minor">
-            <a:schemeClr val="tx1"/>
+            <a:schemeClr val="lt1"/>
           </a:fontRef>
         </p:style>
-      </p:cxnSp>
+        <p:txBody>
+          <a:bodyPr rtlCol="0" anchor="ctr"/>
+          <a:lstStyle/>
+          <a:p>
+            <a:pPr algn="ctr"/>
+            <a:endParaRPr lang="en-US"/>
+          </a:p>
+        </p:txBody>
+      </p:sp>
     </p:spTree>
     <p:extLst>
       <p:ext uri="{BB962C8B-B14F-4D97-AF65-F5344CB8AC3E}">
@@ -8520,33 +7003,6 @@
                                   </p:childTnLst>
                                 </p:cTn>
                               </p:par>
-                              <p:par>
-                                <p:cTn id="13" presetID="1" presetClass="entr" presetSubtype="0" fill="hold" grpId="0" nodeType="withEffect">
-                                  <p:stCondLst>
-                                    <p:cond delay="0"/>
-                                  </p:stCondLst>
-                                  <p:childTnLst>
-                                    <p:set>
-                                      <p:cBhvr>
-                                        <p:cTn id="14" dur="1" fill="hold">
-                                          <p:stCondLst>
-                                            <p:cond delay="0"/>
-                                          </p:stCondLst>
-                                        </p:cTn>
-                                        <p:tgtEl>
-                                          <p:spTgt spid="13"/>
-                                        </p:tgtEl>
-                                        <p:attrNameLst>
-                                          <p:attrName>style.visibility</p:attrName>
-                                        </p:attrNameLst>
-                                      </p:cBhvr>
-                                      <p:to>
-                                        <p:strVal val="visible"/>
-                                      </p:to>
-                                    </p:set>
-                                  </p:childTnLst>
-                                </p:cTn>
-                              </p:par>
                             </p:childTnLst>
                           </p:cTn>
                         </p:par>
@@ -8554,26 +7010,26 @@
                     </p:cTn>
                   </p:par>
                   <p:par>
-                    <p:cTn id="15" fill="hold">
+                    <p:cTn id="13" fill="hold">
                       <p:stCondLst>
                         <p:cond delay="indefinite"/>
                       </p:stCondLst>
                       <p:childTnLst>
                         <p:par>
-                          <p:cTn id="16" fill="hold">
+                          <p:cTn id="14" fill="hold">
                             <p:stCondLst>
                               <p:cond delay="0"/>
                             </p:stCondLst>
                             <p:childTnLst>
                               <p:par>
-                                <p:cTn id="17" presetID="1" presetClass="entr" presetSubtype="0" fill="hold" grpId="0" nodeType="clickEffect">
+                                <p:cTn id="15" presetID="1" presetClass="entr" presetSubtype="0" fill="hold" grpId="0" nodeType="clickEffect">
                                   <p:stCondLst>
                                     <p:cond delay="0"/>
                                   </p:stCondLst>
                                   <p:childTnLst>
                                     <p:set>
                                       <p:cBhvr>
-                                        <p:cTn id="18" dur="1" fill="hold">
+                                        <p:cTn id="16" dur="1" fill="hold">
                                           <p:stCondLst>
                                             <p:cond delay="0"/>
                                           </p:stCondLst>
@@ -8593,14 +7049,14 @@
                                 </p:cTn>
                               </p:par>
                               <p:par>
-                                <p:cTn id="19" presetID="1" presetClass="entr" presetSubtype="0" fill="hold" grpId="0" nodeType="withEffect">
+                                <p:cTn id="17" presetID="1" presetClass="entr" presetSubtype="0" fill="hold" grpId="0" nodeType="withEffect">
                                   <p:stCondLst>
                                     <p:cond delay="0"/>
                                   </p:stCondLst>
                                   <p:childTnLst>
                                     <p:set>
                                       <p:cBhvr>
-                                        <p:cTn id="20" dur="1" fill="hold">
+                                        <p:cTn id="18" dur="1" fill="hold">
                                           <p:stCondLst>
                                             <p:cond delay="0"/>
                                           </p:stCondLst>
@@ -8649,7 +7105,6 @@
     <p:bldLst>
       <p:bldP spid="8" grpId="0" animBg="1"/>
       <p:bldP spid="9" grpId="0" animBg="1"/>
-      <p:bldP spid="13" grpId="0" animBg="1"/>
       <p:bldP spid="14" grpId="0" animBg="1"/>
       <p:bldP spid="15" grpId="0" animBg="1"/>
       <p:bldP spid="16" grpId="0" animBg="1"/>
@@ -8658,7 +7113,7 @@
 </p:sld>
 </file>
 
-<file path=ppt/slides/slide6.xml><?xml version="1.0" encoding="utf-8"?>
+<file path=ppt/slides/slide7.xml><?xml version="1.0" encoding="utf-8"?>
 <p:sld xmlns:a="http://schemas.openxmlformats.org/drawingml/2006/main" xmlns:r="http://schemas.openxmlformats.org/officeDocument/2006/relationships" xmlns:p="http://schemas.openxmlformats.org/presentationml/2006/main">
   <p:cSld>
     <p:spTree>
@@ -8742,34 +7197,31 @@
             <a:pPr algn="ctr"/>
             <a:r>
               <a:rPr lang="en-US" altLang="zh-CN" dirty="0" smtClean="0"/>
-              <a:t>DA:</a:t>
-            </a:r>
-            <a:r>
-              <a:rPr lang="zh-CN" altLang="en-US" dirty="0" smtClean="0"/>
-              <a:t> </a:t>
-            </a:r>
-            <a:r>
-              <a:rPr lang="en-US" altLang="zh-CN" dirty="0" err="1" smtClean="0"/>
-              <a:t>join</a:t>
-            </a:r>
-            <a:r>
-              <a:rPr lang="en-US" altLang="zh-CN" dirty="0" err="1" smtClean="0"/>
-              <a:t>Room</a:t>
-            </a:r>
-            <a:r>
-              <a:rPr lang="en-US" altLang="zh-CN" dirty="0" smtClean="0"/>
-              <a:t>/</a:t>
-            </a:r>
-          </a:p>
-          <a:p>
-            <a:pPr algn="ctr"/>
-            <a:r>
-              <a:rPr lang="en-US" altLang="zh-CN" dirty="0" err="1" smtClean="0"/>
-              <a:t>leaveRoom</a:t>
-            </a:r>
-            <a:r>
-              <a:rPr lang="zh-CN" altLang="en-US" dirty="0" smtClean="0"/>
-              <a:t> </a:t>
+              <a:t>Front</a:t>
+            </a:r>
+            <a:r>
+              <a:rPr lang="zh-CN" altLang="en-US" dirty="0" smtClean="0"/>
+              <a:t> </a:t>
+            </a:r>
+            <a:r>
+              <a:rPr lang="en-US" altLang="zh-CN" dirty="0" smtClean="0"/>
+              <a:t>end</a:t>
+            </a:r>
+            <a:r>
+              <a:rPr lang="zh-CN" altLang="en-US" dirty="0" smtClean="0"/>
+              <a:t> </a:t>
+            </a:r>
+            <a:r>
+              <a:rPr lang="en-US" altLang="zh-CN" dirty="0" smtClean="0"/>
+              <a:t>-&gt;</a:t>
+            </a:r>
+            <a:r>
+              <a:rPr lang="zh-CN" altLang="en-US" dirty="0" smtClean="0"/>
+              <a:t> </a:t>
+            </a:r>
+            <a:r>
+              <a:rPr lang="en-US" altLang="zh-CN" dirty="0" smtClean="0"/>
+              <a:t>WSC</a:t>
             </a:r>
             <a:endParaRPr lang="en-US" dirty="0"/>
           </a:p>
@@ -8811,7 +7263,15 @@
             <a:pPr algn="ctr"/>
             <a:r>
               <a:rPr lang="en-US" altLang="zh-CN" dirty="0" err="1" smtClean="0"/>
-              <a:t>Cmd</a:t>
+              <a:t>JoinRoomCmd</a:t>
+            </a:r>
+            <a:endParaRPr lang="en-US" altLang="zh-CN" dirty="0" smtClean="0"/>
+          </a:p>
+          <a:p>
+            <a:pPr algn="ctr"/>
+            <a:r>
+              <a:rPr lang="en-US" altLang="zh-CN" dirty="0" err="1" smtClean="0"/>
+              <a:t>LeaveRoomCmd</a:t>
             </a:r>
             <a:endParaRPr lang="en-US" dirty="0" smtClean="0"/>
           </a:p>
@@ -8852,46 +7312,18 @@
           <a:p>
             <a:pPr algn="ctr"/>
             <a:r>
-              <a:rPr lang="en-US" altLang="zh-CN" dirty="0" smtClean="0"/>
-              <a:t>Check</a:t>
-            </a:r>
-            <a:r>
-              <a:rPr lang="zh-CN" altLang="en-US" dirty="0" smtClean="0"/>
-              <a:t> </a:t>
-            </a:r>
-            <a:r>
-              <a:rPr lang="en-US" altLang="zh-CN" dirty="0" smtClean="0"/>
-              <a:t>us</a:t>
-            </a:r>
-            <a:r>
-              <a:rPr lang="en-US" altLang="zh-CN" dirty="0" smtClean="0"/>
-              <a:t>er</a:t>
-            </a:r>
-            <a:r>
-              <a:rPr lang="zh-CN" altLang="en-US" dirty="0" smtClean="0"/>
-              <a:t> </a:t>
-            </a:r>
-            <a:r>
-              <a:rPr lang="en-US" altLang="zh-CN" dirty="0" smtClean="0"/>
-              <a:t>eligibility</a:t>
-            </a:r>
-            <a:r>
-              <a:rPr lang="zh-CN" altLang="en-US" dirty="0" smtClean="0"/>
-              <a:t> </a:t>
-            </a:r>
-            <a:r>
-              <a:rPr lang="en-US" altLang="zh-CN" dirty="0" smtClean="0"/>
-              <a:t>(if</a:t>
-            </a:r>
-            <a:r>
-              <a:rPr lang="zh-CN" altLang="en-US" dirty="0" smtClean="0"/>
-              <a:t> </a:t>
-            </a:r>
-            <a:r>
-              <a:rPr lang="en-US" altLang="zh-CN" dirty="0" smtClean="0"/>
-              <a:t>join)</a:t>
-            </a:r>
-            <a:endParaRPr lang="en-US" dirty="0"/>
+              <a:rPr lang="en-US" altLang="zh-CN" dirty="0"/>
+              <a:t>Notify</a:t>
+            </a:r>
+            <a:r>
+              <a:rPr lang="zh-CN" altLang="en-US" dirty="0"/>
+              <a:t> </a:t>
+            </a:r>
+            <a:r>
+              <a:rPr lang="en-US" altLang="zh-CN" dirty="0" smtClean="0"/>
+              <a:t>observers</a:t>
+            </a:r>
+            <a:endParaRPr lang="en-US" altLang="zh-CN" dirty="0"/>
           </a:p>
         </p:txBody>
       </p:sp>
@@ -8947,7 +7379,19 @@
             </a:r>
             <a:r>
               <a:rPr lang="en-US" altLang="zh-CN" dirty="0" smtClean="0"/>
-              <a:t>user/</a:t>
+              <a:t>user</a:t>
+            </a:r>
+            <a:r>
+              <a:rPr lang="zh-CN" altLang="en-US" dirty="0" smtClean="0"/>
+              <a:t> </a:t>
+            </a:r>
+            <a:r>
+              <a:rPr lang="en-US" altLang="zh-CN" dirty="0" smtClean="0"/>
+              <a:t>and</a:t>
+            </a:r>
+            <a:r>
+              <a:rPr lang="zh-CN" altLang="en-US" dirty="0" smtClean="0"/>
+              <a:t> </a:t>
             </a:r>
             <a:r>
               <a:rPr lang="en-US" altLang="zh-CN" dirty="0" err="1" smtClean="0"/>
@@ -9001,63 +7445,72 @@
             <a:pPr algn="ctr"/>
             <a:r>
               <a:rPr lang="en-US" altLang="zh-CN" dirty="0" smtClean="0"/>
-              <a:t>Update</a:t>
-            </a:r>
-            <a:r>
-              <a:rPr lang="zh-CN" altLang="en-US" dirty="0" smtClean="0"/>
-              <a:t> </a:t>
-            </a:r>
-            <a:r>
-              <a:rPr lang="en-US" altLang="zh-CN" dirty="0" smtClean="0"/>
-              <a:t>user/room</a:t>
-            </a:r>
-            <a:r>
-              <a:rPr lang="zh-CN" altLang="en-US" dirty="0" smtClean="0"/>
-              <a:t> </a:t>
-            </a:r>
-            <a:r>
-              <a:rPr lang="en-US" altLang="zh-CN" dirty="0" smtClean="0"/>
-              <a:t>list</a:t>
+              <a:t>If</a:t>
+            </a:r>
+            <a:r>
+              <a:rPr lang="zh-CN" altLang="en-US" dirty="0" smtClean="0"/>
+              <a:t> </a:t>
+            </a:r>
+            <a:r>
+              <a:rPr lang="en-US" altLang="zh-CN" dirty="0" smtClean="0"/>
+              <a:t>owner</a:t>
+            </a:r>
+            <a:r>
+              <a:rPr lang="zh-CN" altLang="en-US" dirty="0" smtClean="0"/>
+              <a:t> </a:t>
+            </a:r>
+            <a:r>
+              <a:rPr lang="en-US" altLang="zh-CN" dirty="0" smtClean="0"/>
+              <a:t>leave</a:t>
+            </a:r>
+            <a:r>
+              <a:rPr lang="zh-CN" altLang="en-US" dirty="0" smtClean="0"/>
+              <a:t> </a:t>
+            </a:r>
+            <a:r>
+              <a:rPr lang="en-US" altLang="zh-CN" dirty="0" smtClean="0"/>
+              <a:t>the</a:t>
+            </a:r>
+            <a:r>
+              <a:rPr lang="zh-CN" altLang="en-US" dirty="0" smtClean="0"/>
+              <a:t> </a:t>
+            </a:r>
+            <a:r>
+              <a:rPr lang="en-US" altLang="zh-CN" dirty="0" smtClean="0"/>
+              <a:t>room</a:t>
+            </a:r>
+          </a:p>
+          <a:p>
+            <a:pPr algn="ctr"/>
+            <a:r>
+              <a:rPr lang="en-US" altLang="zh-CN" dirty="0" smtClean="0"/>
+              <a:t>-&gt;</a:t>
+            </a:r>
+            <a:r>
+              <a:rPr lang="zh-CN" altLang="en-US" dirty="0" smtClean="0"/>
+              <a:t> </a:t>
+            </a:r>
+            <a:r>
+              <a:rPr lang="en-US" altLang="zh-CN" dirty="0" smtClean="0"/>
+              <a:t>destroy</a:t>
+            </a:r>
+            <a:r>
+              <a:rPr lang="zh-CN" altLang="en-US" dirty="0" smtClean="0"/>
+              <a:t> </a:t>
+            </a:r>
+            <a:r>
+              <a:rPr lang="en-US" altLang="zh-CN" dirty="0" smtClean="0"/>
+              <a:t>the</a:t>
+            </a:r>
+            <a:r>
+              <a:rPr lang="zh-CN" altLang="en-US" dirty="0" smtClean="0"/>
+              <a:t> </a:t>
+            </a:r>
+            <a:r>
+              <a:rPr lang="en-US" altLang="zh-CN" dirty="0" smtClean="0"/>
+              <a:t>room</a:t>
             </a:r>
             <a:endParaRPr lang="en-US" dirty="0"/>
-          </a:p>
-        </p:txBody>
-      </p:sp>
-      <p:sp>
-        <p:nvSpPr>
-          <p:cNvPr id="9" name="Down Arrow 8"/>
-          <p:cNvSpPr/>
-          <p:nvPr/>
-        </p:nvSpPr>
-        <p:spPr>
-          <a:xfrm>
-            <a:off x="2267211" y="2329840"/>
-            <a:ext cx="388307" cy="588725"/>
-          </a:xfrm>
-          <a:prstGeom prst="downArrow">
-            <a:avLst/>
-          </a:prstGeom>
-        </p:spPr>
-        <p:style>
-          <a:lnRef idx="1">
-            <a:schemeClr val="accent1"/>
-          </a:lnRef>
-          <a:fillRef idx="3">
-            <a:schemeClr val="accent1"/>
-          </a:fillRef>
-          <a:effectRef idx="2">
-            <a:schemeClr val="accent1"/>
-          </a:effectRef>
-          <a:fontRef idx="minor">
-            <a:schemeClr val="lt1"/>
-          </a:fontRef>
-        </p:style>
-        <p:txBody>
-          <a:bodyPr rtlCol="0" anchor="ctr"/>
-          <a:lstStyle/>
-          <a:p>
-            <a:pPr algn="ctr"/>
-            <a:endParaRPr lang="en-US"/>
           </a:p>
         </p:txBody>
       </p:sp>
@@ -9139,44 +7592,6 @@
       </p:sp>
       <p:sp>
         <p:nvSpPr>
-          <p:cNvPr id="13" name="Right Arrow 12"/>
-          <p:cNvSpPr/>
-          <p:nvPr/>
-        </p:nvSpPr>
-        <p:spPr>
-          <a:xfrm>
-            <a:off x="3795387" y="4672210"/>
-            <a:ext cx="1415440" cy="350729"/>
-          </a:xfrm>
-          <a:prstGeom prst="rightArrow">
-            <a:avLst/>
-          </a:prstGeom>
-        </p:spPr>
-        <p:style>
-          <a:lnRef idx="1">
-            <a:schemeClr val="accent1"/>
-          </a:lnRef>
-          <a:fillRef idx="3">
-            <a:schemeClr val="accent1"/>
-          </a:fillRef>
-          <a:effectRef idx="2">
-            <a:schemeClr val="accent1"/>
-          </a:effectRef>
-          <a:fontRef idx="minor">
-            <a:schemeClr val="lt1"/>
-          </a:fontRef>
-        </p:style>
-        <p:txBody>
-          <a:bodyPr rtlCol="0" anchor="ctr"/>
-          <a:lstStyle/>
-          <a:p>
-            <a:pPr algn="ctr"/>
-            <a:endParaRPr lang="en-US" dirty="0"/>
-          </a:p>
-        </p:txBody>
-      </p:sp>
-      <p:sp>
-        <p:nvSpPr>
           <p:cNvPr id="14" name="Rectangle 13"/>
           <p:cNvSpPr/>
           <p:nvPr/>
@@ -9211,31 +7626,31 @@
             <a:pPr algn="ctr"/>
             <a:r>
               <a:rPr lang="en-US" altLang="zh-CN" dirty="0" smtClean="0"/>
-              <a:t>WSC</a:t>
-            </a:r>
-            <a:r>
-              <a:rPr lang="zh-CN" altLang="en-US" dirty="0" smtClean="0"/>
-              <a:t> </a:t>
-            </a:r>
-            <a:r>
-              <a:rPr lang="en-US" altLang="zh-CN" dirty="0" smtClean="0"/>
-              <a:t>-&gt;</a:t>
-            </a:r>
-            <a:r>
-              <a:rPr lang="zh-CN" altLang="en-US" dirty="0" smtClean="0"/>
-              <a:t> </a:t>
-            </a:r>
-            <a:r>
-              <a:rPr lang="en-US" altLang="zh-CN" dirty="0" smtClean="0"/>
-              <a:t>Front</a:t>
-            </a:r>
-            <a:r>
-              <a:rPr lang="zh-CN" altLang="en-US" dirty="0" smtClean="0"/>
-              <a:t> </a:t>
-            </a:r>
-            <a:r>
-              <a:rPr lang="en-US" altLang="zh-CN" dirty="0" smtClean="0"/>
-              <a:t>end</a:t>
+              <a:t>DA:</a:t>
+            </a:r>
+            <a:r>
+              <a:rPr lang="zh-CN" altLang="en-US" dirty="0" smtClean="0"/>
+              <a:t> </a:t>
+            </a:r>
+            <a:r>
+              <a:rPr lang="en-US" altLang="zh-CN" dirty="0" err="1" smtClean="0"/>
+              <a:t>joinRoom</a:t>
+            </a:r>
+            <a:r>
+              <a:rPr lang="zh-CN" altLang="en-US" dirty="0" smtClean="0"/>
+              <a:t> </a:t>
+            </a:r>
+            <a:r>
+              <a:rPr lang="en-US" altLang="zh-CN" dirty="0" smtClean="0"/>
+              <a:t>/</a:t>
+            </a:r>
+            <a:r>
+              <a:rPr lang="zh-CN" altLang="en-US" dirty="0" smtClean="0"/>
+              <a:t> </a:t>
+            </a:r>
+            <a:r>
+              <a:rPr lang="en-US" altLang="zh-CN" dirty="0" err="1" smtClean="0"/>
+              <a:t>LeaveRoom</a:t>
             </a:r>
             <a:endParaRPr lang="en-US" dirty="0"/>
           </a:p>
@@ -9317,41 +7732,6 @@
           </a:p>
         </p:txBody>
       </p:sp>
-      <p:cxnSp>
-        <p:nvCxnSpPr>
-          <p:cNvPr id="17" name="Curved Connector 16"/>
-          <p:cNvCxnSpPr/>
-          <p:nvPr/>
-        </p:nvCxnSpPr>
-        <p:spPr>
-          <a:xfrm rot="5400000">
-            <a:off x="4384107" y="2167201"/>
-            <a:ext cx="588726" cy="4020855"/>
-          </a:xfrm>
-          <a:prstGeom prst="curvedConnector3">
-            <a:avLst>
-              <a:gd name="adj1" fmla="val 50076"/>
-            </a:avLst>
-          </a:prstGeom>
-          <a:ln>
-            <a:tailEnd type="triangle"/>
-          </a:ln>
-        </p:spPr>
-        <p:style>
-          <a:lnRef idx="2">
-            <a:schemeClr val="accent1"/>
-          </a:lnRef>
-          <a:fillRef idx="0">
-            <a:schemeClr val="accent1"/>
-          </a:fillRef>
-          <a:effectRef idx="1">
-            <a:schemeClr val="accent1"/>
-          </a:effectRef>
-          <a:fontRef idx="minor">
-            <a:schemeClr val="tx1"/>
-          </a:fontRef>
-        </p:style>
-      </p:cxnSp>
       <p:sp>
         <p:nvSpPr>
           <p:cNvPr id="18" name="Rectangle 17"/>
@@ -9387,36 +7767,117 @@
           <a:p>
             <a:pPr algn="ctr"/>
             <a:r>
-              <a:rPr lang="en-US" altLang="zh-CN" dirty="0" smtClean="0"/>
-              <a:t>Notify</a:t>
-            </a:r>
-            <a:r>
-              <a:rPr lang="zh-CN" altLang="en-US" dirty="0" smtClean="0"/>
-              <a:t> </a:t>
-            </a:r>
-            <a:r>
-              <a:rPr lang="en-US" altLang="zh-CN" dirty="0" smtClean="0"/>
-              <a:t>observables</a:t>
-            </a:r>
+              <a:rPr lang="en-US" altLang="zh-CN" dirty="0" err="1" smtClean="0"/>
+              <a:t>roomNotification</a:t>
+            </a:r>
+            <a:endParaRPr lang="en-US" altLang="zh-CN" dirty="0" smtClean="0"/>
           </a:p>
           <a:p>
             <a:pPr algn="ctr"/>
             <a:r>
               <a:rPr lang="en-US" altLang="zh-CN" dirty="0" err="1" smtClean="0"/>
-              <a:t>RoomUserNotificationResponce</a:t>
+              <a:t>r</a:t>
+            </a:r>
+            <a:r>
+              <a:rPr lang="en-US" altLang="zh-CN" dirty="0" err="1" smtClean="0"/>
+              <a:t>oomUserNotificationResponce</a:t>
             </a:r>
             <a:endParaRPr lang="en-US" altLang="zh-CN" dirty="0" smtClean="0"/>
           </a:p>
           <a:p>
             <a:pPr algn="ctr"/>
             <a:r>
+              <a:rPr lang="en-US" altLang="zh-CN" dirty="0" err="1"/>
+              <a:t>u</a:t>
+            </a:r>
+            <a:r>
               <a:rPr lang="en-US" altLang="zh-CN" dirty="0" err="1" smtClean="0"/>
-              <a:t>UserRoomNotificationResponce</a:t>
+              <a:t>serRoomNotificationResponce</a:t>
             </a:r>
             <a:endParaRPr lang="en-US" altLang="zh-CN" dirty="0" smtClean="0"/>
           </a:p>
         </p:txBody>
       </p:sp>
+      <p:sp>
+        <p:nvSpPr>
+          <p:cNvPr id="19" name="Left Arrow 18"/>
+          <p:cNvSpPr/>
+          <p:nvPr/>
+        </p:nvSpPr>
+        <p:spPr>
+          <a:xfrm>
+            <a:off x="3795387" y="3218690"/>
+            <a:ext cx="1402914" cy="319116"/>
+          </a:xfrm>
+          <a:prstGeom prst="leftArrow">
+            <a:avLst/>
+          </a:prstGeom>
+        </p:spPr>
+        <p:style>
+          <a:lnRef idx="1">
+            <a:schemeClr val="accent1"/>
+          </a:lnRef>
+          <a:fillRef idx="3">
+            <a:schemeClr val="accent1"/>
+          </a:fillRef>
+          <a:effectRef idx="2">
+            <a:schemeClr val="accent1"/>
+          </a:effectRef>
+          <a:fontRef idx="minor">
+            <a:schemeClr val="lt1"/>
+          </a:fontRef>
+        </p:style>
+        <p:txBody>
+          <a:bodyPr rtlCol="0" anchor="ctr"/>
+          <a:lstStyle/>
+          <a:p>
+            <a:pPr algn="ctr"/>
+            <a:endParaRPr lang="en-US"/>
+          </a:p>
+        </p:txBody>
+      </p:sp>
+      <p:cxnSp>
+        <p:nvCxnSpPr>
+          <p:cNvPr id="12" name="Curved Connector 11"/>
+          <p:cNvCxnSpPr>
+            <a:stCxn id="8" idx="2"/>
+            <a:endCxn id="18" idx="3"/>
+          </p:cNvCxnSpPr>
+          <p:nvPr/>
+        </p:nvCxnSpPr>
+        <p:spPr>
+          <a:xfrm rot="5400000">
+            <a:off x="4823218" y="4650937"/>
+            <a:ext cx="1049005" cy="2268999"/>
+          </a:xfrm>
+          <a:prstGeom prst="curvedConnector2">
+            <a:avLst/>
+          </a:prstGeom>
+          <a:ln w="76200">
+            <a:solidFill>
+              <a:schemeClr val="accent1">
+                <a:lumMod val="60000"/>
+                <a:lumOff val="40000"/>
+              </a:schemeClr>
+            </a:solidFill>
+            <a:tailEnd type="triangle"/>
+          </a:ln>
+        </p:spPr>
+        <p:style>
+          <a:lnRef idx="2">
+            <a:schemeClr val="accent1"/>
+          </a:lnRef>
+          <a:fillRef idx="0">
+            <a:schemeClr val="accent1"/>
+          </a:fillRef>
+          <a:effectRef idx="1">
+            <a:schemeClr val="accent1"/>
+          </a:effectRef>
+          <a:fontRef idx="minor">
+            <a:schemeClr val="tx1"/>
+          </a:fontRef>
+        </p:style>
+      </p:cxnSp>
     </p:spTree>
     <p:extLst>
       <p:ext uri="{BB962C8B-B14F-4D97-AF65-F5344CB8AC3E}">
@@ -9474,33 +7935,6 @@
                                   </p:childTnLst>
                                 </p:cTn>
                               </p:par>
-                              <p:par>
-                                <p:cTn id="7" presetID="1" presetClass="entr" presetSubtype="0" fill="hold" grpId="0" nodeType="withEffect">
-                                  <p:stCondLst>
-                                    <p:cond delay="0"/>
-                                  </p:stCondLst>
-                                  <p:childTnLst>
-                                    <p:set>
-                                      <p:cBhvr>
-                                        <p:cTn id="8" dur="1" fill="hold">
-                                          <p:stCondLst>
-                                            <p:cond delay="0"/>
-                                          </p:stCondLst>
-                                        </p:cTn>
-                                        <p:tgtEl>
-                                          <p:spTgt spid="13"/>
-                                        </p:tgtEl>
-                                        <p:attrNameLst>
-                                          <p:attrName>style.visibility</p:attrName>
-                                        </p:attrNameLst>
-                                      </p:cBhvr>
-                                      <p:to>
-                                        <p:strVal val="visible"/>
-                                      </p:to>
-                                    </p:set>
-                                  </p:childTnLst>
-                                </p:cTn>
-                              </p:par>
                             </p:childTnLst>
                           </p:cTn>
                         </p:par>
@@ -9508,26 +7942,26 @@
                     </p:cTn>
                   </p:par>
                   <p:par>
-                    <p:cTn id="9" fill="hold">
+                    <p:cTn id="7" fill="hold">
                       <p:stCondLst>
                         <p:cond delay="indefinite"/>
                       </p:stCondLst>
                       <p:childTnLst>
                         <p:par>
-                          <p:cTn id="10" fill="hold">
+                          <p:cTn id="8" fill="hold">
                             <p:stCondLst>
                               <p:cond delay="0"/>
                             </p:stCondLst>
                             <p:childTnLst>
                               <p:par>
-                                <p:cTn id="11" presetID="1" presetClass="entr" presetSubtype="0" fill="hold" grpId="0" nodeType="clickEffect">
+                                <p:cTn id="9" presetID="1" presetClass="entr" presetSubtype="0" fill="hold" grpId="0" nodeType="clickEffect">
                                   <p:stCondLst>
                                     <p:cond delay="0"/>
                                   </p:stCondLst>
                                   <p:childTnLst>
                                     <p:set>
                                       <p:cBhvr>
-                                        <p:cTn id="12" dur="1" fill="hold">
+                                        <p:cTn id="10" dur="1" fill="hold">
                                           <p:stCondLst>
                                             <p:cond delay="0"/>
                                           </p:stCondLst>
@@ -9553,26 +7987,26 @@
                     </p:cTn>
                   </p:par>
                   <p:par>
-                    <p:cTn id="13" fill="hold">
+                    <p:cTn id="11" fill="hold">
                       <p:stCondLst>
                         <p:cond delay="indefinite"/>
                       </p:stCondLst>
                       <p:childTnLst>
                         <p:par>
-                          <p:cTn id="14" fill="hold">
+                          <p:cTn id="12" fill="hold">
                             <p:stCondLst>
                               <p:cond delay="0"/>
                             </p:stCondLst>
                             <p:childTnLst>
                               <p:par>
-                                <p:cTn id="15" presetID="1" presetClass="entr" presetSubtype="0" fill="hold" grpId="0" nodeType="clickEffect">
+                                <p:cTn id="13" presetID="1" presetClass="entr" presetSubtype="0" fill="hold" grpId="0" nodeType="clickEffect">
                                   <p:stCondLst>
                                     <p:cond delay="0"/>
                                   </p:stCondLst>
                                   <p:childTnLst>
                                     <p:set>
                                       <p:cBhvr>
-                                        <p:cTn id="16" dur="1" fill="hold">
+                                        <p:cTn id="14" dur="1" fill="hold">
                                           <p:stCondLst>
                                             <p:cond delay="0"/>
                                           </p:stCondLst>
@@ -9592,14 +8026,14 @@
                                 </p:cTn>
                               </p:par>
                               <p:par>
-                                <p:cTn id="17" presetID="1" presetClass="entr" presetSubtype="0" fill="hold" grpId="0" nodeType="withEffect">
+                                <p:cTn id="15" presetID="1" presetClass="entr" presetSubtype="0" fill="hold" grpId="0" nodeType="withEffect">
                                   <p:stCondLst>
                                     <p:cond delay="0"/>
                                   </p:stCondLst>
                                   <p:childTnLst>
                                     <p:set>
                                       <p:cBhvr>
-                                        <p:cTn id="18" dur="1" fill="hold">
+                                        <p:cTn id="16" dur="1" fill="hold">
                                           <p:stCondLst>
                                             <p:cond delay="0"/>
                                           </p:stCondLst>
@@ -9648,7 +8082,6 @@
     <p:bldLst>
       <p:bldP spid="7" grpId="0" animBg="1"/>
       <p:bldP spid="8" grpId="0" animBg="1"/>
-      <p:bldP spid="13" grpId="0" animBg="1"/>
       <p:bldP spid="14" grpId="0" animBg="1"/>
       <p:bldP spid="15" grpId="0" animBg="1"/>
     </p:bldLst>
@@ -9656,7 +8089,7 @@
 </p:sld>
 </file>
 
-<file path=ppt/slides/slide7.xml><?xml version="1.0" encoding="utf-8"?>
+<file path=ppt/slides/slide8.xml><?xml version="1.0" encoding="utf-8"?>
 <p:sld xmlns:a="http://schemas.openxmlformats.org/drawingml/2006/main" xmlns:r="http://schemas.openxmlformats.org/officeDocument/2006/relationships" xmlns:p="http://schemas.openxmlformats.org/presentationml/2006/main">
   <p:cSld>
     <p:spTree>
@@ -9740,19 +8173,31 @@
             <a:pPr algn="ctr"/>
             <a:r>
               <a:rPr lang="en-US" altLang="zh-CN" dirty="0" smtClean="0"/>
-              <a:t>DA:</a:t>
-            </a:r>
-            <a:r>
-              <a:rPr lang="zh-CN" altLang="en-US" dirty="0" smtClean="0"/>
-              <a:t> </a:t>
-            </a:r>
-            <a:r>
-              <a:rPr lang="en-US" altLang="zh-CN" dirty="0" err="1" smtClean="0"/>
-              <a:t>sendMessage</a:t>
-            </a:r>
-            <a:r>
-              <a:rPr lang="zh-CN" altLang="en-US" dirty="0" smtClean="0"/>
-              <a:t> </a:t>
+              <a:t>Front</a:t>
+            </a:r>
+            <a:r>
+              <a:rPr lang="zh-CN" altLang="en-US" dirty="0" smtClean="0"/>
+              <a:t> </a:t>
+            </a:r>
+            <a:r>
+              <a:rPr lang="en-US" altLang="zh-CN" dirty="0" smtClean="0"/>
+              <a:t>end</a:t>
+            </a:r>
+            <a:r>
+              <a:rPr lang="zh-CN" altLang="en-US" dirty="0" smtClean="0"/>
+              <a:t> </a:t>
+            </a:r>
+            <a:r>
+              <a:rPr lang="en-US" altLang="zh-CN" dirty="0" smtClean="0"/>
+              <a:t>-&gt;</a:t>
+            </a:r>
+            <a:r>
+              <a:rPr lang="zh-CN" altLang="en-US" dirty="0" smtClean="0"/>
+              <a:t> </a:t>
+            </a:r>
+            <a:r>
+              <a:rPr lang="en-US" altLang="zh-CN" dirty="0" smtClean="0"/>
+              <a:t>WSC</a:t>
             </a:r>
             <a:endParaRPr lang="en-US" dirty="0"/>
           </a:p>
@@ -9804,46 +8249,7 @@
               <a:rPr lang="en-US" altLang="zh-CN" dirty="0" smtClean="0"/>
               <a:t>message</a:t>
             </a:r>
-          </a:p>
-          <a:p>
-            <a:pPr algn="ctr"/>
-            <a:r>
-              <a:rPr lang="en-US" altLang="zh-CN" dirty="0" smtClean="0"/>
-              <a:t>Check</a:t>
-            </a:r>
-            <a:r>
-              <a:rPr lang="zh-CN" altLang="en-US" dirty="0" smtClean="0"/>
-              <a:t> </a:t>
-            </a:r>
-            <a:r>
-              <a:rPr lang="en-US" altLang="zh-CN" dirty="0" smtClean="0"/>
-              <a:t>if</a:t>
-            </a:r>
-            <a:r>
-              <a:rPr lang="zh-CN" altLang="en-US" dirty="0" smtClean="0"/>
-              <a:t> </a:t>
-            </a:r>
-            <a:r>
-              <a:rPr lang="en-US" altLang="zh-CN" dirty="0" smtClean="0"/>
-              <a:t>sender</a:t>
-            </a:r>
-            <a:r>
-              <a:rPr lang="zh-CN" altLang="en-US" dirty="0" smtClean="0"/>
-              <a:t> </a:t>
-            </a:r>
-            <a:r>
-              <a:rPr lang="en-US" altLang="zh-CN" dirty="0" smtClean="0"/>
-              <a:t>is</a:t>
-            </a:r>
-            <a:r>
-              <a:rPr lang="zh-CN" altLang="en-US" dirty="0" smtClean="0"/>
-              <a:t> </a:t>
-            </a:r>
-            <a:r>
-              <a:rPr lang="en-US" altLang="zh-CN" dirty="0" smtClean="0"/>
-              <a:t>owner</a:t>
-            </a:r>
-            <a:endParaRPr lang="en-US" dirty="0" smtClean="0"/>
+            <a:endParaRPr lang="en-US" altLang="zh-CN" dirty="0" smtClean="0"/>
           </a:p>
         </p:txBody>
       </p:sp>
@@ -9855,8 +8261,8 @@
         </p:nvSpPr>
         <p:spPr>
           <a:xfrm>
-            <a:off x="1227551" y="4434216"/>
-            <a:ext cx="2580362" cy="826718"/>
+            <a:off x="2510971" y="4434216"/>
+            <a:ext cx="1296941" cy="826718"/>
           </a:xfrm>
           <a:prstGeom prst="rect">
             <a:avLst/>
@@ -9891,7 +8297,7 @@
             </a:r>
             <a:r>
               <a:rPr lang="en-US" altLang="zh-CN" dirty="0" smtClean="0"/>
-              <a:t>no</a:t>
+              <a:t>not</a:t>
             </a:r>
             <a:r>
               <a:rPr lang="zh-CN" altLang="en-US" dirty="0" smtClean="0"/>
@@ -9913,7 +8319,7 @@
         </p:nvSpPr>
         <p:spPr>
           <a:xfrm>
-            <a:off x="1015007" y="5849658"/>
+            <a:off x="5085766" y="5843394"/>
             <a:ext cx="2792906" cy="895511"/>
           </a:xfrm>
           <a:prstGeom prst="rect">
@@ -9960,7 +8366,7 @@
         <p:spPr>
           <a:xfrm>
             <a:off x="5223353" y="2918565"/>
-            <a:ext cx="2517732" cy="926925"/>
+            <a:ext cx="3136876" cy="926925"/>
           </a:xfrm>
           <a:prstGeom prst="rect">
             <a:avLst/>
@@ -9993,6 +8399,10 @@
               <a:rPr lang="zh-CN" altLang="en-US" dirty="0" smtClean="0"/>
               <a:t> </a:t>
             </a:r>
+            <a:endParaRPr lang="en-US" altLang="zh-CN" dirty="0" smtClean="0"/>
+          </a:p>
+          <a:p>
+            <a:pPr algn="ctr"/>
             <a:r>
               <a:rPr lang="en-US" altLang="zh-CN" dirty="0" smtClean="0"/>
               <a:t>sender/receiver/room</a:t>
@@ -10004,6 +8414,34 @@
             <a:r>
               <a:rPr lang="en-US" altLang="zh-CN" dirty="0" smtClean="0"/>
               <a:t>info</a:t>
+            </a:r>
+            <a:r>
+              <a:rPr lang="zh-CN" altLang="en-US" dirty="0" smtClean="0"/>
+              <a:t> </a:t>
+            </a:r>
+            <a:endParaRPr lang="en-US" altLang="zh-CN" dirty="0" smtClean="0"/>
+          </a:p>
+          <a:p>
+            <a:pPr algn="ctr"/>
+            <a:r>
+              <a:rPr lang="en-US" altLang="zh-CN" dirty="0" smtClean="0"/>
+              <a:t>and</a:t>
+            </a:r>
+            <a:r>
+              <a:rPr lang="zh-CN" altLang="en-US" dirty="0" smtClean="0"/>
+              <a:t> </a:t>
+            </a:r>
+            <a:r>
+              <a:rPr lang="en-US" altLang="zh-CN" dirty="0" smtClean="0"/>
+              <a:t>the</a:t>
+            </a:r>
+            <a:r>
+              <a:rPr lang="zh-CN" altLang="en-US" dirty="0" smtClean="0"/>
+              <a:t> </a:t>
+            </a:r>
+            <a:r>
+              <a:rPr lang="en-US" altLang="zh-CN" dirty="0" smtClean="0"/>
+              <a:t>message</a:t>
             </a:r>
             <a:endParaRPr lang="en-US" dirty="0"/>
           </a:p>
@@ -10045,6 +8483,30 @@
             <a:pPr algn="ctr"/>
             <a:r>
               <a:rPr lang="en-US" altLang="zh-CN" dirty="0" smtClean="0"/>
+              <a:t>Check</a:t>
+            </a:r>
+            <a:r>
+              <a:rPr lang="zh-CN" altLang="en-US" dirty="0" smtClean="0"/>
+              <a:t> </a:t>
+            </a:r>
+            <a:r>
+              <a:rPr lang="en-US" altLang="zh-CN" dirty="0" smtClean="0"/>
+              <a:t>owner</a:t>
+            </a:r>
+            <a:endParaRPr lang="en-US" altLang="zh-CN" dirty="0" smtClean="0"/>
+          </a:p>
+          <a:p>
+            <a:pPr algn="ctr"/>
+            <a:r>
+              <a:rPr lang="en-US" altLang="zh-CN" dirty="0" smtClean="0"/>
+              <a:t>-&gt;</a:t>
+            </a:r>
+            <a:r>
+              <a:rPr lang="zh-CN" altLang="en-US" dirty="0" smtClean="0"/>
+              <a:t> </a:t>
+            </a:r>
+            <a:r>
+              <a:rPr lang="en-US" altLang="zh-CN" dirty="0" smtClean="0"/>
               <a:t>If</a:t>
             </a:r>
             <a:r>
@@ -10124,13 +8586,13 @@
       </p:sp>
       <p:sp>
         <p:nvSpPr>
-          <p:cNvPr id="10" name="Down Arrow 9"/>
+          <p:cNvPr id="11" name="Down Arrow 10"/>
           <p:cNvSpPr/>
           <p:nvPr/>
         </p:nvSpPr>
         <p:spPr>
           <a:xfrm>
-            <a:off x="2267211" y="2329840"/>
+            <a:off x="2965287" y="3845491"/>
             <a:ext cx="388307" cy="588725"/>
           </a:xfrm>
           <a:prstGeom prst="downArrow">
@@ -10162,51 +8624,13 @@
       </p:sp>
       <p:sp>
         <p:nvSpPr>
-          <p:cNvPr id="11" name="Down Arrow 10"/>
-          <p:cNvSpPr/>
-          <p:nvPr/>
-        </p:nvSpPr>
-        <p:spPr>
-          <a:xfrm>
-            <a:off x="2267210" y="3845491"/>
-            <a:ext cx="388307" cy="588725"/>
-          </a:xfrm>
-          <a:prstGeom prst="downArrow">
-            <a:avLst/>
-          </a:prstGeom>
-        </p:spPr>
-        <p:style>
-          <a:lnRef idx="1">
-            <a:schemeClr val="accent1"/>
-          </a:lnRef>
-          <a:fillRef idx="3">
-            <a:schemeClr val="accent1"/>
-          </a:fillRef>
-          <a:effectRef idx="2">
-            <a:schemeClr val="accent1"/>
-          </a:effectRef>
-          <a:fontRef idx="minor">
-            <a:schemeClr val="lt1"/>
-          </a:fontRef>
-        </p:style>
-        <p:txBody>
-          <a:bodyPr rtlCol="0" anchor="ctr"/>
-          <a:lstStyle/>
-          <a:p>
-            <a:pPr algn="ctr"/>
-            <a:endParaRPr lang="en-US"/>
-          </a:p>
-        </p:txBody>
-      </p:sp>
-      <p:sp>
-        <p:nvSpPr>
           <p:cNvPr id="12" name="Down Arrow 11"/>
           <p:cNvSpPr/>
           <p:nvPr/>
         </p:nvSpPr>
         <p:spPr>
           <a:xfrm>
-            <a:off x="2267210" y="5267196"/>
+            <a:off x="6192328" y="5260933"/>
             <a:ext cx="388307" cy="588725"/>
           </a:xfrm>
           <a:prstGeom prst="downArrow">
@@ -10272,31 +8696,15 @@
             <a:pPr algn="ctr"/>
             <a:r>
               <a:rPr lang="en-US" altLang="zh-CN" dirty="0" smtClean="0"/>
-              <a:t>WSC</a:t>
-            </a:r>
-            <a:r>
-              <a:rPr lang="zh-CN" altLang="en-US" dirty="0" smtClean="0"/>
-              <a:t> </a:t>
-            </a:r>
-            <a:r>
-              <a:rPr lang="en-US" altLang="zh-CN" dirty="0" smtClean="0"/>
-              <a:t>-&gt;</a:t>
-            </a:r>
-            <a:r>
-              <a:rPr lang="zh-CN" altLang="en-US" dirty="0" smtClean="0"/>
-              <a:t> </a:t>
-            </a:r>
-            <a:r>
-              <a:rPr lang="en-US" altLang="zh-CN" dirty="0" smtClean="0"/>
-              <a:t>Front</a:t>
-            </a:r>
-            <a:r>
-              <a:rPr lang="zh-CN" altLang="en-US" dirty="0" smtClean="0"/>
-              <a:t> </a:t>
-            </a:r>
-            <a:r>
-              <a:rPr lang="en-US" altLang="zh-CN" dirty="0" smtClean="0"/>
-              <a:t>end</a:t>
+              <a:t>DA:</a:t>
+            </a:r>
+            <a:r>
+              <a:rPr lang="zh-CN" altLang="en-US" dirty="0" smtClean="0"/>
+              <a:t> </a:t>
+            </a:r>
+            <a:r>
+              <a:rPr lang="en-US" altLang="zh-CN" dirty="0" err="1" smtClean="0"/>
+              <a:t>sendMessage</a:t>
             </a:r>
             <a:endParaRPr lang="en-US" dirty="0"/>
           </a:p>
@@ -10348,7 +8756,7 @@
         </p:nvSpPr>
         <p:spPr>
           <a:xfrm>
-            <a:off x="6288065" y="2372386"/>
+            <a:off x="6496233" y="2351113"/>
             <a:ext cx="388307" cy="588725"/>
           </a:xfrm>
           <a:prstGeom prst="downArrow">
@@ -10418,16 +8826,16 @@
       </p:sp>
       <p:sp>
         <p:nvSpPr>
-          <p:cNvPr id="20" name="Curved Left Arrow 19"/>
+          <p:cNvPr id="18" name="Right Arrow 17"/>
           <p:cNvSpPr/>
           <p:nvPr/>
         </p:nvSpPr>
         <p:spPr>
           <a:xfrm>
-            <a:off x="3807913" y="3514996"/>
-            <a:ext cx="1390388" cy="3230173"/>
+            <a:off x="3795387" y="4672210"/>
+            <a:ext cx="1415440" cy="350729"/>
           </a:xfrm>
-          <a:prstGeom prst="curvedLeftArrow">
+          <a:prstGeom prst="rightArrow">
             <a:avLst/>
           </a:prstGeom>
         </p:spPr>
@@ -10450,11 +8858,223 @@
           <a:lstStyle/>
           <a:p>
             <a:pPr algn="ctr"/>
-            <a:endParaRPr lang="en-US">
-              <a:solidFill>
-                <a:schemeClr val="tx1"/>
-              </a:solidFill>
-            </a:endParaRPr>
+            <a:endParaRPr lang="en-US" dirty="0"/>
+          </a:p>
+        </p:txBody>
+      </p:sp>
+      <p:sp>
+        <p:nvSpPr>
+          <p:cNvPr id="21" name="Rectangle 20"/>
+          <p:cNvSpPr/>
+          <p:nvPr/>
+        </p:nvSpPr>
+        <p:spPr>
+          <a:xfrm>
+            <a:off x="1072864" y="4434215"/>
+            <a:ext cx="1296941" cy="826718"/>
+          </a:xfrm>
+          <a:prstGeom prst="rect">
+            <a:avLst/>
+          </a:prstGeom>
+        </p:spPr>
+        <p:style>
+          <a:lnRef idx="1">
+            <a:schemeClr val="accent1"/>
+          </a:lnRef>
+          <a:fillRef idx="3">
+            <a:schemeClr val="accent1"/>
+          </a:fillRef>
+          <a:effectRef idx="2">
+            <a:schemeClr val="accent1"/>
+          </a:effectRef>
+          <a:fontRef idx="minor">
+            <a:schemeClr val="lt1"/>
+          </a:fontRef>
+        </p:style>
+        <p:txBody>
+          <a:bodyPr rtlCol="0" anchor="ctr"/>
+          <a:lstStyle/>
+          <a:p>
+            <a:pPr algn="ctr"/>
+            <a:r>
+              <a:rPr lang="en-US" altLang="zh-CN" dirty="0" smtClean="0"/>
+              <a:t>If</a:t>
+            </a:r>
+            <a:r>
+              <a:rPr lang="zh-CN" altLang="en-US" dirty="0" smtClean="0"/>
+              <a:t> </a:t>
+            </a:r>
+            <a:r>
+              <a:rPr lang="en-US" altLang="zh-CN" dirty="0" smtClean="0"/>
+              <a:t>hate</a:t>
+            </a:r>
+            <a:endParaRPr lang="en-US" dirty="0"/>
+          </a:p>
+        </p:txBody>
+      </p:sp>
+      <p:sp>
+        <p:nvSpPr>
+          <p:cNvPr id="22" name="Down Arrow 21"/>
+          <p:cNvSpPr/>
+          <p:nvPr/>
+        </p:nvSpPr>
+        <p:spPr>
+          <a:xfrm>
+            <a:off x="1527180" y="3845490"/>
+            <a:ext cx="388307" cy="588725"/>
+          </a:xfrm>
+          <a:prstGeom prst="downArrow">
+            <a:avLst/>
+          </a:prstGeom>
+        </p:spPr>
+        <p:style>
+          <a:lnRef idx="1">
+            <a:schemeClr val="accent1"/>
+          </a:lnRef>
+          <a:fillRef idx="3">
+            <a:schemeClr val="accent1"/>
+          </a:fillRef>
+          <a:effectRef idx="2">
+            <a:schemeClr val="accent1"/>
+          </a:effectRef>
+          <a:fontRef idx="minor">
+            <a:schemeClr val="lt1"/>
+          </a:fontRef>
+        </p:style>
+        <p:txBody>
+          <a:bodyPr rtlCol="0" anchor="ctr"/>
+          <a:lstStyle/>
+          <a:p>
+            <a:pPr algn="ctr"/>
+            <a:endParaRPr lang="en-US"/>
+          </a:p>
+        </p:txBody>
+      </p:sp>
+      <p:sp>
+        <p:nvSpPr>
+          <p:cNvPr id="23" name="Rectangle 22"/>
+          <p:cNvSpPr/>
+          <p:nvPr/>
+        </p:nvSpPr>
+        <p:spPr>
+          <a:xfrm>
+            <a:off x="1047812" y="5877791"/>
+            <a:ext cx="2243948" cy="826718"/>
+          </a:xfrm>
+          <a:prstGeom prst="rect">
+            <a:avLst/>
+          </a:prstGeom>
+        </p:spPr>
+        <p:style>
+          <a:lnRef idx="1">
+            <a:schemeClr val="accent1"/>
+          </a:lnRef>
+          <a:fillRef idx="3">
+            <a:schemeClr val="accent1"/>
+          </a:fillRef>
+          <a:effectRef idx="2">
+            <a:schemeClr val="accent1"/>
+          </a:effectRef>
+          <a:fontRef idx="minor">
+            <a:schemeClr val="lt1"/>
+          </a:fontRef>
+        </p:style>
+        <p:txBody>
+          <a:bodyPr rtlCol="0" anchor="ctr"/>
+          <a:lstStyle/>
+          <a:p>
+            <a:pPr algn="ctr"/>
+            <a:r>
+              <a:rPr lang="en-US" altLang="zh-CN" dirty="0" smtClean="0"/>
+              <a:t>Kick</a:t>
+            </a:r>
+            <a:r>
+              <a:rPr lang="zh-CN" altLang="en-US" dirty="0" smtClean="0"/>
+              <a:t> </a:t>
+            </a:r>
+            <a:r>
+              <a:rPr lang="en-US" altLang="zh-CN" dirty="0" smtClean="0"/>
+              <a:t>the</a:t>
+            </a:r>
+            <a:r>
+              <a:rPr lang="zh-CN" altLang="en-US" dirty="0" smtClean="0"/>
+              <a:t> </a:t>
+            </a:r>
+            <a:r>
+              <a:rPr lang="en-US" altLang="zh-CN" dirty="0" smtClean="0"/>
+              <a:t>user</a:t>
+            </a:r>
+            <a:r>
+              <a:rPr lang="zh-CN" altLang="en-US" dirty="0" smtClean="0"/>
+              <a:t> </a:t>
+            </a:r>
+            <a:r>
+              <a:rPr lang="en-US" altLang="zh-CN" dirty="0" smtClean="0"/>
+              <a:t>out</a:t>
+            </a:r>
+            <a:r>
+              <a:rPr lang="zh-CN" altLang="en-US" dirty="0" smtClean="0"/>
+              <a:t> </a:t>
+            </a:r>
+            <a:r>
+              <a:rPr lang="en-US" altLang="zh-CN" dirty="0" smtClean="0"/>
+              <a:t>from</a:t>
+            </a:r>
+            <a:r>
+              <a:rPr lang="zh-CN" altLang="en-US" dirty="0" smtClean="0"/>
+              <a:t> </a:t>
+            </a:r>
+            <a:r>
+              <a:rPr lang="en-US" altLang="zh-CN" dirty="0" smtClean="0"/>
+              <a:t>all</a:t>
+            </a:r>
+            <a:r>
+              <a:rPr lang="zh-CN" altLang="en-US" dirty="0" smtClean="0"/>
+              <a:t> </a:t>
+            </a:r>
+            <a:r>
+              <a:rPr lang="en-US" altLang="zh-CN" dirty="0" smtClean="0"/>
+              <a:t>rooms</a:t>
+            </a:r>
+            <a:endParaRPr lang="en-US" dirty="0"/>
+          </a:p>
+        </p:txBody>
+      </p:sp>
+      <p:sp>
+        <p:nvSpPr>
+          <p:cNvPr id="24" name="Down Arrow 23"/>
+          <p:cNvSpPr/>
+          <p:nvPr/>
+        </p:nvSpPr>
+        <p:spPr>
+          <a:xfrm>
+            <a:off x="1563963" y="5260933"/>
+            <a:ext cx="377294" cy="588725"/>
+          </a:xfrm>
+          <a:prstGeom prst="downArrow">
+            <a:avLst/>
+          </a:prstGeom>
+        </p:spPr>
+        <p:style>
+          <a:lnRef idx="1">
+            <a:schemeClr val="accent1"/>
+          </a:lnRef>
+          <a:fillRef idx="3">
+            <a:schemeClr val="accent1"/>
+          </a:fillRef>
+          <a:effectRef idx="2">
+            <a:schemeClr val="accent1"/>
+          </a:effectRef>
+          <a:fontRef idx="minor">
+            <a:schemeClr val="lt1"/>
+          </a:fontRef>
+        </p:style>
+        <p:txBody>
+          <a:bodyPr rtlCol="0" anchor="ctr"/>
+          <a:lstStyle/>
+          <a:p>
+            <a:pPr algn="ctr"/>
+            <a:endParaRPr lang="en-US"/>
           </a:p>
         </p:txBody>
       </p:sp>
@@ -10632,6 +9252,33 @@
                                   </p:childTnLst>
                                 </p:cTn>
                               </p:par>
+                              <p:par>
+                                <p:cTn id="17" presetID="1" presetClass="entr" presetSubtype="0" fill="hold" grpId="0" nodeType="withEffect">
+                                  <p:stCondLst>
+                                    <p:cond delay="0"/>
+                                  </p:stCondLst>
+                                  <p:childTnLst>
+                                    <p:set>
+                                      <p:cBhvr>
+                                        <p:cTn id="18" dur="1" fill="hold">
+                                          <p:stCondLst>
+                                            <p:cond delay="0"/>
+                                          </p:stCondLst>
+                                        </p:cTn>
+                                        <p:tgtEl>
+                                          <p:spTgt spid="18"/>
+                                        </p:tgtEl>
+                                        <p:attrNameLst>
+                                          <p:attrName>style.visibility</p:attrName>
+                                        </p:attrNameLst>
+                                      </p:cBhvr>
+                                      <p:to>
+                                        <p:strVal val="visible"/>
+                                      </p:to>
+                                    </p:set>
+                                  </p:childTnLst>
+                                </p:cTn>
+                              </p:par>
                             </p:childTnLst>
                           </p:cTn>
                         </p:par>
@@ -10664,61 +9311,9 @@
       <p:bldP spid="9" grpId="0" animBg="1"/>
       <p:bldP spid="15" grpId="0" animBg="1"/>
       <p:bldP spid="16" grpId="0" animBg="1"/>
+      <p:bldP spid="18" grpId="0" animBg="1"/>
     </p:bldLst>
   </p:timing>
-</p:sld>
-</file>
-
-<file path=ppt/slides/slide8.xml><?xml version="1.0" encoding="utf-8"?>
-<p:sld xmlns:a="http://schemas.openxmlformats.org/drawingml/2006/main" xmlns:r="http://schemas.openxmlformats.org/officeDocument/2006/relationships" xmlns:p="http://schemas.openxmlformats.org/presentationml/2006/main">
-  <p:cSld>
-    <p:spTree>
-      <p:nvGrpSpPr>
-        <p:cNvPr id="1" name=""/>
-        <p:cNvGrpSpPr/>
-        <p:nvPr/>
-      </p:nvGrpSpPr>
-      <p:grpSpPr>
-        <a:xfrm>
-          <a:off x="0" y="0"/>
-          <a:ext cx="0" cy="0"/>
-          <a:chOff x="0" y="0"/>
-          <a:chExt cx="0" cy="0"/>
-        </a:xfrm>
-      </p:grpSpPr>
-      <p:sp>
-        <p:nvSpPr>
-          <p:cNvPr id="2" name="Title 1"/>
-          <p:cNvSpPr>
-            <a:spLocks noGrp="1"/>
-          </p:cNvSpPr>
-          <p:nvPr>
-            <p:ph type="title"/>
-          </p:nvPr>
-        </p:nvSpPr>
-        <p:spPr/>
-        <p:txBody>
-          <a:bodyPr/>
-          <a:lstStyle/>
-          <a:p>
-            <a:r>
-              <a:rPr lang="en-US" altLang="zh-CN" dirty="0" smtClean="0"/>
-              <a:t>View</a:t>
-            </a:r>
-            <a:endParaRPr lang="en-US" dirty="0"/>
-          </a:p>
-        </p:txBody>
-      </p:sp>
-    </p:spTree>
-    <p:extLst>
-      <p:ext uri="{BB962C8B-B14F-4D97-AF65-F5344CB8AC3E}">
-        <p14:creationId xmlns:p14="http://schemas.microsoft.com/office/powerpoint/2010/main" val="699355083"/>
-      </p:ext>
-    </p:extLst>
-  </p:cSld>
-  <p:clrMapOvr>
-    <a:masterClrMapping/>
-  </p:clrMapOvr>
 </p:sld>
 </file>
 
@@ -10756,38 +9351,1059 @@
           <a:p>
             <a:r>
               <a:rPr lang="en-US" altLang="zh-CN" dirty="0" smtClean="0"/>
-              <a:t>Other</a:t>
-            </a:r>
-            <a:r>
-              <a:rPr lang="zh-CN" altLang="en-US" dirty="0" smtClean="0"/>
-              <a:t> </a:t>
-            </a:r>
-            <a:r>
-              <a:rPr lang="en-US" altLang="zh-CN" dirty="0" smtClean="0"/>
-              <a:t>Design</a:t>
-            </a:r>
-            <a:r>
-              <a:rPr lang="zh-CN" altLang="en-US" dirty="0" smtClean="0"/>
-              <a:t> </a:t>
-            </a:r>
-            <a:r>
-              <a:rPr lang="en-US" altLang="zh-CN" dirty="0" smtClean="0"/>
-              <a:t>Decisions</a:t>
+              <a:t>Load</a:t>
+            </a:r>
+            <a:r>
+              <a:rPr lang="zh-CN" altLang="en-US" dirty="0" smtClean="0"/>
+              <a:t> </a:t>
+            </a:r>
+            <a:r>
+              <a:rPr lang="en-US" altLang="zh-CN" dirty="0" smtClean="0"/>
+              <a:t>Message</a:t>
             </a:r>
             <a:endParaRPr lang="en-US" dirty="0"/>
           </a:p>
         </p:txBody>
       </p:sp>
+      <p:sp>
+        <p:nvSpPr>
+          <p:cNvPr id="4" name="Rectangle 3"/>
+          <p:cNvSpPr/>
+          <p:nvPr/>
+        </p:nvSpPr>
+        <p:spPr>
+          <a:xfrm>
+            <a:off x="1227551" y="1440492"/>
+            <a:ext cx="2580362" cy="889348"/>
+          </a:xfrm>
+          <a:prstGeom prst="rect">
+            <a:avLst/>
+          </a:prstGeom>
+        </p:spPr>
+        <p:style>
+          <a:lnRef idx="1">
+            <a:schemeClr val="accent1"/>
+          </a:lnRef>
+          <a:fillRef idx="3">
+            <a:schemeClr val="accent1"/>
+          </a:fillRef>
+          <a:effectRef idx="2">
+            <a:schemeClr val="accent1"/>
+          </a:effectRef>
+          <a:fontRef idx="minor">
+            <a:schemeClr val="lt1"/>
+          </a:fontRef>
+        </p:style>
+        <p:txBody>
+          <a:bodyPr rtlCol="0" anchor="ctr"/>
+          <a:lstStyle/>
+          <a:p>
+            <a:pPr algn="ctr"/>
+            <a:r>
+              <a:rPr lang="en-US" altLang="zh-CN" dirty="0" smtClean="0"/>
+              <a:t>Front</a:t>
+            </a:r>
+            <a:r>
+              <a:rPr lang="zh-CN" altLang="en-US" dirty="0" smtClean="0"/>
+              <a:t> </a:t>
+            </a:r>
+            <a:r>
+              <a:rPr lang="en-US" altLang="zh-CN" dirty="0" smtClean="0"/>
+              <a:t>end</a:t>
+            </a:r>
+            <a:r>
+              <a:rPr lang="zh-CN" altLang="en-US" dirty="0" smtClean="0"/>
+              <a:t> </a:t>
+            </a:r>
+            <a:r>
+              <a:rPr lang="en-US" altLang="zh-CN" dirty="0" smtClean="0"/>
+              <a:t>-&gt;</a:t>
+            </a:r>
+            <a:r>
+              <a:rPr lang="zh-CN" altLang="en-US" dirty="0" smtClean="0"/>
+              <a:t> </a:t>
+            </a:r>
+            <a:r>
+              <a:rPr lang="en-US" altLang="zh-CN" dirty="0" smtClean="0"/>
+              <a:t>WSC</a:t>
+            </a:r>
+            <a:endParaRPr lang="en-US" dirty="0"/>
+          </a:p>
+        </p:txBody>
+      </p:sp>
+      <p:sp>
+        <p:nvSpPr>
+          <p:cNvPr id="5" name="Rectangle 4"/>
+          <p:cNvSpPr/>
+          <p:nvPr/>
+        </p:nvSpPr>
+        <p:spPr>
+          <a:xfrm>
+            <a:off x="1227551" y="2918565"/>
+            <a:ext cx="2580362" cy="926926"/>
+          </a:xfrm>
+          <a:prstGeom prst="rect">
+            <a:avLst/>
+          </a:prstGeom>
+        </p:spPr>
+        <p:style>
+          <a:lnRef idx="1">
+            <a:schemeClr val="accent1"/>
+          </a:lnRef>
+          <a:fillRef idx="3">
+            <a:schemeClr val="accent1"/>
+          </a:fillRef>
+          <a:effectRef idx="2">
+            <a:schemeClr val="accent1"/>
+          </a:effectRef>
+          <a:fontRef idx="minor">
+            <a:schemeClr val="lt1"/>
+          </a:fontRef>
+        </p:style>
+        <p:txBody>
+          <a:bodyPr rtlCol="0" anchor="ctr"/>
+          <a:lstStyle/>
+          <a:p>
+            <a:pPr algn="ctr"/>
+            <a:r>
+              <a:rPr lang="en-US" altLang="zh-CN" dirty="0" smtClean="0"/>
+              <a:t>Update</a:t>
+            </a:r>
+            <a:r>
+              <a:rPr lang="zh-CN" altLang="en-US" dirty="0" smtClean="0"/>
+              <a:t> </a:t>
+            </a:r>
+            <a:r>
+              <a:rPr lang="en-US" altLang="zh-CN" dirty="0" smtClean="0"/>
+              <a:t>message</a:t>
+            </a:r>
+            <a:r>
+              <a:rPr lang="zh-CN" altLang="en-US" dirty="0" smtClean="0"/>
+              <a:t> </a:t>
+            </a:r>
+            <a:r>
+              <a:rPr lang="en-US" altLang="zh-CN" dirty="0" smtClean="0"/>
+              <a:t>in</a:t>
+            </a:r>
+            <a:r>
+              <a:rPr lang="zh-CN" altLang="en-US" dirty="0" smtClean="0"/>
+              <a:t> </a:t>
+            </a:r>
+            <a:r>
+              <a:rPr lang="en-US" altLang="zh-CN" dirty="0" smtClean="0"/>
+              <a:t>the</a:t>
+            </a:r>
+            <a:r>
+              <a:rPr lang="zh-CN" altLang="en-US" dirty="0" smtClean="0"/>
+              <a:t> </a:t>
+            </a:r>
+            <a:r>
+              <a:rPr lang="en-US" altLang="zh-CN" dirty="0"/>
+              <a:t>f</a:t>
+            </a:r>
+            <a:r>
+              <a:rPr lang="en-US" altLang="zh-CN" dirty="0" smtClean="0"/>
+              <a:t>ront</a:t>
+            </a:r>
+            <a:r>
+              <a:rPr lang="zh-CN" altLang="en-US" dirty="0" smtClean="0"/>
+              <a:t> </a:t>
+            </a:r>
+            <a:r>
+              <a:rPr lang="en-US" altLang="zh-CN" dirty="0" smtClean="0"/>
+              <a:t>end</a:t>
+            </a:r>
+            <a:endParaRPr lang="en-US" dirty="0"/>
+          </a:p>
+        </p:txBody>
+      </p:sp>
+      <p:sp>
+        <p:nvSpPr>
+          <p:cNvPr id="6" name="Rectangle 5"/>
+          <p:cNvSpPr/>
+          <p:nvPr/>
+        </p:nvSpPr>
+        <p:spPr>
+          <a:xfrm>
+            <a:off x="1227551" y="4434216"/>
+            <a:ext cx="2580362" cy="826718"/>
+          </a:xfrm>
+          <a:prstGeom prst="rect">
+            <a:avLst/>
+          </a:prstGeom>
+        </p:spPr>
+        <p:style>
+          <a:lnRef idx="1">
+            <a:schemeClr val="accent1"/>
+          </a:lnRef>
+          <a:fillRef idx="3">
+            <a:schemeClr val="accent1"/>
+          </a:fillRef>
+          <a:effectRef idx="2">
+            <a:schemeClr val="accent1"/>
+          </a:effectRef>
+          <a:fontRef idx="minor">
+            <a:schemeClr val="lt1"/>
+          </a:fontRef>
+        </p:style>
+        <p:txBody>
+          <a:bodyPr rtlCol="0" anchor="ctr"/>
+          <a:lstStyle/>
+          <a:p>
+            <a:pPr algn="ctr"/>
+            <a:r>
+              <a:rPr lang="en-US" altLang="zh-CN" dirty="0" smtClean="0"/>
+              <a:t>DA:</a:t>
+            </a:r>
+            <a:r>
+              <a:rPr lang="zh-CN" altLang="en-US" dirty="0" smtClean="0"/>
+              <a:t> </a:t>
+            </a:r>
+            <a:r>
+              <a:rPr lang="en-US" altLang="zh-CN" dirty="0" err="1" smtClean="0"/>
+              <a:t>ackMessage</a:t>
+            </a:r>
+            <a:endParaRPr lang="en-US" dirty="0"/>
+          </a:p>
+        </p:txBody>
+      </p:sp>
+      <p:sp>
+        <p:nvSpPr>
+          <p:cNvPr id="7" name="Rectangle 6"/>
+          <p:cNvSpPr/>
+          <p:nvPr/>
+        </p:nvSpPr>
+        <p:spPr>
+          <a:xfrm>
+            <a:off x="5223353" y="2918565"/>
+            <a:ext cx="2517732" cy="926925"/>
+          </a:xfrm>
+          <a:prstGeom prst="rect">
+            <a:avLst/>
+          </a:prstGeom>
+        </p:spPr>
+        <p:style>
+          <a:lnRef idx="1">
+            <a:schemeClr val="accent1"/>
+          </a:lnRef>
+          <a:fillRef idx="3">
+            <a:schemeClr val="accent1"/>
+          </a:fillRef>
+          <a:effectRef idx="2">
+            <a:schemeClr val="accent1"/>
+          </a:effectRef>
+          <a:fontRef idx="minor">
+            <a:schemeClr val="lt1"/>
+          </a:fontRef>
+        </p:style>
+        <p:txBody>
+          <a:bodyPr rtlCol="0" anchor="ctr"/>
+          <a:lstStyle/>
+          <a:p>
+            <a:pPr algn="ctr"/>
+            <a:r>
+              <a:rPr lang="en-US" altLang="zh-CN" dirty="0" smtClean="0"/>
+              <a:t>Load</a:t>
+            </a:r>
+            <a:r>
+              <a:rPr lang="zh-CN" altLang="en-US" dirty="0" smtClean="0"/>
+              <a:t> </a:t>
+            </a:r>
+            <a:r>
+              <a:rPr lang="en-US" altLang="zh-CN" dirty="0" smtClean="0"/>
+              <a:t>user</a:t>
+            </a:r>
+            <a:r>
+              <a:rPr lang="zh-CN" altLang="en-US" dirty="0" smtClean="0"/>
+              <a:t> </a:t>
+            </a:r>
+            <a:r>
+              <a:rPr lang="en-US" altLang="zh-CN" dirty="0" smtClean="0"/>
+              <a:t>chat</a:t>
+            </a:r>
+            <a:r>
+              <a:rPr lang="zh-CN" altLang="en-US" dirty="0" smtClean="0"/>
+              <a:t> </a:t>
+            </a:r>
+            <a:r>
+              <a:rPr lang="en-US" altLang="zh-CN" dirty="0" smtClean="0"/>
+              <a:t>history</a:t>
+            </a:r>
+          </a:p>
+        </p:txBody>
+      </p:sp>
+      <p:sp>
+        <p:nvSpPr>
+          <p:cNvPr id="8" name="Rectangle 7"/>
+          <p:cNvSpPr/>
+          <p:nvPr/>
+        </p:nvSpPr>
+        <p:spPr>
+          <a:xfrm>
+            <a:off x="5223352" y="4434216"/>
+            <a:ext cx="2792887" cy="826718"/>
+          </a:xfrm>
+          <a:prstGeom prst="rect">
+            <a:avLst/>
+          </a:prstGeom>
+        </p:spPr>
+        <p:style>
+          <a:lnRef idx="1">
+            <a:schemeClr val="accent1"/>
+          </a:lnRef>
+          <a:fillRef idx="3">
+            <a:schemeClr val="accent1"/>
+          </a:fillRef>
+          <a:effectRef idx="2">
+            <a:schemeClr val="accent1"/>
+          </a:effectRef>
+          <a:fontRef idx="minor">
+            <a:schemeClr val="lt1"/>
+          </a:fontRef>
+        </p:style>
+        <p:txBody>
+          <a:bodyPr rtlCol="0" anchor="ctr"/>
+          <a:lstStyle/>
+          <a:p>
+            <a:pPr algn="ctr"/>
+            <a:r>
+              <a:rPr lang="en-US" altLang="zh-CN" dirty="0" smtClean="0"/>
+              <a:t>Change</a:t>
+            </a:r>
+            <a:r>
+              <a:rPr lang="zh-CN" altLang="en-US" dirty="0" smtClean="0"/>
+              <a:t> </a:t>
+            </a:r>
+            <a:r>
+              <a:rPr lang="en-US" altLang="zh-CN" dirty="0" smtClean="0"/>
+              <a:t>the</a:t>
+            </a:r>
+            <a:r>
+              <a:rPr lang="zh-CN" altLang="en-US" dirty="0" smtClean="0"/>
+              <a:t> </a:t>
+            </a:r>
+            <a:r>
+              <a:rPr lang="en-US" altLang="zh-CN" dirty="0" smtClean="0"/>
+              <a:t>message</a:t>
+            </a:r>
+            <a:r>
+              <a:rPr lang="zh-CN" altLang="en-US" dirty="0" smtClean="0"/>
+              <a:t> </a:t>
+            </a:r>
+            <a:r>
+              <a:rPr lang="en-US" altLang="zh-CN" dirty="0" smtClean="0"/>
+              <a:t>status</a:t>
+            </a:r>
+            <a:r>
+              <a:rPr lang="zh-CN" altLang="en-US" dirty="0" smtClean="0"/>
+              <a:t> </a:t>
+            </a:r>
+            <a:r>
+              <a:rPr lang="en-US" altLang="zh-CN" dirty="0" smtClean="0"/>
+              <a:t>-&gt;</a:t>
+            </a:r>
+            <a:r>
+              <a:rPr lang="zh-CN" altLang="en-US" dirty="0" smtClean="0"/>
+              <a:t> </a:t>
+            </a:r>
+            <a:r>
+              <a:rPr lang="en-US" altLang="zh-CN" dirty="0" err="1" smtClean="0"/>
+              <a:t>isReceived</a:t>
+            </a:r>
+            <a:endParaRPr lang="en-US" dirty="0"/>
+          </a:p>
+        </p:txBody>
+      </p:sp>
+      <p:sp>
+        <p:nvSpPr>
+          <p:cNvPr id="9" name="Down Arrow 8"/>
+          <p:cNvSpPr/>
+          <p:nvPr/>
+        </p:nvSpPr>
+        <p:spPr>
+          <a:xfrm>
+            <a:off x="2267210" y="3845491"/>
+            <a:ext cx="388307" cy="588725"/>
+          </a:xfrm>
+          <a:prstGeom prst="downArrow">
+            <a:avLst/>
+          </a:prstGeom>
+        </p:spPr>
+        <p:style>
+          <a:lnRef idx="1">
+            <a:schemeClr val="accent1"/>
+          </a:lnRef>
+          <a:fillRef idx="3">
+            <a:schemeClr val="accent1"/>
+          </a:fillRef>
+          <a:effectRef idx="2">
+            <a:schemeClr val="accent1"/>
+          </a:effectRef>
+          <a:fontRef idx="minor">
+            <a:schemeClr val="lt1"/>
+          </a:fontRef>
+        </p:style>
+        <p:txBody>
+          <a:bodyPr rtlCol="0" anchor="ctr"/>
+          <a:lstStyle/>
+          <a:p>
+            <a:pPr algn="ctr"/>
+            <a:endParaRPr lang="en-US"/>
+          </a:p>
+        </p:txBody>
+      </p:sp>
+      <p:sp>
+        <p:nvSpPr>
+          <p:cNvPr id="11" name="Right Arrow 10"/>
+          <p:cNvSpPr/>
+          <p:nvPr/>
+        </p:nvSpPr>
+        <p:spPr>
+          <a:xfrm>
+            <a:off x="3795387" y="4672210"/>
+            <a:ext cx="1415440" cy="350729"/>
+          </a:xfrm>
+          <a:prstGeom prst="rightArrow">
+            <a:avLst/>
+          </a:prstGeom>
+        </p:spPr>
+        <p:style>
+          <a:lnRef idx="1">
+            <a:schemeClr val="accent1"/>
+          </a:lnRef>
+          <a:fillRef idx="3">
+            <a:schemeClr val="accent1"/>
+          </a:fillRef>
+          <a:effectRef idx="2">
+            <a:schemeClr val="accent1"/>
+          </a:effectRef>
+          <a:fontRef idx="minor">
+            <a:schemeClr val="lt1"/>
+          </a:fontRef>
+        </p:style>
+        <p:txBody>
+          <a:bodyPr rtlCol="0" anchor="ctr"/>
+          <a:lstStyle/>
+          <a:p>
+            <a:pPr algn="ctr"/>
+            <a:endParaRPr lang="en-US" dirty="0"/>
+          </a:p>
+        </p:txBody>
+      </p:sp>
+      <p:sp>
+        <p:nvSpPr>
+          <p:cNvPr id="12" name="Rectangle 11"/>
+          <p:cNvSpPr/>
+          <p:nvPr/>
+        </p:nvSpPr>
+        <p:spPr>
+          <a:xfrm>
+            <a:off x="5235879" y="1445460"/>
+            <a:ext cx="2517732" cy="926925"/>
+          </a:xfrm>
+          <a:prstGeom prst="rect">
+            <a:avLst/>
+          </a:prstGeom>
+        </p:spPr>
+        <p:style>
+          <a:lnRef idx="1">
+            <a:schemeClr val="accent1"/>
+          </a:lnRef>
+          <a:fillRef idx="3">
+            <a:schemeClr val="accent1"/>
+          </a:fillRef>
+          <a:effectRef idx="2">
+            <a:schemeClr val="accent1"/>
+          </a:effectRef>
+          <a:fontRef idx="minor">
+            <a:schemeClr val="lt1"/>
+          </a:fontRef>
+        </p:style>
+        <p:txBody>
+          <a:bodyPr rtlCol="0" anchor="ctr"/>
+          <a:lstStyle/>
+          <a:p>
+            <a:pPr algn="ctr"/>
+            <a:r>
+              <a:rPr lang="en-US" altLang="zh-CN" dirty="0" smtClean="0"/>
+              <a:t>DA:</a:t>
+            </a:r>
+            <a:r>
+              <a:rPr lang="zh-CN" altLang="en-US" dirty="0" smtClean="0"/>
+              <a:t> </a:t>
+            </a:r>
+            <a:r>
+              <a:rPr lang="en-US" altLang="zh-CN" dirty="0" smtClean="0"/>
+              <a:t>query</a:t>
+            </a:r>
+            <a:endParaRPr lang="en-US" dirty="0"/>
+          </a:p>
+        </p:txBody>
+      </p:sp>
+      <p:sp>
+        <p:nvSpPr>
+          <p:cNvPr id="13" name="Right Arrow 12"/>
+          <p:cNvSpPr/>
+          <p:nvPr/>
+        </p:nvSpPr>
+        <p:spPr>
+          <a:xfrm>
+            <a:off x="3807913" y="1733557"/>
+            <a:ext cx="1415440" cy="350729"/>
+          </a:xfrm>
+          <a:prstGeom prst="rightArrow">
+            <a:avLst/>
+          </a:prstGeom>
+        </p:spPr>
+        <p:style>
+          <a:lnRef idx="1">
+            <a:schemeClr val="accent1"/>
+          </a:lnRef>
+          <a:fillRef idx="3">
+            <a:schemeClr val="accent1"/>
+          </a:fillRef>
+          <a:effectRef idx="2">
+            <a:schemeClr val="accent1"/>
+          </a:effectRef>
+          <a:fontRef idx="minor">
+            <a:schemeClr val="lt1"/>
+          </a:fontRef>
+        </p:style>
+        <p:txBody>
+          <a:bodyPr rtlCol="0" anchor="ctr"/>
+          <a:lstStyle/>
+          <a:p>
+            <a:pPr algn="ctr"/>
+            <a:endParaRPr lang="en-US"/>
+          </a:p>
+        </p:txBody>
+      </p:sp>
+      <p:sp>
+        <p:nvSpPr>
+          <p:cNvPr id="14" name="Down Arrow 13"/>
+          <p:cNvSpPr/>
+          <p:nvPr/>
+        </p:nvSpPr>
+        <p:spPr>
+          <a:xfrm>
+            <a:off x="6288065" y="2372386"/>
+            <a:ext cx="388307" cy="588725"/>
+          </a:xfrm>
+          <a:prstGeom prst="downArrow">
+            <a:avLst/>
+          </a:prstGeom>
+        </p:spPr>
+        <p:style>
+          <a:lnRef idx="1">
+            <a:schemeClr val="accent1"/>
+          </a:lnRef>
+          <a:fillRef idx="3">
+            <a:schemeClr val="accent1"/>
+          </a:fillRef>
+          <a:effectRef idx="2">
+            <a:schemeClr val="accent1"/>
+          </a:effectRef>
+          <a:fontRef idx="minor">
+            <a:schemeClr val="lt1"/>
+          </a:fontRef>
+        </p:style>
+        <p:txBody>
+          <a:bodyPr rtlCol="0" anchor="ctr"/>
+          <a:lstStyle/>
+          <a:p>
+            <a:pPr algn="ctr"/>
+            <a:endParaRPr lang="en-US"/>
+          </a:p>
+        </p:txBody>
+      </p:sp>
+      <p:sp>
+        <p:nvSpPr>
+          <p:cNvPr id="15" name="Left Arrow 14"/>
+          <p:cNvSpPr/>
+          <p:nvPr/>
+        </p:nvSpPr>
+        <p:spPr>
+          <a:xfrm>
+            <a:off x="3795387" y="3218690"/>
+            <a:ext cx="1402914" cy="319116"/>
+          </a:xfrm>
+          <a:prstGeom prst="leftArrow">
+            <a:avLst/>
+          </a:prstGeom>
+        </p:spPr>
+        <p:style>
+          <a:lnRef idx="1">
+            <a:schemeClr val="accent1"/>
+          </a:lnRef>
+          <a:fillRef idx="3">
+            <a:schemeClr val="accent1"/>
+          </a:fillRef>
+          <a:effectRef idx="2">
+            <a:schemeClr val="accent1"/>
+          </a:effectRef>
+          <a:fontRef idx="minor">
+            <a:schemeClr val="lt1"/>
+          </a:fontRef>
+        </p:style>
+        <p:txBody>
+          <a:bodyPr rtlCol="0" anchor="ctr"/>
+          <a:lstStyle/>
+          <a:p>
+            <a:pPr algn="ctr"/>
+            <a:endParaRPr lang="en-US"/>
+          </a:p>
+        </p:txBody>
+      </p:sp>
+      <p:sp>
+        <p:nvSpPr>
+          <p:cNvPr id="16" name="Rectangle 15"/>
+          <p:cNvSpPr/>
+          <p:nvPr/>
+        </p:nvSpPr>
+        <p:spPr>
+          <a:xfrm>
+            <a:off x="5198301" y="5747664"/>
+            <a:ext cx="2792906" cy="895511"/>
+          </a:xfrm>
+          <a:prstGeom prst="rect">
+            <a:avLst/>
+          </a:prstGeom>
+        </p:spPr>
+        <p:style>
+          <a:lnRef idx="1">
+            <a:schemeClr val="accent1"/>
+          </a:lnRef>
+          <a:fillRef idx="3">
+            <a:schemeClr val="accent1"/>
+          </a:fillRef>
+          <a:effectRef idx="2">
+            <a:schemeClr val="accent1"/>
+          </a:effectRef>
+          <a:fontRef idx="minor">
+            <a:schemeClr val="lt1"/>
+          </a:fontRef>
+        </p:style>
+        <p:txBody>
+          <a:bodyPr rtlCol="0" anchor="ctr"/>
+          <a:lstStyle/>
+          <a:p>
+            <a:pPr algn="ctr"/>
+            <a:r>
+              <a:rPr lang="en-US" altLang="zh-CN" dirty="0" smtClean="0"/>
+              <a:t>Notify</a:t>
+            </a:r>
+            <a:r>
+              <a:rPr lang="zh-CN" altLang="en-US" dirty="0" smtClean="0"/>
+              <a:t> </a:t>
+            </a:r>
+            <a:r>
+              <a:rPr lang="en-US" altLang="zh-CN" dirty="0" smtClean="0"/>
+              <a:t>sender</a:t>
+            </a:r>
+            <a:endParaRPr lang="en-US" altLang="zh-CN" dirty="0" smtClean="0"/>
+          </a:p>
+        </p:txBody>
+      </p:sp>
+      <p:sp>
+        <p:nvSpPr>
+          <p:cNvPr id="17" name="Down Arrow 16"/>
+          <p:cNvSpPr/>
+          <p:nvPr/>
+        </p:nvSpPr>
+        <p:spPr>
+          <a:xfrm>
+            <a:off x="6400600" y="5260934"/>
+            <a:ext cx="396440" cy="486730"/>
+          </a:xfrm>
+          <a:prstGeom prst="downArrow">
+            <a:avLst/>
+          </a:prstGeom>
+        </p:spPr>
+        <p:style>
+          <a:lnRef idx="1">
+            <a:schemeClr val="accent1"/>
+          </a:lnRef>
+          <a:fillRef idx="3">
+            <a:schemeClr val="accent1"/>
+          </a:fillRef>
+          <a:effectRef idx="2">
+            <a:schemeClr val="accent1"/>
+          </a:effectRef>
+          <a:fontRef idx="minor">
+            <a:schemeClr val="lt1"/>
+          </a:fontRef>
+        </p:style>
+        <p:txBody>
+          <a:bodyPr rtlCol="0" anchor="ctr"/>
+          <a:lstStyle/>
+          <a:p>
+            <a:pPr algn="ctr"/>
+            <a:endParaRPr lang="en-US"/>
+          </a:p>
+        </p:txBody>
+      </p:sp>
+      <p:sp>
+        <p:nvSpPr>
+          <p:cNvPr id="18" name="Rectangle 17"/>
+          <p:cNvSpPr/>
+          <p:nvPr/>
+        </p:nvSpPr>
+        <p:spPr>
+          <a:xfrm>
+            <a:off x="1227551" y="5693880"/>
+            <a:ext cx="2580362" cy="926926"/>
+          </a:xfrm>
+          <a:prstGeom prst="rect">
+            <a:avLst/>
+          </a:prstGeom>
+        </p:spPr>
+        <p:style>
+          <a:lnRef idx="1">
+            <a:schemeClr val="accent1"/>
+          </a:lnRef>
+          <a:fillRef idx="3">
+            <a:schemeClr val="accent1"/>
+          </a:fillRef>
+          <a:effectRef idx="2">
+            <a:schemeClr val="accent1"/>
+          </a:effectRef>
+          <a:fontRef idx="minor">
+            <a:schemeClr val="lt1"/>
+          </a:fontRef>
+        </p:style>
+        <p:txBody>
+          <a:bodyPr rtlCol="0" anchor="ctr"/>
+          <a:lstStyle/>
+          <a:p>
+            <a:pPr algn="ctr"/>
+            <a:r>
+              <a:rPr lang="en-US" altLang="zh-CN" dirty="0" smtClean="0"/>
+              <a:t>Load</a:t>
+            </a:r>
+            <a:r>
+              <a:rPr lang="zh-CN" altLang="en-US" dirty="0" smtClean="0"/>
+              <a:t> </a:t>
+            </a:r>
+            <a:r>
+              <a:rPr lang="en-US" altLang="zh-CN" dirty="0" smtClean="0"/>
+              <a:t>Message</a:t>
+            </a:r>
+            <a:endParaRPr lang="en-US" dirty="0"/>
+          </a:p>
+        </p:txBody>
+      </p:sp>
+      <p:sp>
+        <p:nvSpPr>
+          <p:cNvPr id="19" name="Left Arrow 18"/>
+          <p:cNvSpPr/>
+          <p:nvPr/>
+        </p:nvSpPr>
+        <p:spPr>
+          <a:xfrm>
+            <a:off x="3795387" y="5994005"/>
+            <a:ext cx="1402914" cy="319116"/>
+          </a:xfrm>
+          <a:prstGeom prst="leftArrow">
+            <a:avLst/>
+          </a:prstGeom>
+        </p:spPr>
+        <p:style>
+          <a:lnRef idx="1">
+            <a:schemeClr val="accent1"/>
+          </a:lnRef>
+          <a:fillRef idx="3">
+            <a:schemeClr val="accent1"/>
+          </a:fillRef>
+          <a:effectRef idx="2">
+            <a:schemeClr val="accent1"/>
+          </a:effectRef>
+          <a:fontRef idx="minor">
+            <a:schemeClr val="lt1"/>
+          </a:fontRef>
+        </p:style>
+        <p:txBody>
+          <a:bodyPr rtlCol="0" anchor="ctr"/>
+          <a:lstStyle/>
+          <a:p>
+            <a:pPr algn="ctr"/>
+            <a:endParaRPr lang="en-US"/>
+          </a:p>
+        </p:txBody>
+      </p:sp>
+      <p:cxnSp>
+        <p:nvCxnSpPr>
+          <p:cNvPr id="24" name="Curved Connector 23"/>
+          <p:cNvCxnSpPr>
+            <a:endCxn id="5" idx="1"/>
+          </p:cNvCxnSpPr>
+          <p:nvPr/>
+        </p:nvCxnSpPr>
+        <p:spPr>
+          <a:xfrm rot="16200000" flipV="1">
+            <a:off x="-169523" y="4779102"/>
+            <a:ext cx="2794150" cy="2"/>
+          </a:xfrm>
+          <a:prstGeom prst="curvedConnector4">
+            <a:avLst>
+              <a:gd name="adj1" fmla="val -836"/>
+              <a:gd name="adj2" fmla="val 11430100000"/>
+            </a:avLst>
+          </a:prstGeom>
+          <a:ln>
+            <a:tailEnd type="triangle"/>
+          </a:ln>
+        </p:spPr>
+        <p:style>
+          <a:lnRef idx="2">
+            <a:schemeClr val="accent1"/>
+          </a:lnRef>
+          <a:fillRef idx="0">
+            <a:schemeClr val="accent1"/>
+          </a:fillRef>
+          <a:effectRef idx="1">
+            <a:schemeClr val="accent1"/>
+          </a:effectRef>
+          <a:fontRef idx="minor">
+            <a:schemeClr val="tx1"/>
+          </a:fontRef>
+        </p:style>
+      </p:cxnSp>
     </p:spTree>
     <p:extLst>
       <p:ext uri="{BB962C8B-B14F-4D97-AF65-F5344CB8AC3E}">
-        <p14:creationId xmlns:p14="http://schemas.microsoft.com/office/powerpoint/2010/main" val="882879950"/>
+        <p14:creationId xmlns:p14="http://schemas.microsoft.com/office/powerpoint/2010/main" val="1897519238"/>
       </p:ext>
     </p:extLst>
   </p:cSld>
   <p:clrMapOvr>
     <a:masterClrMapping/>
   </p:clrMapOvr>
+  <p:timing>
+    <p:tnLst>
+      <p:par>
+        <p:cTn id="1" dur="indefinite" restart="never" nodeType="tmRoot">
+          <p:childTnLst>
+            <p:seq concurrent="1" nextAc="seek">
+              <p:cTn id="2" dur="indefinite" nodeType="mainSeq">
+                <p:childTnLst>
+                  <p:par>
+                    <p:cTn id="3" fill="hold">
+                      <p:stCondLst>
+                        <p:cond delay="indefinite"/>
+                      </p:stCondLst>
+                      <p:childTnLst>
+                        <p:par>
+                          <p:cTn id="4" fill="hold">
+                            <p:stCondLst>
+                              <p:cond delay="0"/>
+                            </p:stCondLst>
+                            <p:childTnLst>
+                              <p:par>
+                                <p:cTn id="5" presetID="1" presetClass="entr" presetSubtype="0" fill="hold" grpId="0" nodeType="clickEffect">
+                                  <p:stCondLst>
+                                    <p:cond delay="0"/>
+                                  </p:stCondLst>
+                                  <p:childTnLst>
+                                    <p:set>
+                                      <p:cBhvr>
+                                        <p:cTn id="6" dur="1" fill="hold">
+                                          <p:stCondLst>
+                                            <p:cond delay="0"/>
+                                          </p:stCondLst>
+                                        </p:cTn>
+                                        <p:tgtEl>
+                                          <p:spTgt spid="8"/>
+                                        </p:tgtEl>
+                                        <p:attrNameLst>
+                                          <p:attrName>style.visibility</p:attrName>
+                                        </p:attrNameLst>
+                                      </p:cBhvr>
+                                      <p:to>
+                                        <p:strVal val="visible"/>
+                                      </p:to>
+                                    </p:set>
+                                  </p:childTnLst>
+                                </p:cTn>
+                              </p:par>
+                              <p:par>
+                                <p:cTn id="7" presetID="1" presetClass="entr" presetSubtype="0" fill="hold" grpId="0" nodeType="withEffect">
+                                  <p:stCondLst>
+                                    <p:cond delay="0"/>
+                                  </p:stCondLst>
+                                  <p:childTnLst>
+                                    <p:set>
+                                      <p:cBhvr>
+                                        <p:cTn id="8" dur="1" fill="hold">
+                                          <p:stCondLst>
+                                            <p:cond delay="0"/>
+                                          </p:stCondLst>
+                                        </p:cTn>
+                                        <p:tgtEl>
+                                          <p:spTgt spid="11"/>
+                                        </p:tgtEl>
+                                        <p:attrNameLst>
+                                          <p:attrName>style.visibility</p:attrName>
+                                        </p:attrNameLst>
+                                      </p:cBhvr>
+                                      <p:to>
+                                        <p:strVal val="visible"/>
+                                      </p:to>
+                                    </p:set>
+                                  </p:childTnLst>
+                                </p:cTn>
+                              </p:par>
+                            </p:childTnLst>
+                          </p:cTn>
+                        </p:par>
+                      </p:childTnLst>
+                    </p:cTn>
+                  </p:par>
+                  <p:par>
+                    <p:cTn id="9" fill="hold">
+                      <p:stCondLst>
+                        <p:cond delay="indefinite"/>
+                      </p:stCondLst>
+                      <p:childTnLst>
+                        <p:par>
+                          <p:cTn id="10" fill="hold">
+                            <p:stCondLst>
+                              <p:cond delay="0"/>
+                            </p:stCondLst>
+                            <p:childTnLst>
+                              <p:par>
+                                <p:cTn id="11" presetID="1" presetClass="entr" presetSubtype="0" fill="hold" grpId="0" nodeType="clickEffect">
+                                  <p:stCondLst>
+                                    <p:cond delay="0"/>
+                                  </p:stCondLst>
+                                  <p:childTnLst>
+                                    <p:set>
+                                      <p:cBhvr>
+                                        <p:cTn id="12" dur="1" fill="hold">
+                                          <p:stCondLst>
+                                            <p:cond delay="0"/>
+                                          </p:stCondLst>
+                                        </p:cTn>
+                                        <p:tgtEl>
+                                          <p:spTgt spid="7"/>
+                                        </p:tgtEl>
+                                        <p:attrNameLst>
+                                          <p:attrName>style.visibility</p:attrName>
+                                        </p:attrNameLst>
+                                      </p:cBhvr>
+                                      <p:to>
+                                        <p:strVal val="visible"/>
+                                      </p:to>
+                                    </p:set>
+                                  </p:childTnLst>
+                                </p:cTn>
+                              </p:par>
+                            </p:childTnLst>
+                          </p:cTn>
+                        </p:par>
+                      </p:childTnLst>
+                    </p:cTn>
+                  </p:par>
+                  <p:par>
+                    <p:cTn id="13" fill="hold">
+                      <p:stCondLst>
+                        <p:cond delay="indefinite"/>
+                      </p:stCondLst>
+                      <p:childTnLst>
+                        <p:par>
+                          <p:cTn id="14" fill="hold">
+                            <p:stCondLst>
+                              <p:cond delay="0"/>
+                            </p:stCondLst>
+                            <p:childTnLst>
+                              <p:par>
+                                <p:cTn id="15" presetID="1" presetClass="entr" presetSubtype="0" fill="hold" grpId="0" nodeType="clickEffect">
+                                  <p:stCondLst>
+                                    <p:cond delay="0"/>
+                                  </p:stCondLst>
+                                  <p:childTnLst>
+                                    <p:set>
+                                      <p:cBhvr>
+                                        <p:cTn id="16" dur="1" fill="hold">
+                                          <p:stCondLst>
+                                            <p:cond delay="0"/>
+                                          </p:stCondLst>
+                                        </p:cTn>
+                                        <p:tgtEl>
+                                          <p:spTgt spid="12"/>
+                                        </p:tgtEl>
+                                        <p:attrNameLst>
+                                          <p:attrName>style.visibility</p:attrName>
+                                        </p:attrNameLst>
+                                      </p:cBhvr>
+                                      <p:to>
+                                        <p:strVal val="visible"/>
+                                      </p:to>
+                                    </p:set>
+                                  </p:childTnLst>
+                                </p:cTn>
+                              </p:par>
+                              <p:par>
+                                <p:cTn id="17" presetID="1" presetClass="entr" presetSubtype="0" fill="hold" grpId="0" nodeType="withEffect">
+                                  <p:stCondLst>
+                                    <p:cond delay="0"/>
+                                  </p:stCondLst>
+                                  <p:childTnLst>
+                                    <p:set>
+                                      <p:cBhvr>
+                                        <p:cTn id="18" dur="1" fill="hold">
+                                          <p:stCondLst>
+                                            <p:cond delay="0"/>
+                                          </p:stCondLst>
+                                        </p:cTn>
+                                        <p:tgtEl>
+                                          <p:spTgt spid="13"/>
+                                        </p:tgtEl>
+                                        <p:attrNameLst>
+                                          <p:attrName>style.visibility</p:attrName>
+                                        </p:attrNameLst>
+                                      </p:cBhvr>
+                                      <p:to>
+                                        <p:strVal val="visible"/>
+                                      </p:to>
+                                    </p:set>
+                                  </p:childTnLst>
+                                </p:cTn>
+                              </p:par>
+                            </p:childTnLst>
+                          </p:cTn>
+                        </p:par>
+                      </p:childTnLst>
+                    </p:cTn>
+                  </p:par>
+                </p:childTnLst>
+              </p:cTn>
+              <p:prevCondLst>
+                <p:cond evt="onPrev" delay="0">
+                  <p:tgtEl>
+                    <p:sldTgt/>
+                  </p:tgtEl>
+                </p:cond>
+              </p:prevCondLst>
+              <p:nextCondLst>
+                <p:cond evt="onNext" delay="0">
+                  <p:tgtEl>
+                    <p:sldTgt/>
+                  </p:tgtEl>
+                </p:cond>
+              </p:nextCondLst>
+            </p:seq>
+          </p:childTnLst>
+        </p:cTn>
+      </p:par>
+    </p:tnLst>
+    <p:bldLst>
+      <p:bldP spid="7" grpId="0" animBg="1"/>
+      <p:bldP spid="8" grpId="0" animBg="1"/>
+      <p:bldP spid="11" grpId="0" animBg="1"/>
+      <p:bldP spid="12" grpId="0" animBg="1"/>
+      <p:bldP spid="13" grpId="0" animBg="1"/>
+    </p:bldLst>
+  </p:timing>
 </p:sld>
 </file>
 

--- a/src/main/resources/final_CA_slides.pptx
+++ b/src/main/resources/final_CA_slides.pptx
@@ -4535,6 +4535,13 @@
   <p:clrMapOvr>
     <a:masterClrMapping/>
   </p:clrMapOvr>
+  <p:timing>
+    <p:tnLst>
+      <p:par>
+        <p:cTn id="1" dur="indefinite" restart="never" nodeType="tmRoot"/>
+      </p:par>
+    </p:tnLst>
+  </p:timing>
 </p:sld>
 </file>
 
@@ -4835,6 +4842,13 @@
   <p:clrMapOvr>
     <a:masterClrMapping/>
   </p:clrMapOvr>
+  <p:timing>
+    <p:tnLst>
+      <p:par>
+        <p:cTn id="1" dur="indefinite" restart="never" nodeType="tmRoot"/>
+      </p:par>
+    </p:tnLst>
+  </p:timing>
 </p:sld>
 </file>
 
@@ -4893,6 +4907,13 @@
   <p:clrMapOvr>
     <a:masterClrMapping/>
   </p:clrMapOvr>
+  <p:timing>
+    <p:tnLst>
+      <p:par>
+        <p:cTn id="1" dur="indefinite" restart="never" nodeType="tmRoot"/>
+      </p:par>
+    </p:tnLst>
+  </p:timing>
 </p:sld>
 </file>
 
@@ -4984,6 +5005,13 @@
   <p:clrMapOvr>
     <a:masterClrMapping/>
   </p:clrMapOvr>
+  <p:timing>
+    <p:tnLst>
+      <p:par>
+        <p:cTn id="1" dur="indefinite" restart="never" nodeType="tmRoot"/>
+      </p:par>
+    </p:tnLst>
+  </p:timing>
 </p:sld>
 </file>
 
@@ -5075,6 +5103,13 @@
   <p:clrMapOvr>
     <a:masterClrMapping/>
   </p:clrMapOvr>
+  <p:timing>
+    <p:tnLst>
+      <p:par>
+        <p:cTn id="1" dur="indefinite" restart="never" nodeType="tmRoot"/>
+      </p:par>
+    </p:tnLst>
+  </p:timing>
 </p:sld>
 </file>
 
@@ -5249,11 +5284,7 @@
             </a:r>
             <a:r>
               <a:rPr lang="en-US" altLang="zh-CN" dirty="0" smtClean="0"/>
-              <a:t>-</a:t>
-            </a:r>
-            <a:r>
-              <a:rPr lang="en-US" altLang="zh-CN" dirty="0" smtClean="0"/>
-              <a:t>&gt;</a:t>
+              <a:t>-&gt;</a:t>
             </a:r>
             <a:r>
               <a:rPr lang="zh-CN" altLang="en-US" dirty="0" smtClean="0"/>
@@ -5918,182 +5949,9 @@
   <p:timing>
     <p:tnLst>
       <p:par>
-        <p:cTn id="1" dur="indefinite" restart="never" nodeType="tmRoot">
-          <p:childTnLst>
-            <p:seq concurrent="1" nextAc="seek">
-              <p:cTn id="2" dur="indefinite" nodeType="mainSeq">
-                <p:childTnLst>
-                  <p:par>
-                    <p:cTn id="3" fill="hold">
-                      <p:stCondLst>
-                        <p:cond delay="indefinite"/>
-                      </p:stCondLst>
-                      <p:childTnLst>
-                        <p:par>
-                          <p:cTn id="4" fill="hold">
-                            <p:stCondLst>
-                              <p:cond delay="0"/>
-                            </p:stCondLst>
-                            <p:childTnLst>
-                              <p:par>
-                                <p:cTn id="5" presetID="1" presetClass="entr" presetSubtype="0" fill="hold" grpId="0" nodeType="clickEffect">
-                                  <p:stCondLst>
-                                    <p:cond delay="0"/>
-                                  </p:stCondLst>
-                                  <p:childTnLst>
-                                    <p:set>
-                                      <p:cBhvr>
-                                        <p:cTn id="6" dur="1" fill="hold">
-                                          <p:stCondLst>
-                                            <p:cond delay="0"/>
-                                          </p:stCondLst>
-                                        </p:cTn>
-                                        <p:tgtEl>
-                                          <p:spTgt spid="12"/>
-                                        </p:tgtEl>
-                                        <p:attrNameLst>
-                                          <p:attrName>style.visibility</p:attrName>
-                                        </p:attrNameLst>
-                                      </p:cBhvr>
-                                      <p:to>
-                                        <p:strVal val="visible"/>
-                                      </p:to>
-                                    </p:set>
-                                  </p:childTnLst>
-                                </p:cTn>
-                              </p:par>
-                              <p:par>
-                                <p:cTn id="7" presetID="1" presetClass="entr" presetSubtype="0" fill="hold" grpId="0" nodeType="withEffect">
-                                  <p:stCondLst>
-                                    <p:cond delay="0"/>
-                                  </p:stCondLst>
-                                  <p:childTnLst>
-                                    <p:set>
-                                      <p:cBhvr>
-                                        <p:cTn id="8" dur="1" fill="hold">
-                                          <p:stCondLst>
-                                            <p:cond delay="0"/>
-                                          </p:stCondLst>
-                                        </p:cTn>
-                                        <p:tgtEl>
-                                          <p:spTgt spid="19"/>
-                                        </p:tgtEl>
-                                        <p:attrNameLst>
-                                          <p:attrName>style.visibility</p:attrName>
-                                        </p:attrNameLst>
-                                      </p:cBhvr>
-                                      <p:to>
-                                        <p:strVal val="visible"/>
-                                      </p:to>
-                                    </p:set>
-                                  </p:childTnLst>
-                                </p:cTn>
-                              </p:par>
-                            </p:childTnLst>
-                          </p:cTn>
-                        </p:par>
-                      </p:childTnLst>
-                    </p:cTn>
-                  </p:par>
-                  <p:par>
-                    <p:cTn id="9" fill="hold">
-                      <p:stCondLst>
-                        <p:cond delay="indefinite"/>
-                      </p:stCondLst>
-                      <p:childTnLst>
-                        <p:par>
-                          <p:cTn id="10" fill="hold">
-                            <p:stCondLst>
-                              <p:cond delay="0"/>
-                            </p:stCondLst>
-                            <p:childTnLst>
-                              <p:par>
-                                <p:cTn id="11" presetID="1" presetClass="entr" presetSubtype="0" fill="hold" grpId="0" nodeType="clickEffect">
-                                  <p:stCondLst>
-                                    <p:cond delay="0"/>
-                                  </p:stCondLst>
-                                  <p:childTnLst>
-                                    <p:set>
-                                      <p:cBhvr>
-                                        <p:cTn id="12" dur="1" fill="hold">
-                                          <p:stCondLst>
-                                            <p:cond delay="0"/>
-                                          </p:stCondLst>
-                                        </p:cTn>
-                                        <p:tgtEl>
-                                          <p:spTgt spid="11"/>
-                                        </p:tgtEl>
-                                        <p:attrNameLst>
-                                          <p:attrName>style.visibility</p:attrName>
-                                        </p:attrNameLst>
-                                      </p:cBhvr>
-                                      <p:to>
-                                        <p:strVal val="visible"/>
-                                      </p:to>
-                                    </p:set>
-                                  </p:childTnLst>
-                                </p:cTn>
-                              </p:par>
-                              <p:par>
-                                <p:cTn id="13" presetID="1" presetClass="entr" presetSubtype="0" fill="hold" grpId="0" nodeType="withEffect">
-                                  <p:stCondLst>
-                                    <p:cond delay="0"/>
-                                  </p:stCondLst>
-                                  <p:childTnLst>
-                                    <p:set>
-                                      <p:cBhvr>
-                                        <p:cTn id="14" dur="1" fill="hold">
-                                          <p:stCondLst>
-                                            <p:cond delay="0"/>
-                                          </p:stCondLst>
-                                        </p:cTn>
-                                        <p:tgtEl>
-                                          <p:spTgt spid="23"/>
-                                        </p:tgtEl>
-                                        <p:attrNameLst>
-                                          <p:attrName>style.visibility</p:attrName>
-                                        </p:attrNameLst>
-                                      </p:cBhvr>
-                                      <p:to>
-                                        <p:strVal val="visible"/>
-                                      </p:to>
-                                    </p:set>
-                                  </p:childTnLst>
-                                </p:cTn>
-                              </p:par>
-                            </p:childTnLst>
-                          </p:cTn>
-                        </p:par>
-                      </p:childTnLst>
-                    </p:cTn>
-                  </p:par>
-                </p:childTnLst>
-              </p:cTn>
-              <p:prevCondLst>
-                <p:cond evt="onPrev" delay="0">
-                  <p:tgtEl>
-                    <p:sldTgt/>
-                  </p:tgtEl>
-                </p:cond>
-              </p:prevCondLst>
-              <p:nextCondLst>
-                <p:cond evt="onNext" delay="0">
-                  <p:tgtEl>
-                    <p:sldTgt/>
-                  </p:tgtEl>
-                </p:cond>
-              </p:nextCondLst>
-            </p:seq>
-          </p:childTnLst>
-        </p:cTn>
+        <p:cTn id="1" dur="indefinite" restart="never" nodeType="tmRoot"/>
       </p:par>
     </p:tnLst>
-    <p:bldLst>
-      <p:bldP spid="11" grpId="0" animBg="1"/>
-      <p:bldP spid="12" grpId="0" animBg="1"/>
-      <p:bldP spid="19" grpId="0" animBg="1"/>
-      <p:bldP spid="23" grpId="0" animBg="1"/>
-    </p:bldLst>
   </p:timing>
 </p:sld>
 </file>
@@ -6382,7 +6240,6 @@
               <a:rPr lang="en-US" altLang="zh-CN" dirty="0" smtClean="0"/>
               <a:t>room</a:t>
             </a:r>
-            <a:endParaRPr lang="en-US" altLang="zh-CN" dirty="0" smtClean="0"/>
           </a:p>
         </p:txBody>
       </p:sp>
@@ -6887,228 +6744,9 @@
   <p:timing>
     <p:tnLst>
       <p:par>
-        <p:cTn id="1" dur="indefinite" restart="never" nodeType="tmRoot">
-          <p:childTnLst>
-            <p:seq concurrent="1" nextAc="seek">
-              <p:cTn id="2" dur="indefinite" nodeType="mainSeq">
-                <p:childTnLst>
-                  <p:par>
-                    <p:cTn id="3" fill="hold">
-                      <p:stCondLst>
-                        <p:cond delay="indefinite"/>
-                      </p:stCondLst>
-                      <p:childTnLst>
-                        <p:par>
-                          <p:cTn id="4" fill="hold">
-                            <p:stCondLst>
-                              <p:cond delay="0"/>
-                            </p:stCondLst>
-                            <p:childTnLst>
-                              <p:par>
-                                <p:cTn id="5" presetID="1" presetClass="entr" presetSubtype="0" fill="hold" grpId="0" nodeType="clickEffect">
-                                  <p:stCondLst>
-                                    <p:cond delay="0"/>
-                                  </p:stCondLst>
-                                  <p:childTnLst>
-                                    <p:set>
-                                      <p:cBhvr>
-                                        <p:cTn id="6" dur="1" fill="hold">
-                                          <p:stCondLst>
-                                            <p:cond delay="0"/>
-                                          </p:stCondLst>
-                                        </p:cTn>
-                                        <p:tgtEl>
-                                          <p:spTgt spid="9"/>
-                                        </p:tgtEl>
-                                        <p:attrNameLst>
-                                          <p:attrName>style.visibility</p:attrName>
-                                        </p:attrNameLst>
-                                      </p:cBhvr>
-                                      <p:to>
-                                        <p:strVal val="visible"/>
-                                      </p:to>
-                                    </p:set>
-                                  </p:childTnLst>
-                                </p:cTn>
-                              </p:par>
-                              <p:par>
-                                <p:cTn id="7" presetID="1" presetClass="entr" presetSubtype="0" fill="hold" grpId="0" nodeType="withEffect">
-                                  <p:stCondLst>
-                                    <p:cond delay="0"/>
-                                  </p:stCondLst>
-                                  <p:childTnLst>
-                                    <p:set>
-                                      <p:cBhvr>
-                                        <p:cTn id="8" dur="1" fill="hold">
-                                          <p:stCondLst>
-                                            <p:cond delay="0"/>
-                                          </p:stCondLst>
-                                        </p:cTn>
-                                        <p:tgtEl>
-                                          <p:spTgt spid="14"/>
-                                        </p:tgtEl>
-                                        <p:attrNameLst>
-                                          <p:attrName>style.visibility</p:attrName>
-                                        </p:attrNameLst>
-                                      </p:cBhvr>
-                                      <p:to>
-                                        <p:strVal val="visible"/>
-                                      </p:to>
-                                    </p:set>
-                                  </p:childTnLst>
-                                </p:cTn>
-                              </p:par>
-                            </p:childTnLst>
-                          </p:cTn>
-                        </p:par>
-                      </p:childTnLst>
-                    </p:cTn>
-                  </p:par>
-                  <p:par>
-                    <p:cTn id="9" fill="hold">
-                      <p:stCondLst>
-                        <p:cond delay="indefinite"/>
-                      </p:stCondLst>
-                      <p:childTnLst>
-                        <p:par>
-                          <p:cTn id="10" fill="hold">
-                            <p:stCondLst>
-                              <p:cond delay="0"/>
-                            </p:stCondLst>
-                            <p:childTnLst>
-                              <p:par>
-                                <p:cTn id="11" presetID="1" presetClass="entr" presetSubtype="0" fill="hold" grpId="0" nodeType="clickEffect">
-                                  <p:stCondLst>
-                                    <p:cond delay="0"/>
-                                  </p:stCondLst>
-                                  <p:childTnLst>
-                                    <p:set>
-                                      <p:cBhvr>
-                                        <p:cTn id="12" dur="1" fill="hold">
-                                          <p:stCondLst>
-                                            <p:cond delay="0"/>
-                                          </p:stCondLst>
-                                        </p:cTn>
-                                        <p:tgtEl>
-                                          <p:spTgt spid="8"/>
-                                        </p:tgtEl>
-                                        <p:attrNameLst>
-                                          <p:attrName>style.visibility</p:attrName>
-                                        </p:attrNameLst>
-                                      </p:cBhvr>
-                                      <p:to>
-                                        <p:strVal val="visible"/>
-                                      </p:to>
-                                    </p:set>
-                                  </p:childTnLst>
-                                </p:cTn>
-                              </p:par>
-                            </p:childTnLst>
-                          </p:cTn>
-                        </p:par>
-                      </p:childTnLst>
-                    </p:cTn>
-                  </p:par>
-                  <p:par>
-                    <p:cTn id="13" fill="hold">
-                      <p:stCondLst>
-                        <p:cond delay="indefinite"/>
-                      </p:stCondLst>
-                      <p:childTnLst>
-                        <p:par>
-                          <p:cTn id="14" fill="hold">
-                            <p:stCondLst>
-                              <p:cond delay="0"/>
-                            </p:stCondLst>
-                            <p:childTnLst>
-                              <p:par>
-                                <p:cTn id="15" presetID="1" presetClass="entr" presetSubtype="0" fill="hold" grpId="0" nodeType="clickEffect">
-                                  <p:stCondLst>
-                                    <p:cond delay="0"/>
-                                  </p:stCondLst>
-                                  <p:childTnLst>
-                                    <p:set>
-                                      <p:cBhvr>
-                                        <p:cTn id="16" dur="1" fill="hold">
-                                          <p:stCondLst>
-                                            <p:cond delay="0"/>
-                                          </p:stCondLst>
-                                        </p:cTn>
-                                        <p:tgtEl>
-                                          <p:spTgt spid="15"/>
-                                        </p:tgtEl>
-                                        <p:attrNameLst>
-                                          <p:attrName>style.visibility</p:attrName>
-                                        </p:attrNameLst>
-                                      </p:cBhvr>
-                                      <p:to>
-                                        <p:strVal val="visible"/>
-                                      </p:to>
-                                    </p:set>
-                                  </p:childTnLst>
-                                </p:cTn>
-                              </p:par>
-                              <p:par>
-                                <p:cTn id="17" presetID="1" presetClass="entr" presetSubtype="0" fill="hold" grpId="0" nodeType="withEffect">
-                                  <p:stCondLst>
-                                    <p:cond delay="0"/>
-                                  </p:stCondLst>
-                                  <p:childTnLst>
-                                    <p:set>
-                                      <p:cBhvr>
-                                        <p:cTn id="18" dur="1" fill="hold">
-                                          <p:stCondLst>
-                                            <p:cond delay="0"/>
-                                          </p:stCondLst>
-                                        </p:cTn>
-                                        <p:tgtEl>
-                                          <p:spTgt spid="16"/>
-                                        </p:tgtEl>
-                                        <p:attrNameLst>
-                                          <p:attrName>style.visibility</p:attrName>
-                                        </p:attrNameLst>
-                                      </p:cBhvr>
-                                      <p:to>
-                                        <p:strVal val="visible"/>
-                                      </p:to>
-                                    </p:set>
-                                  </p:childTnLst>
-                                </p:cTn>
-                              </p:par>
-                            </p:childTnLst>
-                          </p:cTn>
-                        </p:par>
-                      </p:childTnLst>
-                    </p:cTn>
-                  </p:par>
-                </p:childTnLst>
-              </p:cTn>
-              <p:prevCondLst>
-                <p:cond evt="onPrev" delay="0">
-                  <p:tgtEl>
-                    <p:sldTgt/>
-                  </p:tgtEl>
-                </p:cond>
-              </p:prevCondLst>
-              <p:nextCondLst>
-                <p:cond evt="onNext" delay="0">
-                  <p:tgtEl>
-                    <p:sldTgt/>
-                  </p:tgtEl>
-                </p:cond>
-              </p:nextCondLst>
-            </p:seq>
-          </p:childTnLst>
-        </p:cTn>
+        <p:cTn id="1" dur="indefinite" restart="never" nodeType="tmRoot"/>
       </p:par>
     </p:tnLst>
-    <p:bldLst>
-      <p:bldP spid="8" grpId="0" animBg="1"/>
-      <p:bldP spid="9" grpId="0" animBg="1"/>
-      <p:bldP spid="14" grpId="0" animBg="1"/>
-      <p:bldP spid="15" grpId="0" animBg="1"/>
-      <p:bldP spid="16" grpId="0" animBg="1"/>
-    </p:bldLst>
   </p:timing>
 </p:sld>
 </file>
@@ -7776,11 +7414,7 @@
             <a:pPr algn="ctr"/>
             <a:r>
               <a:rPr lang="en-US" altLang="zh-CN" dirty="0" err="1" smtClean="0"/>
-              <a:t>r</a:t>
-            </a:r>
-            <a:r>
-              <a:rPr lang="en-US" altLang="zh-CN" dirty="0" err="1" smtClean="0"/>
-              <a:t>oomUserNotificationResponce</a:t>
+              <a:t>roomUserNotificationResponce</a:t>
             </a:r>
             <a:endParaRPr lang="en-US" altLang="zh-CN" dirty="0" smtClean="0"/>
           </a:p>
@@ -7891,200 +7525,9 @@
   <p:timing>
     <p:tnLst>
       <p:par>
-        <p:cTn id="1" dur="indefinite" restart="never" nodeType="tmRoot">
-          <p:childTnLst>
-            <p:seq concurrent="1" nextAc="seek">
-              <p:cTn id="2" dur="indefinite" nodeType="mainSeq">
-                <p:childTnLst>
-                  <p:par>
-                    <p:cTn id="3" fill="hold">
-                      <p:stCondLst>
-                        <p:cond delay="indefinite"/>
-                      </p:stCondLst>
-                      <p:childTnLst>
-                        <p:par>
-                          <p:cTn id="4" fill="hold">
-                            <p:stCondLst>
-                              <p:cond delay="0"/>
-                            </p:stCondLst>
-                            <p:childTnLst>
-                              <p:par>
-                                <p:cTn id="5" presetID="1" presetClass="entr" presetSubtype="0" fill="hold" grpId="0" nodeType="clickEffect">
-                                  <p:stCondLst>
-                                    <p:cond delay="0"/>
-                                  </p:stCondLst>
-                                  <p:childTnLst>
-                                    <p:set>
-                                      <p:cBhvr>
-                                        <p:cTn id="6" dur="1" fill="hold">
-                                          <p:stCondLst>
-                                            <p:cond delay="0"/>
-                                          </p:stCondLst>
-                                        </p:cTn>
-                                        <p:tgtEl>
-                                          <p:spTgt spid="8"/>
-                                        </p:tgtEl>
-                                        <p:attrNameLst>
-                                          <p:attrName>style.visibility</p:attrName>
-                                        </p:attrNameLst>
-                                      </p:cBhvr>
-                                      <p:to>
-                                        <p:strVal val="visible"/>
-                                      </p:to>
-                                    </p:set>
-                                  </p:childTnLst>
-                                </p:cTn>
-                              </p:par>
-                            </p:childTnLst>
-                          </p:cTn>
-                        </p:par>
-                      </p:childTnLst>
-                    </p:cTn>
-                  </p:par>
-                  <p:par>
-                    <p:cTn id="7" fill="hold">
-                      <p:stCondLst>
-                        <p:cond delay="indefinite"/>
-                      </p:stCondLst>
-                      <p:childTnLst>
-                        <p:par>
-                          <p:cTn id="8" fill="hold">
-                            <p:stCondLst>
-                              <p:cond delay="0"/>
-                            </p:stCondLst>
-                            <p:childTnLst>
-                              <p:par>
-                                <p:cTn id="9" presetID="1" presetClass="entr" presetSubtype="0" fill="hold" grpId="0" nodeType="clickEffect">
-                                  <p:stCondLst>
-                                    <p:cond delay="0"/>
-                                  </p:stCondLst>
-                                  <p:childTnLst>
-                                    <p:set>
-                                      <p:cBhvr>
-                                        <p:cTn id="10" dur="1" fill="hold">
-                                          <p:stCondLst>
-                                            <p:cond delay="0"/>
-                                          </p:stCondLst>
-                                        </p:cTn>
-                                        <p:tgtEl>
-                                          <p:spTgt spid="7"/>
-                                        </p:tgtEl>
-                                        <p:attrNameLst>
-                                          <p:attrName>style.visibility</p:attrName>
-                                        </p:attrNameLst>
-                                      </p:cBhvr>
-                                      <p:to>
-                                        <p:strVal val="visible"/>
-                                      </p:to>
-                                    </p:set>
-                                  </p:childTnLst>
-                                </p:cTn>
-                              </p:par>
-                            </p:childTnLst>
-                          </p:cTn>
-                        </p:par>
-                      </p:childTnLst>
-                    </p:cTn>
-                  </p:par>
-                  <p:par>
-                    <p:cTn id="11" fill="hold">
-                      <p:stCondLst>
-                        <p:cond delay="indefinite"/>
-                      </p:stCondLst>
-                      <p:childTnLst>
-                        <p:par>
-                          <p:cTn id="12" fill="hold">
-                            <p:stCondLst>
-                              <p:cond delay="0"/>
-                            </p:stCondLst>
-                            <p:childTnLst>
-                              <p:par>
-                                <p:cTn id="13" presetID="1" presetClass="entr" presetSubtype="0" fill="hold" grpId="0" nodeType="clickEffect">
-                                  <p:stCondLst>
-                                    <p:cond delay="0"/>
-                                  </p:stCondLst>
-                                  <p:childTnLst>
-                                    <p:set>
-                                      <p:cBhvr>
-                                        <p:cTn id="14" dur="1" fill="hold">
-                                          <p:stCondLst>
-                                            <p:cond delay="0"/>
-                                          </p:stCondLst>
-                                        </p:cTn>
-                                        <p:tgtEl>
-                                          <p:spTgt spid="14"/>
-                                        </p:tgtEl>
-                                        <p:attrNameLst>
-                                          <p:attrName>style.visibility</p:attrName>
-                                        </p:attrNameLst>
-                                      </p:cBhvr>
-                                      <p:to>
-                                        <p:strVal val="visible"/>
-                                      </p:to>
-                                    </p:set>
-                                  </p:childTnLst>
-                                </p:cTn>
-                              </p:par>
-                              <p:par>
-                                <p:cTn id="15" presetID="1" presetClass="entr" presetSubtype="0" fill="hold" grpId="0" nodeType="withEffect">
-                                  <p:stCondLst>
-                                    <p:cond delay="0"/>
-                                  </p:stCondLst>
-                                  <p:childTnLst>
-                                    <p:set>
-                                      <p:cBhvr>
-                                        <p:cTn id="16" dur="1" fill="hold">
-                                          <p:stCondLst>
-                                            <p:cond delay="0"/>
-                                          </p:stCondLst>
-                                        </p:cTn>
-                                        <p:tgtEl>
-                                          <p:spTgt spid="15"/>
-                                        </p:tgtEl>
-                                        <p:attrNameLst>
-                                          <p:attrName>style.visibility</p:attrName>
-                                        </p:attrNameLst>
-                                      </p:cBhvr>
-                                      <p:to>
-                                        <p:strVal val="visible"/>
-                                      </p:to>
-                                    </p:set>
-                                  </p:childTnLst>
-                                </p:cTn>
-                              </p:par>
-                            </p:childTnLst>
-                          </p:cTn>
-                        </p:par>
-                      </p:childTnLst>
-                    </p:cTn>
-                  </p:par>
-                </p:childTnLst>
-              </p:cTn>
-              <p:prevCondLst>
-                <p:cond evt="onPrev" delay="0">
-                  <p:tgtEl>
-                    <p:sldTgt/>
-                  </p:tgtEl>
-                </p:cond>
-              </p:prevCondLst>
-              <p:nextCondLst>
-                <p:cond evt="onNext" delay="0">
-                  <p:tgtEl>
-                    <p:sldTgt/>
-                  </p:tgtEl>
-                </p:cond>
-              </p:nextCondLst>
-            </p:seq>
-          </p:childTnLst>
-        </p:cTn>
+        <p:cTn id="1" dur="indefinite" restart="never" nodeType="tmRoot"/>
       </p:par>
     </p:tnLst>
-    <p:bldLst>
-      <p:bldP spid="7" grpId="0" animBg="1"/>
-      <p:bldP spid="8" grpId="0" animBg="1"/>
-      <p:bldP spid="14" grpId="0" animBg="1"/>
-      <p:bldP spid="15" grpId="0" animBg="1"/>
-    </p:bldLst>
   </p:timing>
 </p:sld>
 </file>
@@ -8249,7 +7692,6 @@
               <a:rPr lang="en-US" altLang="zh-CN" dirty="0" smtClean="0"/>
               <a:t>message</a:t>
             </a:r>
-            <a:endParaRPr lang="en-US" altLang="zh-CN" dirty="0" smtClean="0"/>
           </a:p>
         </p:txBody>
       </p:sp>
@@ -8493,7 +7935,6 @@
               <a:rPr lang="en-US" altLang="zh-CN" dirty="0" smtClean="0"/>
               <a:t>owner</a:t>
             </a:r>
-            <a:endParaRPr lang="en-US" altLang="zh-CN" dirty="0" smtClean="0"/>
           </a:p>
           <a:p>
             <a:pPr algn="ctr"/>
@@ -9091,228 +8532,9 @@
   <p:timing>
     <p:tnLst>
       <p:par>
-        <p:cTn id="1" dur="indefinite" restart="never" nodeType="tmRoot">
-          <p:childTnLst>
-            <p:seq concurrent="1" nextAc="seek">
-              <p:cTn id="2" dur="indefinite" nodeType="mainSeq">
-                <p:childTnLst>
-                  <p:par>
-                    <p:cTn id="3" fill="hold">
-                      <p:stCondLst>
-                        <p:cond delay="indefinite"/>
-                      </p:stCondLst>
-                      <p:childTnLst>
-                        <p:par>
-                          <p:cTn id="4" fill="hold">
-                            <p:stCondLst>
-                              <p:cond delay="0"/>
-                            </p:stCondLst>
-                            <p:childTnLst>
-                              <p:par>
-                                <p:cTn id="5" presetID="1" presetClass="entr" presetSubtype="0" fill="hold" grpId="0" nodeType="clickEffect">
-                                  <p:stCondLst>
-                                    <p:cond delay="0"/>
-                                  </p:stCondLst>
-                                  <p:childTnLst>
-                                    <p:set>
-                                      <p:cBhvr>
-                                        <p:cTn id="6" dur="1" fill="hold">
-                                          <p:stCondLst>
-                                            <p:cond delay="0"/>
-                                          </p:stCondLst>
-                                        </p:cTn>
-                                        <p:tgtEl>
-                                          <p:spTgt spid="9"/>
-                                        </p:tgtEl>
-                                        <p:attrNameLst>
-                                          <p:attrName>style.visibility</p:attrName>
-                                        </p:attrNameLst>
-                                      </p:cBhvr>
-                                      <p:to>
-                                        <p:strVal val="visible"/>
-                                      </p:to>
-                                    </p:set>
-                                  </p:childTnLst>
-                                </p:cTn>
-                              </p:par>
-                            </p:childTnLst>
-                          </p:cTn>
-                        </p:par>
-                      </p:childTnLst>
-                    </p:cTn>
-                  </p:par>
-                  <p:par>
-                    <p:cTn id="7" fill="hold">
-                      <p:stCondLst>
-                        <p:cond delay="indefinite"/>
-                      </p:stCondLst>
-                      <p:childTnLst>
-                        <p:par>
-                          <p:cTn id="8" fill="hold">
-                            <p:stCondLst>
-                              <p:cond delay="0"/>
-                            </p:stCondLst>
-                            <p:childTnLst>
-                              <p:par>
-                                <p:cTn id="9" presetID="1" presetClass="entr" presetSubtype="0" fill="hold" grpId="0" nodeType="clickEffect">
-                                  <p:stCondLst>
-                                    <p:cond delay="0"/>
-                                  </p:stCondLst>
-                                  <p:childTnLst>
-                                    <p:set>
-                                      <p:cBhvr>
-                                        <p:cTn id="10" dur="1" fill="hold">
-                                          <p:stCondLst>
-                                            <p:cond delay="0"/>
-                                          </p:stCondLst>
-                                        </p:cTn>
-                                        <p:tgtEl>
-                                          <p:spTgt spid="8"/>
-                                        </p:tgtEl>
-                                        <p:attrNameLst>
-                                          <p:attrName>style.visibility</p:attrName>
-                                        </p:attrNameLst>
-                                      </p:cBhvr>
-                                      <p:to>
-                                        <p:strVal val="visible"/>
-                                      </p:to>
-                                    </p:set>
-                                  </p:childTnLst>
-                                </p:cTn>
-                              </p:par>
-                            </p:childTnLst>
-                          </p:cTn>
-                        </p:par>
-                      </p:childTnLst>
-                    </p:cTn>
-                  </p:par>
-                  <p:par>
-                    <p:cTn id="11" fill="hold">
-                      <p:stCondLst>
-                        <p:cond delay="indefinite"/>
-                      </p:stCondLst>
-                      <p:childTnLst>
-                        <p:par>
-                          <p:cTn id="12" fill="hold">
-                            <p:stCondLst>
-                              <p:cond delay="0"/>
-                            </p:stCondLst>
-                            <p:childTnLst>
-                              <p:par>
-                                <p:cTn id="13" presetID="1" presetClass="entr" presetSubtype="0" fill="hold" grpId="0" nodeType="clickEffect">
-                                  <p:stCondLst>
-                                    <p:cond delay="0"/>
-                                  </p:stCondLst>
-                                  <p:childTnLst>
-                                    <p:set>
-                                      <p:cBhvr>
-                                        <p:cTn id="14" dur="1" fill="hold">
-                                          <p:stCondLst>
-                                            <p:cond delay="0"/>
-                                          </p:stCondLst>
-                                        </p:cTn>
-                                        <p:tgtEl>
-                                          <p:spTgt spid="15"/>
-                                        </p:tgtEl>
-                                        <p:attrNameLst>
-                                          <p:attrName>style.visibility</p:attrName>
-                                        </p:attrNameLst>
-                                      </p:cBhvr>
-                                      <p:to>
-                                        <p:strVal val="visible"/>
-                                      </p:to>
-                                    </p:set>
-                                  </p:childTnLst>
-                                </p:cTn>
-                              </p:par>
-                              <p:par>
-                                <p:cTn id="15" presetID="1" presetClass="entr" presetSubtype="0" fill="hold" grpId="0" nodeType="withEffect">
-                                  <p:stCondLst>
-                                    <p:cond delay="0"/>
-                                  </p:stCondLst>
-                                  <p:childTnLst>
-                                    <p:set>
-                                      <p:cBhvr>
-                                        <p:cTn id="16" dur="1" fill="hold">
-                                          <p:stCondLst>
-                                            <p:cond delay="0"/>
-                                          </p:stCondLst>
-                                        </p:cTn>
-                                        <p:tgtEl>
-                                          <p:spTgt spid="16"/>
-                                        </p:tgtEl>
-                                        <p:attrNameLst>
-                                          <p:attrName>style.visibility</p:attrName>
-                                        </p:attrNameLst>
-                                      </p:cBhvr>
-                                      <p:to>
-                                        <p:strVal val="visible"/>
-                                      </p:to>
-                                    </p:set>
-                                  </p:childTnLst>
-                                </p:cTn>
-                              </p:par>
-                              <p:par>
-                                <p:cTn id="17" presetID="1" presetClass="entr" presetSubtype="0" fill="hold" grpId="0" nodeType="withEffect">
-                                  <p:stCondLst>
-                                    <p:cond delay="0"/>
-                                  </p:stCondLst>
-                                  <p:childTnLst>
-                                    <p:set>
-                                      <p:cBhvr>
-                                        <p:cTn id="18" dur="1" fill="hold">
-                                          <p:stCondLst>
-                                            <p:cond delay="0"/>
-                                          </p:stCondLst>
-                                        </p:cTn>
-                                        <p:tgtEl>
-                                          <p:spTgt spid="18"/>
-                                        </p:tgtEl>
-                                        <p:attrNameLst>
-                                          <p:attrName>style.visibility</p:attrName>
-                                        </p:attrNameLst>
-                                      </p:cBhvr>
-                                      <p:to>
-                                        <p:strVal val="visible"/>
-                                      </p:to>
-                                    </p:set>
-                                  </p:childTnLst>
-                                </p:cTn>
-                              </p:par>
-                            </p:childTnLst>
-                          </p:cTn>
-                        </p:par>
-                      </p:childTnLst>
-                    </p:cTn>
-                  </p:par>
-                </p:childTnLst>
-              </p:cTn>
-              <p:prevCondLst>
-                <p:cond evt="onPrev" delay="0">
-                  <p:tgtEl>
-                    <p:sldTgt/>
-                  </p:tgtEl>
-                </p:cond>
-              </p:prevCondLst>
-              <p:nextCondLst>
-                <p:cond evt="onNext" delay="0">
-                  <p:tgtEl>
-                    <p:sldTgt/>
-                  </p:tgtEl>
-                </p:cond>
-              </p:nextCondLst>
-            </p:seq>
-          </p:childTnLst>
-        </p:cTn>
+        <p:cTn id="1" dur="indefinite" restart="never" nodeType="tmRoot"/>
       </p:par>
     </p:tnLst>
-    <p:bldLst>
-      <p:bldP spid="8" grpId="0" animBg="1"/>
-      <p:bldP spid="9" grpId="0" animBg="1"/>
-      <p:bldP spid="15" grpId="0" animBg="1"/>
-      <p:bldP spid="16" grpId="0" animBg="1"/>
-      <p:bldP spid="18" grpId="0" animBg="1"/>
-    </p:bldLst>
   </p:timing>
 </p:sld>
 </file>
@@ -10000,7 +9222,6 @@
               <a:rPr lang="en-US" altLang="zh-CN" dirty="0" smtClean="0"/>
               <a:t>sender</a:t>
             </a:r>
-            <a:endParaRPr lang="en-US" altLang="zh-CN" dirty="0" smtClean="0"/>
           </a:p>
         </p:txBody>
       </p:sp>
@@ -10181,228 +9402,9 @@
   <p:timing>
     <p:tnLst>
       <p:par>
-        <p:cTn id="1" dur="indefinite" restart="never" nodeType="tmRoot">
-          <p:childTnLst>
-            <p:seq concurrent="1" nextAc="seek">
-              <p:cTn id="2" dur="indefinite" nodeType="mainSeq">
-                <p:childTnLst>
-                  <p:par>
-                    <p:cTn id="3" fill="hold">
-                      <p:stCondLst>
-                        <p:cond delay="indefinite"/>
-                      </p:stCondLst>
-                      <p:childTnLst>
-                        <p:par>
-                          <p:cTn id="4" fill="hold">
-                            <p:stCondLst>
-                              <p:cond delay="0"/>
-                            </p:stCondLst>
-                            <p:childTnLst>
-                              <p:par>
-                                <p:cTn id="5" presetID="1" presetClass="entr" presetSubtype="0" fill="hold" grpId="0" nodeType="clickEffect">
-                                  <p:stCondLst>
-                                    <p:cond delay="0"/>
-                                  </p:stCondLst>
-                                  <p:childTnLst>
-                                    <p:set>
-                                      <p:cBhvr>
-                                        <p:cTn id="6" dur="1" fill="hold">
-                                          <p:stCondLst>
-                                            <p:cond delay="0"/>
-                                          </p:stCondLst>
-                                        </p:cTn>
-                                        <p:tgtEl>
-                                          <p:spTgt spid="8"/>
-                                        </p:tgtEl>
-                                        <p:attrNameLst>
-                                          <p:attrName>style.visibility</p:attrName>
-                                        </p:attrNameLst>
-                                      </p:cBhvr>
-                                      <p:to>
-                                        <p:strVal val="visible"/>
-                                      </p:to>
-                                    </p:set>
-                                  </p:childTnLst>
-                                </p:cTn>
-                              </p:par>
-                              <p:par>
-                                <p:cTn id="7" presetID="1" presetClass="entr" presetSubtype="0" fill="hold" grpId="0" nodeType="withEffect">
-                                  <p:stCondLst>
-                                    <p:cond delay="0"/>
-                                  </p:stCondLst>
-                                  <p:childTnLst>
-                                    <p:set>
-                                      <p:cBhvr>
-                                        <p:cTn id="8" dur="1" fill="hold">
-                                          <p:stCondLst>
-                                            <p:cond delay="0"/>
-                                          </p:stCondLst>
-                                        </p:cTn>
-                                        <p:tgtEl>
-                                          <p:spTgt spid="11"/>
-                                        </p:tgtEl>
-                                        <p:attrNameLst>
-                                          <p:attrName>style.visibility</p:attrName>
-                                        </p:attrNameLst>
-                                      </p:cBhvr>
-                                      <p:to>
-                                        <p:strVal val="visible"/>
-                                      </p:to>
-                                    </p:set>
-                                  </p:childTnLst>
-                                </p:cTn>
-                              </p:par>
-                            </p:childTnLst>
-                          </p:cTn>
-                        </p:par>
-                      </p:childTnLst>
-                    </p:cTn>
-                  </p:par>
-                  <p:par>
-                    <p:cTn id="9" fill="hold">
-                      <p:stCondLst>
-                        <p:cond delay="indefinite"/>
-                      </p:stCondLst>
-                      <p:childTnLst>
-                        <p:par>
-                          <p:cTn id="10" fill="hold">
-                            <p:stCondLst>
-                              <p:cond delay="0"/>
-                            </p:stCondLst>
-                            <p:childTnLst>
-                              <p:par>
-                                <p:cTn id="11" presetID="1" presetClass="entr" presetSubtype="0" fill="hold" grpId="0" nodeType="clickEffect">
-                                  <p:stCondLst>
-                                    <p:cond delay="0"/>
-                                  </p:stCondLst>
-                                  <p:childTnLst>
-                                    <p:set>
-                                      <p:cBhvr>
-                                        <p:cTn id="12" dur="1" fill="hold">
-                                          <p:stCondLst>
-                                            <p:cond delay="0"/>
-                                          </p:stCondLst>
-                                        </p:cTn>
-                                        <p:tgtEl>
-                                          <p:spTgt spid="7"/>
-                                        </p:tgtEl>
-                                        <p:attrNameLst>
-                                          <p:attrName>style.visibility</p:attrName>
-                                        </p:attrNameLst>
-                                      </p:cBhvr>
-                                      <p:to>
-                                        <p:strVal val="visible"/>
-                                      </p:to>
-                                    </p:set>
-                                  </p:childTnLst>
-                                </p:cTn>
-                              </p:par>
-                            </p:childTnLst>
-                          </p:cTn>
-                        </p:par>
-                      </p:childTnLst>
-                    </p:cTn>
-                  </p:par>
-                  <p:par>
-                    <p:cTn id="13" fill="hold">
-                      <p:stCondLst>
-                        <p:cond delay="indefinite"/>
-                      </p:stCondLst>
-                      <p:childTnLst>
-                        <p:par>
-                          <p:cTn id="14" fill="hold">
-                            <p:stCondLst>
-                              <p:cond delay="0"/>
-                            </p:stCondLst>
-                            <p:childTnLst>
-                              <p:par>
-                                <p:cTn id="15" presetID="1" presetClass="entr" presetSubtype="0" fill="hold" grpId="0" nodeType="clickEffect">
-                                  <p:stCondLst>
-                                    <p:cond delay="0"/>
-                                  </p:stCondLst>
-                                  <p:childTnLst>
-                                    <p:set>
-                                      <p:cBhvr>
-                                        <p:cTn id="16" dur="1" fill="hold">
-                                          <p:stCondLst>
-                                            <p:cond delay="0"/>
-                                          </p:stCondLst>
-                                        </p:cTn>
-                                        <p:tgtEl>
-                                          <p:spTgt spid="12"/>
-                                        </p:tgtEl>
-                                        <p:attrNameLst>
-                                          <p:attrName>style.visibility</p:attrName>
-                                        </p:attrNameLst>
-                                      </p:cBhvr>
-                                      <p:to>
-                                        <p:strVal val="visible"/>
-                                      </p:to>
-                                    </p:set>
-                                  </p:childTnLst>
-                                </p:cTn>
-                              </p:par>
-                              <p:par>
-                                <p:cTn id="17" presetID="1" presetClass="entr" presetSubtype="0" fill="hold" grpId="0" nodeType="withEffect">
-                                  <p:stCondLst>
-                                    <p:cond delay="0"/>
-                                  </p:stCondLst>
-                                  <p:childTnLst>
-                                    <p:set>
-                                      <p:cBhvr>
-                                        <p:cTn id="18" dur="1" fill="hold">
-                                          <p:stCondLst>
-                                            <p:cond delay="0"/>
-                                          </p:stCondLst>
-                                        </p:cTn>
-                                        <p:tgtEl>
-                                          <p:spTgt spid="13"/>
-                                        </p:tgtEl>
-                                        <p:attrNameLst>
-                                          <p:attrName>style.visibility</p:attrName>
-                                        </p:attrNameLst>
-                                      </p:cBhvr>
-                                      <p:to>
-                                        <p:strVal val="visible"/>
-                                      </p:to>
-                                    </p:set>
-                                  </p:childTnLst>
-                                </p:cTn>
-                              </p:par>
-                            </p:childTnLst>
-                          </p:cTn>
-                        </p:par>
-                      </p:childTnLst>
-                    </p:cTn>
-                  </p:par>
-                </p:childTnLst>
-              </p:cTn>
-              <p:prevCondLst>
-                <p:cond evt="onPrev" delay="0">
-                  <p:tgtEl>
-                    <p:sldTgt/>
-                  </p:tgtEl>
-                </p:cond>
-              </p:prevCondLst>
-              <p:nextCondLst>
-                <p:cond evt="onNext" delay="0">
-                  <p:tgtEl>
-                    <p:sldTgt/>
-                  </p:tgtEl>
-                </p:cond>
-              </p:nextCondLst>
-            </p:seq>
-          </p:childTnLst>
-        </p:cTn>
+        <p:cTn id="1" dur="indefinite" restart="never" nodeType="tmRoot"/>
       </p:par>
     </p:tnLst>
-    <p:bldLst>
-      <p:bldP spid="7" grpId="0" animBg="1"/>
-      <p:bldP spid="8" grpId="0" animBg="1"/>
-      <p:bldP spid="11" grpId="0" animBg="1"/>
-      <p:bldP spid="12" grpId="0" animBg="1"/>
-      <p:bldP spid="13" grpId="0" animBg="1"/>
-    </p:bldLst>
   </p:timing>
 </p:sld>
 </file>

--- a/src/main/resources/final_CA_slides.pptx
+++ b/src/main/resources/final_CA_slides.pptx
@@ -119,7 +119,7 @@
   </p:defaultTextStyle>
   <p:extLst>
     <p:ext uri="{EFAFB233-063F-42B5-8137-9DF3F51BA10A}">
-      <p15:sldGuideLst xmlns:p15="http://schemas.microsoft.com/office/powerpoint/2012/main">
+      <p15:sldGuideLst xmlns:p15="http://schemas.microsoft.com/office/powerpoint/2012/main" xmlns="">
         <p15:guide id="1" orient="horz" pos="2160">
           <p15:clr>
             <a:srgbClr val="A4A3A4"/>
@@ -4538,7 +4538,7 @@
   <p:timing>
     <p:tnLst>
       <p:par>
-        <p:cTn id="1" dur="indefinite" restart="never" nodeType="tmRoot"/>
+        <p:cTn xmlns:p14="http://schemas.microsoft.com/office/powerpoint/2010/main" id="1" dur="indefinite" restart="never" nodeType="tmRoot"/>
       </p:par>
     </p:tnLst>
   </p:timing>
@@ -4660,8 +4660,8 @@
           </a:p>
           <a:p>
             <a:r>
-              <a:rPr lang="en-US" altLang="zh-CN" dirty="0" smtClean="0"/>
-              <a:t>Received</a:t>
+              <a:rPr lang="en-US" altLang="zh-CN" smtClean="0"/>
+              <a:t>Received (read)</a:t>
             </a:r>
             <a:r>
               <a:rPr lang="zh-CN" altLang="en-US" dirty="0" smtClean="0"/>
@@ -4845,7 +4845,7 @@
   <p:timing>
     <p:tnLst>
       <p:par>
-        <p:cTn id="1" dur="indefinite" restart="never" nodeType="tmRoot"/>
+        <p:cTn xmlns:p14="http://schemas.microsoft.com/office/powerpoint/2010/main" id="1" dur="indefinite" restart="never" nodeType="tmRoot"/>
       </p:par>
     </p:tnLst>
   </p:timing>
@@ -4910,7 +4910,7 @@
   <p:timing>
     <p:tnLst>
       <p:par>
-        <p:cTn id="1" dur="indefinite" restart="never" nodeType="tmRoot"/>
+        <p:cTn xmlns:p14="http://schemas.microsoft.com/office/powerpoint/2010/main" id="1" dur="indefinite" restart="never" nodeType="tmRoot"/>
       </p:par>
     </p:tnLst>
   </p:timing>
@@ -5008,7 +5008,7 @@
   <p:timing>
     <p:tnLst>
       <p:par>
-        <p:cTn id="1" dur="indefinite" restart="never" nodeType="tmRoot"/>
+        <p:cTn xmlns:p14="http://schemas.microsoft.com/office/powerpoint/2010/main" id="1" dur="indefinite" restart="never" nodeType="tmRoot"/>
       </p:par>
     </p:tnLst>
   </p:timing>
@@ -5106,7 +5106,7 @@
   <p:timing>
     <p:tnLst>
       <p:par>
-        <p:cTn id="1" dur="indefinite" restart="never" nodeType="tmRoot"/>
+        <p:cTn xmlns:p14="http://schemas.microsoft.com/office/powerpoint/2010/main" id="1" dur="indefinite" restart="never" nodeType="tmRoot"/>
       </p:par>
     </p:tnLst>
   </p:timing>
@@ -5173,7 +5173,7 @@
   <p:timing>
     <p:tnLst>
       <p:par>
-        <p:cTn id="1" dur="indefinite" restart="never" nodeType="tmRoot"/>
+        <p:cTn xmlns:p14="http://schemas.microsoft.com/office/powerpoint/2010/main" id="1" dur="indefinite" restart="never" nodeType="tmRoot"/>
       </p:par>
     </p:tnLst>
   </p:timing>
@@ -5949,7 +5949,7 @@
   <p:timing>
     <p:tnLst>
       <p:par>
-        <p:cTn id="1" dur="indefinite" restart="never" nodeType="tmRoot"/>
+        <p:cTn xmlns:p14="http://schemas.microsoft.com/office/powerpoint/2010/main" id="1" dur="indefinite" restart="never" nodeType="tmRoot"/>
       </p:par>
     </p:tnLst>
   </p:timing>
@@ -6744,7 +6744,7 @@
   <p:timing>
     <p:tnLst>
       <p:par>
-        <p:cTn id="1" dur="indefinite" restart="never" nodeType="tmRoot"/>
+        <p:cTn xmlns:p14="http://schemas.microsoft.com/office/powerpoint/2010/main" id="1" dur="indefinite" restart="never" nodeType="tmRoot"/>
       </p:par>
     </p:tnLst>
   </p:timing>
@@ -7525,7 +7525,7 @@
   <p:timing>
     <p:tnLst>
       <p:par>
-        <p:cTn id="1" dur="indefinite" restart="never" nodeType="tmRoot"/>
+        <p:cTn xmlns:p14="http://schemas.microsoft.com/office/powerpoint/2010/main" id="1" dur="indefinite" restart="never" nodeType="tmRoot"/>
       </p:par>
     </p:tnLst>
   </p:timing>
@@ -8532,7 +8532,7 @@
   <p:timing>
     <p:tnLst>
       <p:par>
-        <p:cTn id="1" dur="indefinite" restart="never" nodeType="tmRoot"/>
+        <p:cTn xmlns:p14="http://schemas.microsoft.com/office/powerpoint/2010/main" id="1" dur="indefinite" restart="never" nodeType="tmRoot"/>
       </p:par>
     </p:tnLst>
   </p:timing>
@@ -9402,7 +9402,7 @@
   <p:timing>
     <p:tnLst>
       <p:par>
-        <p:cTn id="1" dur="indefinite" restart="never" nodeType="tmRoot"/>
+        <p:cTn xmlns:p14="http://schemas.microsoft.com/office/powerpoint/2010/main" id="1" dur="indefinite" restart="never" nodeType="tmRoot"/>
       </p:par>
     </p:tnLst>
   </p:timing>
